--- a/Дифференциальный криптоанализ.pptx
+++ b/Дифференциальный криптоанализ.pptx
@@ -113,6 +113,11 @@
       </a:defRPr>
     </a:lvl9pPr>
   </p:defaultTextStyle>
+  <p:extLst>
+    <p:ext uri="{EFAFB233-063F-42B5-8137-9DF3F51BA10A}">
+      <p15:sldGuideLst xmlns:p15="http://schemas.microsoft.com/office/powerpoint/2012/main"/>
+    </p:ext>
+  </p:extLst>
 </p:presentation>
 </file>
 
@@ -8632,30 +8637,6 @@
           </a:p>
         </p:txBody>
       </p:sp>
-      <p:pic>
-        <p:nvPicPr>
-          <p:cNvPr id="4" name="Рисунок 3"/>
-          <p:cNvPicPr>
-            <a:picLocks noChangeAspect="1"/>
-          </p:cNvPicPr>
-          <p:nvPr/>
-        </p:nvPicPr>
-        <p:blipFill>
-          <a:blip r:embed="rId2"/>
-          <a:stretch>
-            <a:fillRect/>
-          </a:stretch>
-        </p:blipFill>
-        <p:spPr>
-          <a:xfrm>
-            <a:off x="7682827" y="2336873"/>
-            <a:ext cx="4170333" cy="2572011"/>
-          </a:xfrm>
-          <a:prstGeom prst="rect">
-            <a:avLst/>
-          </a:prstGeom>
-        </p:spPr>
-      </p:pic>
     </p:spTree>
     <p:extLst>
       <p:ext uri="{BB962C8B-B14F-4D97-AF65-F5344CB8AC3E}">
@@ -8771,54 +8752,2175 @@
           </a:p>
         </p:txBody>
       </p:sp>
-      <p:pic>
-        <p:nvPicPr>
-          <p:cNvPr id="4" name="Рисунок 3"/>
-          <p:cNvPicPr>
-            <a:picLocks noChangeAspect="1"/>
-          </p:cNvPicPr>
-          <p:nvPr/>
-        </p:nvPicPr>
-        <p:blipFill>
-          <a:blip r:embed="rId2"/>
-          <a:stretch>
-            <a:fillRect/>
-          </a:stretch>
-        </p:blipFill>
-        <p:spPr>
-          <a:xfrm>
-            <a:off x="680321" y="4120780"/>
-            <a:ext cx="5476875" cy="2076450"/>
-          </a:xfrm>
-          <a:prstGeom prst="rect">
-            <a:avLst/>
-          </a:prstGeom>
-        </p:spPr>
-      </p:pic>
-      <p:pic>
-        <p:nvPicPr>
-          <p:cNvPr id="5" name="Рисунок 4"/>
-          <p:cNvPicPr>
-            <a:picLocks noChangeAspect="1"/>
-          </p:cNvPicPr>
-          <p:nvPr/>
-        </p:nvPicPr>
-        <p:blipFill>
-          <a:blip r:embed="rId3"/>
-          <a:stretch>
-            <a:fillRect/>
-          </a:stretch>
-        </p:blipFill>
-        <p:spPr>
-          <a:xfrm>
-            <a:off x="8495048" y="4120780"/>
-            <a:ext cx="1362075" cy="2219325"/>
-          </a:xfrm>
-          <a:prstGeom prst="rect">
-            <a:avLst/>
-          </a:prstGeom>
-        </p:spPr>
-      </p:pic>
+      <p:graphicFrame>
+        <p:nvGraphicFramePr>
+          <p:cNvPr id="7" name="Таблица 6"/>
+          <p:cNvGraphicFramePr>
+            <a:graphicFrameLocks noGrp="1"/>
+          </p:cNvGraphicFramePr>
+          <p:nvPr>
+            <p:extLst>
+              <p:ext uri="{D42A27DB-BD31-4B8C-83A1-F6EECF244321}">
+                <p14:modId xmlns:p14="http://schemas.microsoft.com/office/powerpoint/2010/main" val="2292725801"/>
+              </p:ext>
+            </p:extLst>
+          </p:nvPr>
+        </p:nvGraphicFramePr>
+        <p:xfrm>
+          <a:off x="475485" y="4019699"/>
+          <a:ext cx="5491476" cy="2505480"/>
+        </p:xfrm>
+        <a:graphic>
+          <a:graphicData uri="http://schemas.openxmlformats.org/drawingml/2006/table">
+            <a:tbl>
+              <a:tblPr firstRow="1" bandRow="1">
+                <a:tableStyleId>{5C22544A-7EE6-4342-B048-85BDC9FD1C3A}</a:tableStyleId>
+              </a:tblPr>
+              <a:tblGrid>
+                <a:gridCol w="915246">
+                  <a:extLst>
+                    <a:ext uri="{9D8B030D-6E8A-4147-A177-3AD203B41FA5}">
+                      <a16:colId xmlns:a16="http://schemas.microsoft.com/office/drawing/2014/main" val="3620688664"/>
+                    </a:ext>
+                  </a:extLst>
+                </a:gridCol>
+                <a:gridCol w="915246">
+                  <a:extLst>
+                    <a:ext uri="{9D8B030D-6E8A-4147-A177-3AD203B41FA5}">
+                      <a16:colId xmlns:a16="http://schemas.microsoft.com/office/drawing/2014/main" val="3464764074"/>
+                    </a:ext>
+                  </a:extLst>
+                </a:gridCol>
+                <a:gridCol w="915246">
+                  <a:extLst>
+                    <a:ext uri="{9D8B030D-6E8A-4147-A177-3AD203B41FA5}">
+                      <a16:colId xmlns:a16="http://schemas.microsoft.com/office/drawing/2014/main" val="3236265173"/>
+                    </a:ext>
+                  </a:extLst>
+                </a:gridCol>
+                <a:gridCol w="915246">
+                  <a:extLst>
+                    <a:ext uri="{9D8B030D-6E8A-4147-A177-3AD203B41FA5}">
+                      <a16:colId xmlns:a16="http://schemas.microsoft.com/office/drawing/2014/main" val="1320518025"/>
+                    </a:ext>
+                  </a:extLst>
+                </a:gridCol>
+                <a:gridCol w="915246">
+                  <a:extLst>
+                    <a:ext uri="{9D8B030D-6E8A-4147-A177-3AD203B41FA5}">
+                      <a16:colId xmlns:a16="http://schemas.microsoft.com/office/drawing/2014/main" val="1465210887"/>
+                    </a:ext>
+                  </a:extLst>
+                </a:gridCol>
+                <a:gridCol w="915246">
+                  <a:extLst>
+                    <a:ext uri="{9D8B030D-6E8A-4147-A177-3AD203B41FA5}">
+                      <a16:colId xmlns:a16="http://schemas.microsoft.com/office/drawing/2014/main" val="3597341724"/>
+                    </a:ext>
+                  </a:extLst>
+                </a:gridCol>
+              </a:tblGrid>
+              <a:tr h="250548">
+                <a:tc>
+                  <a:txBody>
+                    <a:bodyPr/>
+                    <a:lstStyle/>
+                    <a:p>
+                      <a:pPr algn="ctr"/>
+                      <a:endParaRPr lang="ru-RU" sz="1200" dirty="0"/>
+                    </a:p>
+                  </a:txBody>
+                  <a:tcPr marL="61779" marR="61779" marT="30890" marB="30890" anchor="ctr"/>
+                </a:tc>
+                <a:tc gridSpan="5">
+                  <a:txBody>
+                    <a:bodyPr/>
+                    <a:lstStyle/>
+                    <a:p>
+                      <a:pPr algn="ctr"/>
+                      <a:r>
+                        <a:rPr lang="en-US" sz="1200" dirty="0" smtClean="0"/>
+                        <a:t>C1 + C2</a:t>
+                      </a:r>
+                      <a:endParaRPr lang="ru-RU" sz="1200" dirty="0"/>
+                    </a:p>
+                  </a:txBody>
+                  <a:tcPr marL="61779" marR="61779" marT="30890" marB="30890"/>
+                </a:tc>
+                <a:tc hMerge="1">
+                  <a:txBody>
+                    <a:bodyPr/>
+                    <a:lstStyle/>
+                    <a:p>
+                      <a:endParaRPr lang="ru-RU" sz="1200" dirty="0"/>
+                    </a:p>
+                  </a:txBody>
+                  <a:tcPr marL="61779" marR="61779" marT="30890" marB="30890"/>
+                </a:tc>
+                <a:tc hMerge="1">
+                  <a:txBody>
+                    <a:bodyPr/>
+                    <a:lstStyle/>
+                    <a:p>
+                      <a:endParaRPr lang="ru-RU" sz="1200" dirty="0"/>
+                    </a:p>
+                  </a:txBody>
+                  <a:tcPr marL="61779" marR="61779" marT="30890" marB="30890"/>
+                </a:tc>
+                <a:tc hMerge="1">
+                  <a:txBody>
+                    <a:bodyPr/>
+                    <a:lstStyle/>
+                    <a:p>
+                      <a:endParaRPr lang="ru-RU" sz="1200" dirty="0"/>
+                    </a:p>
+                  </a:txBody>
+                  <a:tcPr marL="61779" marR="61779" marT="30890" marB="30890"/>
+                </a:tc>
+                <a:tc hMerge="1">
+                  <a:txBody>
+                    <a:bodyPr/>
+                    <a:lstStyle/>
+                    <a:p>
+                      <a:endParaRPr lang="ru-RU" sz="1200" dirty="0"/>
+                    </a:p>
+                  </a:txBody>
+                  <a:tcPr marL="61779" marR="61779" marT="30890" marB="30890"/>
+                </a:tc>
+                <a:extLst>
+                  <a:ext uri="{0D108BD9-81ED-4DB2-BD59-A6C34878D82A}">
+                    <a16:rowId xmlns:a16="http://schemas.microsoft.com/office/drawing/2014/main" val="2122905449"/>
+                  </a:ext>
+                </a:extLst>
+              </a:tr>
+              <a:tr h="250548">
+                <a:tc rowSpan="9">
+                  <a:txBody>
+                    <a:bodyPr/>
+                    <a:lstStyle/>
+                    <a:p>
+                      <a:pPr algn="ctr"/>
+                      <a:r>
+                        <a:rPr lang="en-US" sz="1200" dirty="0" smtClean="0"/>
+                        <a:t>P1 + P2</a:t>
+                      </a:r>
+                      <a:endParaRPr lang="ru-RU" sz="1200" dirty="0"/>
+                    </a:p>
+                  </a:txBody>
+                  <a:tcPr marL="61779" marR="61779" marT="30890" marB="30890" anchor="ctr"/>
+                </a:tc>
+                <a:tc>
+                  <a:txBody>
+                    <a:bodyPr/>
+                    <a:lstStyle/>
+                    <a:p>
+                      <a:endParaRPr lang="ru-RU" sz="1200" dirty="0"/>
+                    </a:p>
+                  </a:txBody>
+                  <a:tcPr marL="61779" marR="61779" marT="30890" marB="30890"/>
+                </a:tc>
+                <a:tc>
+                  <a:txBody>
+                    <a:bodyPr/>
+                    <a:lstStyle/>
+                    <a:p>
+                      <a:r>
+                        <a:rPr lang="ru-RU" sz="1200" dirty="0" smtClean="0"/>
+                        <a:t>00</a:t>
+                      </a:r>
+                      <a:endParaRPr lang="ru-RU" sz="1200" dirty="0"/>
+                    </a:p>
+                  </a:txBody>
+                  <a:tcPr marL="61779" marR="61779" marT="30890" marB="30890"/>
+                </a:tc>
+                <a:tc>
+                  <a:txBody>
+                    <a:bodyPr/>
+                    <a:lstStyle/>
+                    <a:p>
+                      <a:r>
+                        <a:rPr lang="ru-RU" sz="1200" dirty="0" smtClean="0"/>
+                        <a:t>01</a:t>
+                      </a:r>
+                      <a:endParaRPr lang="ru-RU" sz="1200" dirty="0"/>
+                    </a:p>
+                  </a:txBody>
+                  <a:tcPr marL="61779" marR="61779" marT="30890" marB="30890"/>
+                </a:tc>
+                <a:tc>
+                  <a:txBody>
+                    <a:bodyPr/>
+                    <a:lstStyle/>
+                    <a:p>
+                      <a:r>
+                        <a:rPr lang="ru-RU" sz="1200" dirty="0" smtClean="0"/>
+                        <a:t>10</a:t>
+                      </a:r>
+                      <a:endParaRPr lang="ru-RU" sz="1200" dirty="0"/>
+                    </a:p>
+                  </a:txBody>
+                  <a:tcPr marL="61779" marR="61779" marT="30890" marB="30890"/>
+                </a:tc>
+                <a:tc>
+                  <a:txBody>
+                    <a:bodyPr/>
+                    <a:lstStyle/>
+                    <a:p>
+                      <a:r>
+                        <a:rPr lang="ru-RU" sz="1200" dirty="0" smtClean="0"/>
+                        <a:t>11</a:t>
+                      </a:r>
+                      <a:endParaRPr lang="ru-RU" sz="1200" dirty="0"/>
+                    </a:p>
+                  </a:txBody>
+                  <a:tcPr marL="61779" marR="61779" marT="30890" marB="30890"/>
+                </a:tc>
+                <a:extLst>
+                  <a:ext uri="{0D108BD9-81ED-4DB2-BD59-A6C34878D82A}">
+                    <a16:rowId xmlns:a16="http://schemas.microsoft.com/office/drawing/2014/main" val="2452638906"/>
+                  </a:ext>
+                </a:extLst>
+              </a:tr>
+              <a:tr h="250548">
+                <a:tc vMerge="1">
+                  <a:txBody>
+                    <a:bodyPr/>
+                    <a:lstStyle/>
+                    <a:p>
+                      <a:endParaRPr lang="ru-RU" sz="1200" dirty="0"/>
+                    </a:p>
+                  </a:txBody>
+                  <a:tcPr marL="61779" marR="61779" marT="30890" marB="30890"/>
+                </a:tc>
+                <a:tc>
+                  <a:txBody>
+                    <a:bodyPr/>
+                    <a:lstStyle/>
+                    <a:p>
+                      <a:r>
+                        <a:rPr lang="ru-RU" sz="1200" dirty="0" smtClean="0"/>
+                        <a:t>000</a:t>
+                      </a:r>
+                      <a:endParaRPr lang="ru-RU" sz="1200" dirty="0"/>
+                    </a:p>
+                  </a:txBody>
+                  <a:tcPr marL="61779" marR="61779" marT="30890" marB="30890"/>
+                </a:tc>
+                <a:tc>
+                  <a:txBody>
+                    <a:bodyPr/>
+                    <a:lstStyle/>
+                    <a:p>
+                      <a:r>
+                        <a:rPr lang="ru-RU" sz="1200" dirty="0" smtClean="0"/>
+                        <a:t>8</a:t>
+                      </a:r>
+                      <a:endParaRPr lang="ru-RU" sz="1200" dirty="0"/>
+                    </a:p>
+                  </a:txBody>
+                  <a:tcPr marL="61779" marR="61779" marT="30890" marB="30890"/>
+                </a:tc>
+                <a:tc>
+                  <a:txBody>
+                    <a:bodyPr/>
+                    <a:lstStyle/>
+                    <a:p>
+                      <a:endParaRPr lang="ru-RU" sz="1200" dirty="0"/>
+                    </a:p>
+                  </a:txBody>
+                  <a:tcPr marL="61779" marR="61779" marT="30890" marB="30890"/>
+                </a:tc>
+                <a:tc>
+                  <a:txBody>
+                    <a:bodyPr/>
+                    <a:lstStyle/>
+                    <a:p>
+                      <a:endParaRPr lang="ru-RU" sz="1200" dirty="0"/>
+                    </a:p>
+                  </a:txBody>
+                  <a:tcPr marL="61779" marR="61779" marT="30890" marB="30890"/>
+                </a:tc>
+                <a:tc>
+                  <a:txBody>
+                    <a:bodyPr/>
+                    <a:lstStyle/>
+                    <a:p>
+                      <a:endParaRPr lang="ru-RU" sz="1200" dirty="0"/>
+                    </a:p>
+                  </a:txBody>
+                  <a:tcPr marL="61779" marR="61779" marT="30890" marB="30890"/>
+                </a:tc>
+                <a:extLst>
+                  <a:ext uri="{0D108BD9-81ED-4DB2-BD59-A6C34878D82A}">
+                    <a16:rowId xmlns:a16="http://schemas.microsoft.com/office/drawing/2014/main" val="3429442993"/>
+                  </a:ext>
+                </a:extLst>
+              </a:tr>
+              <a:tr h="250548">
+                <a:tc vMerge="1">
+                  <a:txBody>
+                    <a:bodyPr/>
+                    <a:lstStyle/>
+                    <a:p>
+                      <a:endParaRPr lang="ru-RU" sz="1200" dirty="0"/>
+                    </a:p>
+                  </a:txBody>
+                  <a:tcPr marL="61779" marR="61779" marT="30890" marB="30890"/>
+                </a:tc>
+                <a:tc>
+                  <a:txBody>
+                    <a:bodyPr/>
+                    <a:lstStyle/>
+                    <a:p>
+                      <a:r>
+                        <a:rPr lang="ru-RU" sz="1200" dirty="0" smtClean="0"/>
+                        <a:t>001</a:t>
+                      </a:r>
+                      <a:endParaRPr lang="ru-RU" sz="1200" dirty="0"/>
+                    </a:p>
+                  </a:txBody>
+                  <a:tcPr marL="61779" marR="61779" marT="30890" marB="30890"/>
+                </a:tc>
+                <a:tc>
+                  <a:txBody>
+                    <a:bodyPr/>
+                    <a:lstStyle/>
+                    <a:p>
+                      <a:r>
+                        <a:rPr lang="ru-RU" sz="1200" dirty="0" smtClean="0"/>
+                        <a:t>2</a:t>
+                      </a:r>
+                      <a:endParaRPr lang="ru-RU" sz="1200" dirty="0"/>
+                    </a:p>
+                  </a:txBody>
+                  <a:tcPr marL="61779" marR="61779" marT="30890" marB="30890"/>
+                </a:tc>
+                <a:tc>
+                  <a:txBody>
+                    <a:bodyPr/>
+                    <a:lstStyle/>
+                    <a:p>
+                      <a:r>
+                        <a:rPr lang="ru-RU" sz="1200" dirty="0" smtClean="0"/>
+                        <a:t>2</a:t>
+                      </a:r>
+                      <a:endParaRPr lang="ru-RU" sz="1200" dirty="0"/>
+                    </a:p>
+                  </a:txBody>
+                  <a:tcPr marL="61779" marR="61779" marT="30890" marB="30890"/>
+                </a:tc>
+                <a:tc>
+                  <a:txBody>
+                    <a:bodyPr/>
+                    <a:lstStyle/>
+                    <a:p>
+                      <a:endParaRPr lang="ru-RU" sz="1200" dirty="0"/>
+                    </a:p>
+                  </a:txBody>
+                  <a:tcPr marL="61779" marR="61779" marT="30890" marB="30890"/>
+                </a:tc>
+                <a:tc>
+                  <a:txBody>
+                    <a:bodyPr/>
+                    <a:lstStyle/>
+                    <a:p>
+                      <a:r>
+                        <a:rPr lang="ru-RU" sz="1200" dirty="0" smtClean="0"/>
+                        <a:t>4</a:t>
+                      </a:r>
+                      <a:endParaRPr lang="ru-RU" sz="1200" dirty="0"/>
+                    </a:p>
+                  </a:txBody>
+                  <a:tcPr marL="61779" marR="61779" marT="30890" marB="30890"/>
+                </a:tc>
+                <a:extLst>
+                  <a:ext uri="{0D108BD9-81ED-4DB2-BD59-A6C34878D82A}">
+                    <a16:rowId xmlns:a16="http://schemas.microsoft.com/office/drawing/2014/main" val="1386123690"/>
+                  </a:ext>
+                </a:extLst>
+              </a:tr>
+              <a:tr h="250548">
+                <a:tc vMerge="1">
+                  <a:txBody>
+                    <a:bodyPr/>
+                    <a:lstStyle/>
+                    <a:p>
+                      <a:endParaRPr lang="ru-RU" sz="1200" dirty="0"/>
+                    </a:p>
+                  </a:txBody>
+                  <a:tcPr marL="61779" marR="61779" marT="30890" marB="30890"/>
+                </a:tc>
+                <a:tc>
+                  <a:txBody>
+                    <a:bodyPr/>
+                    <a:lstStyle/>
+                    <a:p>
+                      <a:r>
+                        <a:rPr lang="ru-RU" sz="1200" dirty="0" smtClean="0"/>
+                        <a:t>010</a:t>
+                      </a:r>
+                      <a:endParaRPr lang="ru-RU" sz="1200" dirty="0"/>
+                    </a:p>
+                  </a:txBody>
+                  <a:tcPr marL="61779" marR="61779" marT="30890" marB="30890"/>
+                </a:tc>
+                <a:tc>
+                  <a:txBody>
+                    <a:bodyPr/>
+                    <a:lstStyle/>
+                    <a:p>
+                      <a:r>
+                        <a:rPr lang="ru-RU" sz="1200" dirty="0" smtClean="0"/>
+                        <a:t>2</a:t>
+                      </a:r>
+                      <a:endParaRPr lang="ru-RU" sz="1200" dirty="0"/>
+                    </a:p>
+                  </a:txBody>
+                  <a:tcPr marL="61779" marR="61779" marT="30890" marB="30890"/>
+                </a:tc>
+                <a:tc>
+                  <a:txBody>
+                    <a:bodyPr/>
+                    <a:lstStyle/>
+                    <a:p>
+                      <a:r>
+                        <a:rPr lang="ru-RU" sz="1200" dirty="0" smtClean="0"/>
+                        <a:t>2</a:t>
+                      </a:r>
+                      <a:endParaRPr lang="ru-RU" sz="1200" dirty="0"/>
+                    </a:p>
+                  </a:txBody>
+                  <a:tcPr marL="61779" marR="61779" marT="30890" marB="30890"/>
+                </a:tc>
+                <a:tc>
+                  <a:txBody>
+                    <a:bodyPr/>
+                    <a:lstStyle/>
+                    <a:p>
+                      <a:r>
+                        <a:rPr lang="ru-RU" sz="1200" dirty="0" smtClean="0"/>
+                        <a:t>4</a:t>
+                      </a:r>
+                      <a:endParaRPr lang="ru-RU" sz="1200" dirty="0"/>
+                    </a:p>
+                  </a:txBody>
+                  <a:tcPr marL="61779" marR="61779" marT="30890" marB="30890"/>
+                </a:tc>
+                <a:tc>
+                  <a:txBody>
+                    <a:bodyPr/>
+                    <a:lstStyle/>
+                    <a:p>
+                      <a:endParaRPr lang="ru-RU" sz="1200" dirty="0"/>
+                    </a:p>
+                  </a:txBody>
+                  <a:tcPr marL="61779" marR="61779" marT="30890" marB="30890"/>
+                </a:tc>
+                <a:extLst>
+                  <a:ext uri="{0D108BD9-81ED-4DB2-BD59-A6C34878D82A}">
+                    <a16:rowId xmlns:a16="http://schemas.microsoft.com/office/drawing/2014/main" val="807418880"/>
+                  </a:ext>
+                </a:extLst>
+              </a:tr>
+              <a:tr h="250548">
+                <a:tc vMerge="1">
+                  <a:txBody>
+                    <a:bodyPr/>
+                    <a:lstStyle/>
+                    <a:p>
+                      <a:endParaRPr lang="ru-RU" sz="1200" dirty="0"/>
+                    </a:p>
+                  </a:txBody>
+                  <a:tcPr marL="61779" marR="61779" marT="30890" marB="30890"/>
+                </a:tc>
+                <a:tc>
+                  <a:txBody>
+                    <a:bodyPr/>
+                    <a:lstStyle/>
+                    <a:p>
+                      <a:r>
+                        <a:rPr lang="ru-RU" sz="1200" dirty="0" smtClean="0"/>
+                        <a:t>011</a:t>
+                      </a:r>
+                      <a:endParaRPr lang="ru-RU" sz="1200" dirty="0"/>
+                    </a:p>
+                  </a:txBody>
+                  <a:tcPr marL="61779" marR="61779" marT="30890" marB="30890"/>
+                </a:tc>
+                <a:tc>
+                  <a:txBody>
+                    <a:bodyPr/>
+                    <a:lstStyle/>
+                    <a:p>
+                      <a:endParaRPr lang="ru-RU" sz="1200" dirty="0"/>
+                    </a:p>
+                  </a:txBody>
+                  <a:tcPr marL="61779" marR="61779" marT="30890" marB="30890"/>
+                </a:tc>
+                <a:tc>
+                  <a:txBody>
+                    <a:bodyPr/>
+                    <a:lstStyle/>
+                    <a:p>
+                      <a:r>
+                        <a:rPr lang="ru-RU" sz="1200" dirty="0" smtClean="0"/>
+                        <a:t>4</a:t>
+                      </a:r>
+                      <a:endParaRPr lang="ru-RU" sz="1200" dirty="0"/>
+                    </a:p>
+                  </a:txBody>
+                  <a:tcPr marL="61779" marR="61779" marT="30890" marB="30890"/>
+                </a:tc>
+                <a:tc>
+                  <a:txBody>
+                    <a:bodyPr/>
+                    <a:lstStyle/>
+                    <a:p>
+                      <a:r>
+                        <a:rPr lang="ru-RU" sz="1200" dirty="0" smtClean="0"/>
+                        <a:t>2</a:t>
+                      </a:r>
+                      <a:endParaRPr lang="ru-RU" sz="1200" dirty="0"/>
+                    </a:p>
+                  </a:txBody>
+                  <a:tcPr marL="61779" marR="61779" marT="30890" marB="30890"/>
+                </a:tc>
+                <a:tc>
+                  <a:txBody>
+                    <a:bodyPr/>
+                    <a:lstStyle/>
+                    <a:p>
+                      <a:r>
+                        <a:rPr lang="ru-RU" sz="1200" dirty="0" smtClean="0"/>
+                        <a:t>2</a:t>
+                      </a:r>
+                      <a:endParaRPr lang="ru-RU" sz="1200" dirty="0"/>
+                    </a:p>
+                  </a:txBody>
+                  <a:tcPr marL="61779" marR="61779" marT="30890" marB="30890"/>
+                </a:tc>
+                <a:extLst>
+                  <a:ext uri="{0D108BD9-81ED-4DB2-BD59-A6C34878D82A}">
+                    <a16:rowId xmlns:a16="http://schemas.microsoft.com/office/drawing/2014/main" val="2816729819"/>
+                  </a:ext>
+                </a:extLst>
+              </a:tr>
+              <a:tr h="250548">
+                <a:tc vMerge="1">
+                  <a:txBody>
+                    <a:bodyPr/>
+                    <a:lstStyle/>
+                    <a:p>
+                      <a:endParaRPr lang="ru-RU" sz="1200" dirty="0"/>
+                    </a:p>
+                  </a:txBody>
+                  <a:tcPr marL="61779" marR="61779" marT="30890" marB="30890"/>
+                </a:tc>
+                <a:tc>
+                  <a:txBody>
+                    <a:bodyPr/>
+                    <a:lstStyle/>
+                    <a:p>
+                      <a:r>
+                        <a:rPr lang="ru-RU" sz="1200" dirty="0" smtClean="0"/>
+                        <a:t>100</a:t>
+                      </a:r>
+                      <a:endParaRPr lang="ru-RU" sz="1200" dirty="0"/>
+                    </a:p>
+                  </a:txBody>
+                  <a:tcPr marL="61779" marR="61779" marT="30890" marB="30890"/>
+                </a:tc>
+                <a:tc>
+                  <a:txBody>
+                    <a:bodyPr/>
+                    <a:lstStyle/>
+                    <a:p>
+                      <a:r>
+                        <a:rPr lang="ru-RU" sz="1200" dirty="0" smtClean="0"/>
+                        <a:t>2</a:t>
+                      </a:r>
+                      <a:endParaRPr lang="ru-RU" sz="1200" dirty="0"/>
+                    </a:p>
+                  </a:txBody>
+                  <a:tcPr marL="61779" marR="61779" marT="30890" marB="30890"/>
+                </a:tc>
+                <a:tc>
+                  <a:txBody>
+                    <a:bodyPr/>
+                    <a:lstStyle/>
+                    <a:p>
+                      <a:r>
+                        <a:rPr lang="ru-RU" sz="1200" dirty="0" smtClean="0"/>
+                        <a:t>2</a:t>
+                      </a:r>
+                      <a:endParaRPr lang="ru-RU" sz="1200" dirty="0"/>
+                    </a:p>
+                  </a:txBody>
+                  <a:tcPr marL="61779" marR="61779" marT="30890" marB="30890"/>
+                </a:tc>
+                <a:tc>
+                  <a:txBody>
+                    <a:bodyPr/>
+                    <a:lstStyle/>
+                    <a:p>
+                      <a:r>
+                        <a:rPr lang="ru-RU" sz="1200" dirty="0" smtClean="0"/>
+                        <a:t>4</a:t>
+                      </a:r>
+                      <a:endParaRPr lang="ru-RU" sz="1200" dirty="0"/>
+                    </a:p>
+                  </a:txBody>
+                  <a:tcPr marL="61779" marR="61779" marT="30890" marB="30890"/>
+                </a:tc>
+                <a:tc>
+                  <a:txBody>
+                    <a:bodyPr/>
+                    <a:lstStyle/>
+                    <a:p>
+                      <a:endParaRPr lang="ru-RU" sz="1200" dirty="0"/>
+                    </a:p>
+                  </a:txBody>
+                  <a:tcPr marL="61779" marR="61779" marT="30890" marB="30890"/>
+                </a:tc>
+                <a:extLst>
+                  <a:ext uri="{0D108BD9-81ED-4DB2-BD59-A6C34878D82A}">
+                    <a16:rowId xmlns:a16="http://schemas.microsoft.com/office/drawing/2014/main" val="2764329779"/>
+                  </a:ext>
+                </a:extLst>
+              </a:tr>
+              <a:tr h="250548">
+                <a:tc vMerge="1">
+                  <a:txBody>
+                    <a:bodyPr/>
+                    <a:lstStyle/>
+                    <a:p>
+                      <a:endParaRPr lang="ru-RU" sz="1200" dirty="0"/>
+                    </a:p>
+                  </a:txBody>
+                  <a:tcPr marL="61779" marR="61779" marT="30890" marB="30890"/>
+                </a:tc>
+                <a:tc>
+                  <a:txBody>
+                    <a:bodyPr/>
+                    <a:lstStyle/>
+                    <a:p>
+                      <a:r>
+                        <a:rPr lang="ru-RU" sz="1200" dirty="0" smtClean="0"/>
+                        <a:t>101</a:t>
+                      </a:r>
+                      <a:endParaRPr lang="ru-RU" sz="1200" dirty="0"/>
+                    </a:p>
+                  </a:txBody>
+                  <a:tcPr marL="61779" marR="61779" marT="30890" marB="30890"/>
+                </a:tc>
+                <a:tc>
+                  <a:txBody>
+                    <a:bodyPr/>
+                    <a:lstStyle/>
+                    <a:p>
+                      <a:endParaRPr lang="ru-RU" sz="1200" dirty="0"/>
+                    </a:p>
+                  </a:txBody>
+                  <a:tcPr marL="61779" marR="61779" marT="30890" marB="30890"/>
+                </a:tc>
+                <a:tc>
+                  <a:txBody>
+                    <a:bodyPr/>
+                    <a:lstStyle/>
+                    <a:p>
+                      <a:r>
+                        <a:rPr lang="ru-RU" sz="1200" dirty="0" smtClean="0"/>
+                        <a:t>4</a:t>
+                      </a:r>
+                      <a:endParaRPr lang="ru-RU" sz="1200" dirty="0"/>
+                    </a:p>
+                  </a:txBody>
+                  <a:tcPr marL="61779" marR="61779" marT="30890" marB="30890"/>
+                </a:tc>
+                <a:tc>
+                  <a:txBody>
+                    <a:bodyPr/>
+                    <a:lstStyle/>
+                    <a:p>
+                      <a:r>
+                        <a:rPr lang="ru-RU" sz="1200" dirty="0" smtClean="0"/>
+                        <a:t>2</a:t>
+                      </a:r>
+                      <a:endParaRPr lang="ru-RU" sz="1200" dirty="0"/>
+                    </a:p>
+                  </a:txBody>
+                  <a:tcPr marL="61779" marR="61779" marT="30890" marB="30890"/>
+                </a:tc>
+                <a:tc>
+                  <a:txBody>
+                    <a:bodyPr/>
+                    <a:lstStyle/>
+                    <a:p>
+                      <a:r>
+                        <a:rPr lang="ru-RU" sz="1200" dirty="0" smtClean="0"/>
+                        <a:t>2</a:t>
+                      </a:r>
+                      <a:endParaRPr lang="ru-RU" sz="1200" dirty="0"/>
+                    </a:p>
+                  </a:txBody>
+                  <a:tcPr marL="61779" marR="61779" marT="30890" marB="30890"/>
+                </a:tc>
+                <a:extLst>
+                  <a:ext uri="{0D108BD9-81ED-4DB2-BD59-A6C34878D82A}">
+                    <a16:rowId xmlns:a16="http://schemas.microsoft.com/office/drawing/2014/main" val="101956689"/>
+                  </a:ext>
+                </a:extLst>
+              </a:tr>
+              <a:tr h="250548">
+                <a:tc vMerge="1">
+                  <a:txBody>
+                    <a:bodyPr/>
+                    <a:lstStyle/>
+                    <a:p>
+                      <a:endParaRPr lang="ru-RU" sz="1200" dirty="0"/>
+                    </a:p>
+                  </a:txBody>
+                  <a:tcPr marL="61779" marR="61779" marT="30890" marB="30890"/>
+                </a:tc>
+                <a:tc>
+                  <a:txBody>
+                    <a:bodyPr/>
+                    <a:lstStyle/>
+                    <a:p>
+                      <a:r>
+                        <a:rPr lang="ru-RU" sz="1200" dirty="0" smtClean="0"/>
+                        <a:t>110</a:t>
+                      </a:r>
+                      <a:endParaRPr lang="ru-RU" sz="1200" dirty="0"/>
+                    </a:p>
+                  </a:txBody>
+                  <a:tcPr marL="61779" marR="61779" marT="30890" marB="30890"/>
+                </a:tc>
+                <a:tc>
+                  <a:txBody>
+                    <a:bodyPr/>
+                    <a:lstStyle/>
+                    <a:p>
+                      <a:r>
+                        <a:rPr lang="ru-RU" sz="1200" dirty="0" smtClean="0"/>
+                        <a:t>4</a:t>
+                      </a:r>
+                      <a:endParaRPr lang="ru-RU" sz="1200" dirty="0"/>
+                    </a:p>
+                  </a:txBody>
+                  <a:tcPr marL="61779" marR="61779" marT="30890" marB="30890"/>
+                </a:tc>
+                <a:tc>
+                  <a:txBody>
+                    <a:bodyPr/>
+                    <a:lstStyle/>
+                    <a:p>
+                      <a:endParaRPr lang="ru-RU" sz="1200"/>
+                    </a:p>
+                  </a:txBody>
+                  <a:tcPr marL="61779" marR="61779" marT="30890" marB="30890"/>
+                </a:tc>
+                <a:tc>
+                  <a:txBody>
+                    <a:bodyPr/>
+                    <a:lstStyle/>
+                    <a:p>
+                      <a:endParaRPr lang="ru-RU" sz="1200" dirty="0"/>
+                    </a:p>
+                  </a:txBody>
+                  <a:tcPr marL="61779" marR="61779" marT="30890" marB="30890"/>
+                </a:tc>
+                <a:tc>
+                  <a:txBody>
+                    <a:bodyPr/>
+                    <a:lstStyle/>
+                    <a:p>
+                      <a:r>
+                        <a:rPr lang="ru-RU" sz="1200" dirty="0" smtClean="0"/>
+                        <a:t>2</a:t>
+                      </a:r>
+                      <a:endParaRPr lang="ru-RU" sz="1200" dirty="0"/>
+                    </a:p>
+                  </a:txBody>
+                  <a:tcPr marL="61779" marR="61779" marT="30890" marB="30890"/>
+                </a:tc>
+                <a:extLst>
+                  <a:ext uri="{0D108BD9-81ED-4DB2-BD59-A6C34878D82A}">
+                    <a16:rowId xmlns:a16="http://schemas.microsoft.com/office/drawing/2014/main" val="898133295"/>
+                  </a:ext>
+                </a:extLst>
+              </a:tr>
+              <a:tr h="250548">
+                <a:tc vMerge="1">
+                  <a:txBody>
+                    <a:bodyPr/>
+                    <a:lstStyle/>
+                    <a:p>
+                      <a:endParaRPr lang="ru-RU" sz="1200" dirty="0"/>
+                    </a:p>
+                  </a:txBody>
+                  <a:tcPr marL="61779" marR="61779" marT="30890" marB="30890"/>
+                </a:tc>
+                <a:tc>
+                  <a:txBody>
+                    <a:bodyPr/>
+                    <a:lstStyle/>
+                    <a:p>
+                      <a:r>
+                        <a:rPr lang="ru-RU" sz="1200" dirty="0" smtClean="0"/>
+                        <a:t>111</a:t>
+                      </a:r>
+                      <a:endParaRPr lang="ru-RU" sz="1200" dirty="0"/>
+                    </a:p>
+                  </a:txBody>
+                  <a:tcPr marL="61779" marR="61779" marT="30890" marB="30890"/>
+                </a:tc>
+                <a:tc>
+                  <a:txBody>
+                    <a:bodyPr/>
+                    <a:lstStyle/>
+                    <a:p>
+                      <a:endParaRPr lang="ru-RU" sz="1200" dirty="0"/>
+                    </a:p>
+                  </a:txBody>
+                  <a:tcPr marL="61779" marR="61779" marT="30890" marB="30890"/>
+                </a:tc>
+                <a:tc>
+                  <a:txBody>
+                    <a:bodyPr/>
+                    <a:lstStyle/>
+                    <a:p>
+                      <a:endParaRPr lang="ru-RU" sz="1200" dirty="0"/>
+                    </a:p>
+                  </a:txBody>
+                  <a:tcPr marL="61779" marR="61779" marT="30890" marB="30890"/>
+                </a:tc>
+                <a:tc>
+                  <a:txBody>
+                    <a:bodyPr/>
+                    <a:lstStyle/>
+                    <a:p>
+                      <a:endParaRPr lang="ru-RU" sz="1200" dirty="0"/>
+                    </a:p>
+                  </a:txBody>
+                  <a:tcPr marL="61779" marR="61779" marT="30890" marB="30890"/>
+                </a:tc>
+                <a:tc>
+                  <a:txBody>
+                    <a:bodyPr/>
+                    <a:lstStyle/>
+                    <a:p>
+                      <a:r>
+                        <a:rPr lang="ru-RU" sz="1200" dirty="0" smtClean="0"/>
+                        <a:t>6</a:t>
+                      </a:r>
+                      <a:endParaRPr lang="ru-RU" sz="1200" dirty="0"/>
+                    </a:p>
+                  </a:txBody>
+                  <a:tcPr marL="61779" marR="61779" marT="30890" marB="30890"/>
+                </a:tc>
+                <a:extLst>
+                  <a:ext uri="{0D108BD9-81ED-4DB2-BD59-A6C34878D82A}">
+                    <a16:rowId xmlns:a16="http://schemas.microsoft.com/office/drawing/2014/main" val="3251625228"/>
+                  </a:ext>
+                </a:extLst>
+              </a:tr>
+            </a:tbl>
+          </a:graphicData>
+        </a:graphic>
+      </p:graphicFrame>
+      <p:graphicFrame>
+        <p:nvGraphicFramePr>
+          <p:cNvPr id="8" name="Таблица 7"/>
+          <p:cNvGraphicFramePr>
+            <a:graphicFrameLocks noGrp="1"/>
+          </p:cNvGraphicFramePr>
+          <p:nvPr>
+            <p:extLst>
+              <p:ext uri="{D42A27DB-BD31-4B8C-83A1-F6EECF244321}">
+                <p14:modId xmlns:p14="http://schemas.microsoft.com/office/powerpoint/2010/main" val="589539642"/>
+              </p:ext>
+            </p:extLst>
+          </p:nvPr>
+        </p:nvGraphicFramePr>
+        <p:xfrm>
+          <a:off x="7302831" y="2749892"/>
+          <a:ext cx="4585500" cy="606984"/>
+        </p:xfrm>
+        <a:graphic>
+          <a:graphicData uri="http://schemas.openxmlformats.org/drawingml/2006/table">
+            <a:tbl>
+              <a:tblPr firstRow="1" bandRow="1">
+                <a:tableStyleId>{5C22544A-7EE6-4342-B048-85BDC9FD1C3A}</a:tableStyleId>
+              </a:tblPr>
+              <a:tblGrid>
+                <a:gridCol w="509500">
+                  <a:extLst>
+                    <a:ext uri="{9D8B030D-6E8A-4147-A177-3AD203B41FA5}">
+                      <a16:colId xmlns:a16="http://schemas.microsoft.com/office/drawing/2014/main" val="1087438029"/>
+                    </a:ext>
+                  </a:extLst>
+                </a:gridCol>
+                <a:gridCol w="509500">
+                  <a:extLst>
+                    <a:ext uri="{9D8B030D-6E8A-4147-A177-3AD203B41FA5}">
+                      <a16:colId xmlns:a16="http://schemas.microsoft.com/office/drawing/2014/main" val="2230918151"/>
+                    </a:ext>
+                  </a:extLst>
+                </a:gridCol>
+                <a:gridCol w="509500">
+                  <a:extLst>
+                    <a:ext uri="{9D8B030D-6E8A-4147-A177-3AD203B41FA5}">
+                      <a16:colId xmlns:a16="http://schemas.microsoft.com/office/drawing/2014/main" val="3381597346"/>
+                    </a:ext>
+                  </a:extLst>
+                </a:gridCol>
+                <a:gridCol w="509500">
+                  <a:extLst>
+                    <a:ext uri="{9D8B030D-6E8A-4147-A177-3AD203B41FA5}">
+                      <a16:colId xmlns:a16="http://schemas.microsoft.com/office/drawing/2014/main" val="2179761905"/>
+                    </a:ext>
+                  </a:extLst>
+                </a:gridCol>
+                <a:gridCol w="509500">
+                  <a:extLst>
+                    <a:ext uri="{9D8B030D-6E8A-4147-A177-3AD203B41FA5}">
+                      <a16:colId xmlns:a16="http://schemas.microsoft.com/office/drawing/2014/main" val="1050360810"/>
+                    </a:ext>
+                  </a:extLst>
+                </a:gridCol>
+                <a:gridCol w="509500">
+                  <a:extLst>
+                    <a:ext uri="{9D8B030D-6E8A-4147-A177-3AD203B41FA5}">
+                      <a16:colId xmlns:a16="http://schemas.microsoft.com/office/drawing/2014/main" val="1041124462"/>
+                    </a:ext>
+                  </a:extLst>
+                </a:gridCol>
+                <a:gridCol w="509500">
+                  <a:extLst>
+                    <a:ext uri="{9D8B030D-6E8A-4147-A177-3AD203B41FA5}">
+                      <a16:colId xmlns:a16="http://schemas.microsoft.com/office/drawing/2014/main" val="941866030"/>
+                    </a:ext>
+                  </a:extLst>
+                </a:gridCol>
+                <a:gridCol w="509500">
+                  <a:extLst>
+                    <a:ext uri="{9D8B030D-6E8A-4147-A177-3AD203B41FA5}">
+                      <a16:colId xmlns:a16="http://schemas.microsoft.com/office/drawing/2014/main" val="2911553003"/>
+                    </a:ext>
+                  </a:extLst>
+                </a:gridCol>
+                <a:gridCol w="509500">
+                  <a:extLst>
+                    <a:ext uri="{9D8B030D-6E8A-4147-A177-3AD203B41FA5}">
+                      <a16:colId xmlns:a16="http://schemas.microsoft.com/office/drawing/2014/main" val="1358198797"/>
+                    </a:ext>
+                  </a:extLst>
+                </a:gridCol>
+              </a:tblGrid>
+              <a:tr h="299568">
+                <a:tc>
+                  <a:txBody>
+                    <a:bodyPr/>
+                    <a:lstStyle/>
+                    <a:p>
+                      <a:r>
+                        <a:rPr lang="en-US" sz="1500" dirty="0" smtClean="0"/>
+                        <a:t>X</a:t>
+                      </a:r>
+                      <a:endParaRPr lang="ru-RU" sz="1500" dirty="0"/>
+                    </a:p>
+                  </a:txBody>
+                  <a:tcPr marL="74892" marR="74892" marT="37446" marB="37446"/>
+                </a:tc>
+                <a:tc>
+                  <a:txBody>
+                    <a:bodyPr/>
+                    <a:lstStyle/>
+                    <a:p>
+                      <a:r>
+                        <a:rPr lang="en-US" sz="1500" dirty="0" smtClean="0"/>
+                        <a:t>000</a:t>
+                      </a:r>
+                      <a:endParaRPr lang="ru-RU" sz="1500" dirty="0"/>
+                    </a:p>
+                  </a:txBody>
+                  <a:tcPr marL="74892" marR="74892" marT="37446" marB="37446"/>
+                </a:tc>
+                <a:tc>
+                  <a:txBody>
+                    <a:bodyPr/>
+                    <a:lstStyle/>
+                    <a:p>
+                      <a:r>
+                        <a:rPr lang="en-US" sz="1500" dirty="0" smtClean="0"/>
+                        <a:t>001</a:t>
+                      </a:r>
+                      <a:endParaRPr lang="ru-RU" sz="1500" dirty="0"/>
+                    </a:p>
+                  </a:txBody>
+                  <a:tcPr marL="74892" marR="74892" marT="37446" marB="37446"/>
+                </a:tc>
+                <a:tc>
+                  <a:txBody>
+                    <a:bodyPr/>
+                    <a:lstStyle/>
+                    <a:p>
+                      <a:r>
+                        <a:rPr lang="en-US" sz="1500" dirty="0" smtClean="0"/>
+                        <a:t>010</a:t>
+                      </a:r>
+                      <a:endParaRPr lang="ru-RU" sz="1500" dirty="0"/>
+                    </a:p>
+                  </a:txBody>
+                  <a:tcPr marL="74892" marR="74892" marT="37446" marB="37446"/>
+                </a:tc>
+                <a:tc>
+                  <a:txBody>
+                    <a:bodyPr/>
+                    <a:lstStyle/>
+                    <a:p>
+                      <a:r>
+                        <a:rPr lang="en-US" sz="1500" dirty="0" smtClean="0"/>
+                        <a:t>011</a:t>
+                      </a:r>
+                      <a:endParaRPr lang="ru-RU" sz="1500" dirty="0"/>
+                    </a:p>
+                  </a:txBody>
+                  <a:tcPr marL="74892" marR="74892" marT="37446" marB="37446"/>
+                </a:tc>
+                <a:tc>
+                  <a:txBody>
+                    <a:bodyPr/>
+                    <a:lstStyle/>
+                    <a:p>
+                      <a:r>
+                        <a:rPr lang="en-US" sz="1500" dirty="0" smtClean="0"/>
+                        <a:t>100</a:t>
+                      </a:r>
+                      <a:endParaRPr lang="ru-RU" sz="1500" dirty="0"/>
+                    </a:p>
+                  </a:txBody>
+                  <a:tcPr marL="74892" marR="74892" marT="37446" marB="37446"/>
+                </a:tc>
+                <a:tc>
+                  <a:txBody>
+                    <a:bodyPr/>
+                    <a:lstStyle/>
+                    <a:p>
+                      <a:r>
+                        <a:rPr lang="en-US" sz="1500" dirty="0" smtClean="0"/>
+                        <a:t>101</a:t>
+                      </a:r>
+                      <a:endParaRPr lang="ru-RU" sz="1500" dirty="0"/>
+                    </a:p>
+                  </a:txBody>
+                  <a:tcPr marL="74892" marR="74892" marT="37446" marB="37446"/>
+                </a:tc>
+                <a:tc>
+                  <a:txBody>
+                    <a:bodyPr/>
+                    <a:lstStyle/>
+                    <a:p>
+                      <a:r>
+                        <a:rPr lang="en-US" sz="1500" dirty="0" smtClean="0"/>
+                        <a:t>110</a:t>
+                      </a:r>
+                      <a:endParaRPr lang="ru-RU" sz="1500" dirty="0"/>
+                    </a:p>
+                  </a:txBody>
+                  <a:tcPr marL="74892" marR="74892" marT="37446" marB="37446"/>
+                </a:tc>
+                <a:tc>
+                  <a:txBody>
+                    <a:bodyPr/>
+                    <a:lstStyle/>
+                    <a:p>
+                      <a:r>
+                        <a:rPr lang="en-US" sz="1500" dirty="0" smtClean="0"/>
+                        <a:t>111</a:t>
+                      </a:r>
+                      <a:endParaRPr lang="ru-RU" sz="1500" dirty="0"/>
+                    </a:p>
+                  </a:txBody>
+                  <a:tcPr marL="74892" marR="74892" marT="37446" marB="37446"/>
+                </a:tc>
+                <a:extLst>
+                  <a:ext uri="{0D108BD9-81ED-4DB2-BD59-A6C34878D82A}">
+                    <a16:rowId xmlns:a16="http://schemas.microsoft.com/office/drawing/2014/main" val="636782420"/>
+                  </a:ext>
+                </a:extLst>
+              </a:tr>
+              <a:tr h="299568">
+                <a:tc>
+                  <a:txBody>
+                    <a:bodyPr/>
+                    <a:lstStyle/>
+                    <a:p>
+                      <a:r>
+                        <a:rPr lang="en-US" sz="1500" dirty="0" smtClean="0"/>
+                        <a:t>C</a:t>
+                      </a:r>
+                      <a:endParaRPr lang="ru-RU" sz="1500" dirty="0"/>
+                    </a:p>
+                  </a:txBody>
+                  <a:tcPr marL="74892" marR="74892" marT="37446" marB="37446"/>
+                </a:tc>
+                <a:tc>
+                  <a:txBody>
+                    <a:bodyPr/>
+                    <a:lstStyle/>
+                    <a:p>
+                      <a:r>
+                        <a:rPr lang="en-US" sz="1500" dirty="0" smtClean="0"/>
+                        <a:t>11</a:t>
+                      </a:r>
+                      <a:endParaRPr lang="ru-RU" sz="1500" dirty="0"/>
+                    </a:p>
+                  </a:txBody>
+                  <a:tcPr marL="74892" marR="74892" marT="37446" marB="37446"/>
+                </a:tc>
+                <a:tc>
+                  <a:txBody>
+                    <a:bodyPr/>
+                    <a:lstStyle/>
+                    <a:p>
+                      <a:r>
+                        <a:rPr lang="en-US" sz="1500" dirty="0" smtClean="0"/>
+                        <a:t>00</a:t>
+                      </a:r>
+                      <a:endParaRPr lang="ru-RU" sz="1500" dirty="0"/>
+                    </a:p>
+                  </a:txBody>
+                  <a:tcPr marL="74892" marR="74892" marT="37446" marB="37446"/>
+                </a:tc>
+                <a:tc>
+                  <a:txBody>
+                    <a:bodyPr/>
+                    <a:lstStyle/>
+                    <a:p>
+                      <a:r>
+                        <a:rPr lang="en-US" sz="1500" dirty="0" smtClean="0"/>
+                        <a:t>10</a:t>
+                      </a:r>
+                      <a:endParaRPr lang="ru-RU" sz="1500" dirty="0"/>
+                    </a:p>
+                  </a:txBody>
+                  <a:tcPr marL="74892" marR="74892" marT="37446" marB="37446"/>
+                </a:tc>
+                <a:tc>
+                  <a:txBody>
+                    <a:bodyPr/>
+                    <a:lstStyle/>
+                    <a:p>
+                      <a:r>
+                        <a:rPr lang="en-US" sz="1500" dirty="0" smtClean="0"/>
+                        <a:t>10</a:t>
+                      </a:r>
+                      <a:endParaRPr lang="ru-RU" sz="1500" dirty="0"/>
+                    </a:p>
+                  </a:txBody>
+                  <a:tcPr marL="74892" marR="74892" marT="37446" marB="37446"/>
+                </a:tc>
+                <a:tc>
+                  <a:txBody>
+                    <a:bodyPr/>
+                    <a:lstStyle/>
+                    <a:p>
+                      <a:r>
+                        <a:rPr lang="en-US" sz="1500" dirty="0" smtClean="0"/>
+                        <a:t>01</a:t>
+                      </a:r>
+                      <a:endParaRPr lang="ru-RU" sz="1500" dirty="0"/>
+                    </a:p>
+                  </a:txBody>
+                  <a:tcPr marL="74892" marR="74892" marT="37446" marB="37446"/>
+                </a:tc>
+                <a:tc>
+                  <a:txBody>
+                    <a:bodyPr/>
+                    <a:lstStyle/>
+                    <a:p>
+                      <a:r>
+                        <a:rPr lang="en-US" sz="1500" dirty="0" smtClean="0"/>
+                        <a:t>00</a:t>
+                      </a:r>
+                      <a:endParaRPr lang="ru-RU" sz="1500" dirty="0"/>
+                    </a:p>
+                  </a:txBody>
+                  <a:tcPr marL="74892" marR="74892" marT="37446" marB="37446"/>
+                </a:tc>
+                <a:tc>
+                  <a:txBody>
+                    <a:bodyPr/>
+                    <a:lstStyle/>
+                    <a:p>
+                      <a:r>
+                        <a:rPr lang="en-US" sz="1500" dirty="0" smtClean="0"/>
+                        <a:t>11</a:t>
+                      </a:r>
+                      <a:endParaRPr lang="ru-RU" sz="1500" dirty="0"/>
+                    </a:p>
+                  </a:txBody>
+                  <a:tcPr marL="74892" marR="74892" marT="37446" marB="37446"/>
+                </a:tc>
+                <a:tc>
+                  <a:txBody>
+                    <a:bodyPr/>
+                    <a:lstStyle/>
+                    <a:p>
+                      <a:r>
+                        <a:rPr lang="en-US" sz="1500" dirty="0" smtClean="0"/>
+                        <a:t>00</a:t>
+                      </a:r>
+                      <a:endParaRPr lang="ru-RU" sz="1500" dirty="0"/>
+                    </a:p>
+                  </a:txBody>
+                  <a:tcPr marL="74892" marR="74892" marT="37446" marB="37446"/>
+                </a:tc>
+                <a:extLst>
+                  <a:ext uri="{0D108BD9-81ED-4DB2-BD59-A6C34878D82A}">
+                    <a16:rowId xmlns:a16="http://schemas.microsoft.com/office/drawing/2014/main" val="2134011376"/>
+                  </a:ext>
+                </a:extLst>
+              </a:tr>
+            </a:tbl>
+          </a:graphicData>
+        </a:graphic>
+      </p:graphicFrame>
+      <p:graphicFrame>
+        <p:nvGraphicFramePr>
+          <p:cNvPr id="9" name="Таблица 8"/>
+          <p:cNvGraphicFramePr>
+            <a:graphicFrameLocks noGrp="1"/>
+          </p:cNvGraphicFramePr>
+          <p:nvPr>
+            <p:extLst>
+              <p:ext uri="{D42A27DB-BD31-4B8C-83A1-F6EECF244321}">
+                <p14:modId xmlns:p14="http://schemas.microsoft.com/office/powerpoint/2010/main" val="2634822645"/>
+              </p:ext>
+            </p:extLst>
+          </p:nvPr>
+        </p:nvGraphicFramePr>
+        <p:xfrm>
+          <a:off x="6396855" y="4019699"/>
+          <a:ext cx="5491476" cy="2505480"/>
+        </p:xfrm>
+        <a:graphic>
+          <a:graphicData uri="http://schemas.openxmlformats.org/drawingml/2006/table">
+            <a:tbl>
+              <a:tblPr firstRow="1" bandRow="1">
+                <a:tableStyleId>{5C22544A-7EE6-4342-B048-85BDC9FD1C3A}</a:tableStyleId>
+              </a:tblPr>
+              <a:tblGrid>
+                <a:gridCol w="915246">
+                  <a:extLst>
+                    <a:ext uri="{9D8B030D-6E8A-4147-A177-3AD203B41FA5}">
+                      <a16:colId xmlns:a16="http://schemas.microsoft.com/office/drawing/2014/main" val="3620688664"/>
+                    </a:ext>
+                  </a:extLst>
+                </a:gridCol>
+                <a:gridCol w="915246">
+                  <a:extLst>
+                    <a:ext uri="{9D8B030D-6E8A-4147-A177-3AD203B41FA5}">
+                      <a16:colId xmlns:a16="http://schemas.microsoft.com/office/drawing/2014/main" val="3464764074"/>
+                    </a:ext>
+                  </a:extLst>
+                </a:gridCol>
+                <a:gridCol w="915246">
+                  <a:extLst>
+                    <a:ext uri="{9D8B030D-6E8A-4147-A177-3AD203B41FA5}">
+                      <a16:colId xmlns:a16="http://schemas.microsoft.com/office/drawing/2014/main" val="3236265173"/>
+                    </a:ext>
+                  </a:extLst>
+                </a:gridCol>
+                <a:gridCol w="915246">
+                  <a:extLst>
+                    <a:ext uri="{9D8B030D-6E8A-4147-A177-3AD203B41FA5}">
+                      <a16:colId xmlns:a16="http://schemas.microsoft.com/office/drawing/2014/main" val="1320518025"/>
+                    </a:ext>
+                  </a:extLst>
+                </a:gridCol>
+                <a:gridCol w="915246">
+                  <a:extLst>
+                    <a:ext uri="{9D8B030D-6E8A-4147-A177-3AD203B41FA5}">
+                      <a16:colId xmlns:a16="http://schemas.microsoft.com/office/drawing/2014/main" val="1465210887"/>
+                    </a:ext>
+                  </a:extLst>
+                </a:gridCol>
+                <a:gridCol w="915246">
+                  <a:extLst>
+                    <a:ext uri="{9D8B030D-6E8A-4147-A177-3AD203B41FA5}">
+                      <a16:colId xmlns:a16="http://schemas.microsoft.com/office/drawing/2014/main" val="3597341724"/>
+                    </a:ext>
+                  </a:extLst>
+                </a:gridCol>
+              </a:tblGrid>
+              <a:tr h="250548">
+                <a:tc>
+                  <a:txBody>
+                    <a:bodyPr/>
+                    <a:lstStyle/>
+                    <a:p>
+                      <a:pPr algn="ctr"/>
+                      <a:endParaRPr lang="ru-RU" sz="1200" dirty="0"/>
+                    </a:p>
+                  </a:txBody>
+                  <a:tcPr marL="61779" marR="61779" marT="30890" marB="30890" anchor="ctr"/>
+                </a:tc>
+                <a:tc gridSpan="5">
+                  <a:txBody>
+                    <a:bodyPr/>
+                    <a:lstStyle/>
+                    <a:p>
+                      <a:pPr algn="ctr"/>
+                      <a:r>
+                        <a:rPr lang="en-US" sz="1200" dirty="0" smtClean="0"/>
+                        <a:t>C1 + C2</a:t>
+                      </a:r>
+                      <a:endParaRPr lang="ru-RU" sz="1200" dirty="0"/>
+                    </a:p>
+                  </a:txBody>
+                  <a:tcPr marL="61779" marR="61779" marT="30890" marB="30890"/>
+                </a:tc>
+                <a:tc hMerge="1">
+                  <a:txBody>
+                    <a:bodyPr/>
+                    <a:lstStyle/>
+                    <a:p>
+                      <a:endParaRPr lang="ru-RU" sz="1200" dirty="0"/>
+                    </a:p>
+                  </a:txBody>
+                  <a:tcPr marL="61779" marR="61779" marT="30890" marB="30890"/>
+                </a:tc>
+                <a:tc hMerge="1">
+                  <a:txBody>
+                    <a:bodyPr/>
+                    <a:lstStyle/>
+                    <a:p>
+                      <a:endParaRPr lang="ru-RU" sz="1200" dirty="0"/>
+                    </a:p>
+                  </a:txBody>
+                  <a:tcPr marL="61779" marR="61779" marT="30890" marB="30890"/>
+                </a:tc>
+                <a:tc hMerge="1">
+                  <a:txBody>
+                    <a:bodyPr/>
+                    <a:lstStyle/>
+                    <a:p>
+                      <a:endParaRPr lang="ru-RU" sz="1200" dirty="0"/>
+                    </a:p>
+                  </a:txBody>
+                  <a:tcPr marL="61779" marR="61779" marT="30890" marB="30890"/>
+                </a:tc>
+                <a:tc hMerge="1">
+                  <a:txBody>
+                    <a:bodyPr/>
+                    <a:lstStyle/>
+                    <a:p>
+                      <a:endParaRPr lang="ru-RU" sz="1200" dirty="0"/>
+                    </a:p>
+                  </a:txBody>
+                  <a:tcPr marL="61779" marR="61779" marT="30890" marB="30890"/>
+                </a:tc>
+                <a:extLst>
+                  <a:ext uri="{0D108BD9-81ED-4DB2-BD59-A6C34878D82A}">
+                    <a16:rowId xmlns:a16="http://schemas.microsoft.com/office/drawing/2014/main" val="2122905449"/>
+                  </a:ext>
+                </a:extLst>
+              </a:tr>
+              <a:tr h="250548">
+                <a:tc rowSpan="9">
+                  <a:txBody>
+                    <a:bodyPr/>
+                    <a:lstStyle/>
+                    <a:p>
+                      <a:pPr algn="ctr"/>
+                      <a:r>
+                        <a:rPr lang="en-US" sz="1200" dirty="0" smtClean="0"/>
+                        <a:t>P1 + P2</a:t>
+                      </a:r>
+                      <a:endParaRPr lang="ru-RU" sz="1200" dirty="0"/>
+                    </a:p>
+                  </a:txBody>
+                  <a:tcPr marL="61779" marR="61779" marT="30890" marB="30890" anchor="ctr"/>
+                </a:tc>
+                <a:tc>
+                  <a:txBody>
+                    <a:bodyPr/>
+                    <a:lstStyle/>
+                    <a:p>
+                      <a:endParaRPr lang="ru-RU" sz="1200" dirty="0"/>
+                    </a:p>
+                  </a:txBody>
+                  <a:tcPr marL="61779" marR="61779" marT="30890" marB="30890"/>
+                </a:tc>
+                <a:tc>
+                  <a:txBody>
+                    <a:bodyPr/>
+                    <a:lstStyle/>
+                    <a:p>
+                      <a:r>
+                        <a:rPr lang="ru-RU" sz="1200" dirty="0" smtClean="0"/>
+                        <a:t>00</a:t>
+                      </a:r>
+                      <a:endParaRPr lang="ru-RU" sz="1200" dirty="0"/>
+                    </a:p>
+                  </a:txBody>
+                  <a:tcPr marL="61779" marR="61779" marT="30890" marB="30890"/>
+                </a:tc>
+                <a:tc>
+                  <a:txBody>
+                    <a:bodyPr/>
+                    <a:lstStyle/>
+                    <a:p>
+                      <a:r>
+                        <a:rPr lang="ru-RU" sz="1200" dirty="0" smtClean="0"/>
+                        <a:t>01</a:t>
+                      </a:r>
+                      <a:endParaRPr lang="ru-RU" sz="1200" dirty="0"/>
+                    </a:p>
+                  </a:txBody>
+                  <a:tcPr marL="61779" marR="61779" marT="30890" marB="30890"/>
+                </a:tc>
+                <a:tc>
+                  <a:txBody>
+                    <a:bodyPr/>
+                    <a:lstStyle/>
+                    <a:p>
+                      <a:r>
+                        <a:rPr lang="ru-RU" sz="1200" dirty="0" smtClean="0"/>
+                        <a:t>10</a:t>
+                      </a:r>
+                      <a:endParaRPr lang="ru-RU" sz="1200" dirty="0"/>
+                    </a:p>
+                  </a:txBody>
+                  <a:tcPr marL="61779" marR="61779" marT="30890" marB="30890"/>
+                </a:tc>
+                <a:tc>
+                  <a:txBody>
+                    <a:bodyPr/>
+                    <a:lstStyle/>
+                    <a:p>
+                      <a:r>
+                        <a:rPr lang="ru-RU" sz="1200" dirty="0" smtClean="0"/>
+                        <a:t>11</a:t>
+                      </a:r>
+                      <a:endParaRPr lang="ru-RU" sz="1200" dirty="0"/>
+                    </a:p>
+                  </a:txBody>
+                  <a:tcPr marL="61779" marR="61779" marT="30890" marB="30890"/>
+                </a:tc>
+                <a:extLst>
+                  <a:ext uri="{0D108BD9-81ED-4DB2-BD59-A6C34878D82A}">
+                    <a16:rowId xmlns:a16="http://schemas.microsoft.com/office/drawing/2014/main" val="2452638906"/>
+                  </a:ext>
+                </a:extLst>
+              </a:tr>
+              <a:tr h="250548">
+                <a:tc vMerge="1">
+                  <a:txBody>
+                    <a:bodyPr/>
+                    <a:lstStyle/>
+                    <a:p>
+                      <a:endParaRPr lang="ru-RU" sz="1200" dirty="0"/>
+                    </a:p>
+                  </a:txBody>
+                  <a:tcPr marL="61779" marR="61779" marT="30890" marB="30890"/>
+                </a:tc>
+                <a:tc>
+                  <a:txBody>
+                    <a:bodyPr/>
+                    <a:lstStyle/>
+                    <a:p>
+                      <a:r>
+                        <a:rPr lang="ru-RU" sz="1200" dirty="0" smtClean="0"/>
+                        <a:t>000</a:t>
+                      </a:r>
+                      <a:endParaRPr lang="ru-RU" sz="1200" dirty="0"/>
+                    </a:p>
+                  </a:txBody>
+                  <a:tcPr marL="61779" marR="61779" marT="30890" marB="30890"/>
+                </a:tc>
+                <a:tc>
+                  <a:txBody>
+                    <a:bodyPr/>
+                    <a:lstStyle/>
+                    <a:p>
+                      <a:r>
+                        <a:rPr lang="en-US" sz="1200" dirty="0" smtClean="0"/>
+                        <a:t>1</a:t>
+                      </a:r>
+                      <a:endParaRPr lang="ru-RU" sz="1200" dirty="0"/>
+                    </a:p>
+                  </a:txBody>
+                  <a:tcPr marL="61779" marR="61779" marT="30890" marB="30890"/>
+                </a:tc>
+                <a:tc>
+                  <a:txBody>
+                    <a:bodyPr/>
+                    <a:lstStyle/>
+                    <a:p>
+                      <a:r>
+                        <a:rPr lang="en-US" sz="1200" dirty="0" smtClean="0"/>
+                        <a:t>0</a:t>
+                      </a:r>
+                      <a:endParaRPr lang="ru-RU" sz="1200" dirty="0"/>
+                    </a:p>
+                  </a:txBody>
+                  <a:tcPr marL="61779" marR="61779" marT="30890" marB="30890"/>
+                </a:tc>
+                <a:tc>
+                  <a:txBody>
+                    <a:bodyPr/>
+                    <a:lstStyle/>
+                    <a:p>
+                      <a:r>
+                        <a:rPr lang="en-US" sz="1200" dirty="0" smtClean="0"/>
+                        <a:t>0</a:t>
+                      </a:r>
+                      <a:endParaRPr lang="ru-RU" sz="1200" dirty="0"/>
+                    </a:p>
+                  </a:txBody>
+                  <a:tcPr marL="61779" marR="61779" marT="30890" marB="30890"/>
+                </a:tc>
+                <a:tc>
+                  <a:txBody>
+                    <a:bodyPr/>
+                    <a:lstStyle/>
+                    <a:p>
+                      <a:r>
+                        <a:rPr lang="en-US" sz="1200" dirty="0" smtClean="0"/>
+                        <a:t>0</a:t>
+                      </a:r>
+                      <a:endParaRPr lang="ru-RU" sz="1200" dirty="0"/>
+                    </a:p>
+                  </a:txBody>
+                  <a:tcPr marL="61779" marR="61779" marT="30890" marB="30890"/>
+                </a:tc>
+                <a:extLst>
+                  <a:ext uri="{0D108BD9-81ED-4DB2-BD59-A6C34878D82A}">
+                    <a16:rowId xmlns:a16="http://schemas.microsoft.com/office/drawing/2014/main" val="3429442993"/>
+                  </a:ext>
+                </a:extLst>
+              </a:tr>
+              <a:tr h="250548">
+                <a:tc vMerge="1">
+                  <a:txBody>
+                    <a:bodyPr/>
+                    <a:lstStyle/>
+                    <a:p>
+                      <a:endParaRPr lang="ru-RU" sz="1200" dirty="0"/>
+                    </a:p>
+                  </a:txBody>
+                  <a:tcPr marL="61779" marR="61779" marT="30890" marB="30890"/>
+                </a:tc>
+                <a:tc>
+                  <a:txBody>
+                    <a:bodyPr/>
+                    <a:lstStyle/>
+                    <a:p>
+                      <a:r>
+                        <a:rPr lang="ru-RU" sz="1200" dirty="0" smtClean="0"/>
+                        <a:t>001</a:t>
+                      </a:r>
+                      <a:endParaRPr lang="ru-RU" sz="1200" dirty="0"/>
+                    </a:p>
+                  </a:txBody>
+                  <a:tcPr marL="61779" marR="61779" marT="30890" marB="30890"/>
+                </a:tc>
+                <a:tc>
+                  <a:txBody>
+                    <a:bodyPr/>
+                    <a:lstStyle/>
+                    <a:p>
+                      <a:r>
+                        <a:rPr lang="en-US" sz="1200" dirty="0" smtClean="0"/>
+                        <a:t>0,25</a:t>
+                      </a:r>
+                      <a:endParaRPr lang="ru-RU" sz="1200" dirty="0"/>
+                    </a:p>
+                  </a:txBody>
+                  <a:tcPr marL="61779" marR="61779" marT="30890" marB="30890"/>
+                </a:tc>
+                <a:tc>
+                  <a:txBody>
+                    <a:bodyPr/>
+                    <a:lstStyle/>
+                    <a:p>
+                      <a:r>
+                        <a:rPr lang="en-US" sz="1200" dirty="0" smtClean="0"/>
+                        <a:t>0,25</a:t>
+                      </a:r>
+                      <a:endParaRPr lang="ru-RU" sz="1200" dirty="0"/>
+                    </a:p>
+                  </a:txBody>
+                  <a:tcPr marL="61779" marR="61779" marT="30890" marB="30890"/>
+                </a:tc>
+                <a:tc>
+                  <a:txBody>
+                    <a:bodyPr/>
+                    <a:lstStyle/>
+                    <a:p>
+                      <a:r>
+                        <a:rPr lang="en-US" sz="1200" dirty="0" smtClean="0"/>
+                        <a:t>0</a:t>
+                      </a:r>
+                      <a:endParaRPr lang="ru-RU" sz="1200" dirty="0"/>
+                    </a:p>
+                  </a:txBody>
+                  <a:tcPr marL="61779" marR="61779" marT="30890" marB="30890"/>
+                </a:tc>
+                <a:tc>
+                  <a:txBody>
+                    <a:bodyPr/>
+                    <a:lstStyle/>
+                    <a:p>
+                      <a:r>
+                        <a:rPr lang="en-US" sz="1200" dirty="0" smtClean="0"/>
+                        <a:t>0,5</a:t>
+                      </a:r>
+                      <a:endParaRPr lang="ru-RU" sz="1200" dirty="0"/>
+                    </a:p>
+                  </a:txBody>
+                  <a:tcPr marL="61779" marR="61779" marT="30890" marB="30890"/>
+                </a:tc>
+                <a:extLst>
+                  <a:ext uri="{0D108BD9-81ED-4DB2-BD59-A6C34878D82A}">
+                    <a16:rowId xmlns:a16="http://schemas.microsoft.com/office/drawing/2014/main" val="1386123690"/>
+                  </a:ext>
+                </a:extLst>
+              </a:tr>
+              <a:tr h="250548">
+                <a:tc vMerge="1">
+                  <a:txBody>
+                    <a:bodyPr/>
+                    <a:lstStyle/>
+                    <a:p>
+                      <a:endParaRPr lang="ru-RU" sz="1200" dirty="0"/>
+                    </a:p>
+                  </a:txBody>
+                  <a:tcPr marL="61779" marR="61779" marT="30890" marB="30890"/>
+                </a:tc>
+                <a:tc>
+                  <a:txBody>
+                    <a:bodyPr/>
+                    <a:lstStyle/>
+                    <a:p>
+                      <a:r>
+                        <a:rPr lang="ru-RU" sz="1200" dirty="0" smtClean="0"/>
+                        <a:t>010</a:t>
+                      </a:r>
+                      <a:endParaRPr lang="ru-RU" sz="1200" dirty="0"/>
+                    </a:p>
+                  </a:txBody>
+                  <a:tcPr marL="61779" marR="61779" marT="30890" marB="30890"/>
+                </a:tc>
+                <a:tc>
+                  <a:txBody>
+                    <a:bodyPr/>
+                    <a:lstStyle/>
+                    <a:p>
+                      <a:r>
+                        <a:rPr lang="en-US" sz="1200" dirty="0" smtClean="0"/>
+                        <a:t>0,25</a:t>
+                      </a:r>
+                      <a:endParaRPr lang="ru-RU" sz="1200" dirty="0"/>
+                    </a:p>
+                  </a:txBody>
+                  <a:tcPr marL="61779" marR="61779" marT="30890" marB="30890"/>
+                </a:tc>
+                <a:tc>
+                  <a:txBody>
+                    <a:bodyPr/>
+                    <a:lstStyle/>
+                    <a:p>
+                      <a:r>
+                        <a:rPr lang="en-US" sz="1200" dirty="0" smtClean="0"/>
+                        <a:t>0,25</a:t>
+                      </a:r>
+                      <a:endParaRPr lang="ru-RU" sz="1200" dirty="0"/>
+                    </a:p>
+                  </a:txBody>
+                  <a:tcPr marL="61779" marR="61779" marT="30890" marB="30890"/>
+                </a:tc>
+                <a:tc>
+                  <a:txBody>
+                    <a:bodyPr/>
+                    <a:lstStyle/>
+                    <a:p>
+                      <a:r>
+                        <a:rPr lang="en-US" sz="1200" dirty="0" smtClean="0"/>
+                        <a:t>0,5</a:t>
+                      </a:r>
+                      <a:endParaRPr lang="ru-RU" sz="1200" dirty="0"/>
+                    </a:p>
+                  </a:txBody>
+                  <a:tcPr marL="61779" marR="61779" marT="30890" marB="30890"/>
+                </a:tc>
+                <a:tc>
+                  <a:txBody>
+                    <a:bodyPr/>
+                    <a:lstStyle/>
+                    <a:p>
+                      <a:r>
+                        <a:rPr lang="en-US" sz="1200" dirty="0" smtClean="0"/>
+                        <a:t>0</a:t>
+                      </a:r>
+                      <a:endParaRPr lang="ru-RU" sz="1200" dirty="0"/>
+                    </a:p>
+                  </a:txBody>
+                  <a:tcPr marL="61779" marR="61779" marT="30890" marB="30890"/>
+                </a:tc>
+                <a:extLst>
+                  <a:ext uri="{0D108BD9-81ED-4DB2-BD59-A6C34878D82A}">
+                    <a16:rowId xmlns:a16="http://schemas.microsoft.com/office/drawing/2014/main" val="807418880"/>
+                  </a:ext>
+                </a:extLst>
+              </a:tr>
+              <a:tr h="250548">
+                <a:tc vMerge="1">
+                  <a:txBody>
+                    <a:bodyPr/>
+                    <a:lstStyle/>
+                    <a:p>
+                      <a:endParaRPr lang="ru-RU" sz="1200" dirty="0"/>
+                    </a:p>
+                  </a:txBody>
+                  <a:tcPr marL="61779" marR="61779" marT="30890" marB="30890"/>
+                </a:tc>
+                <a:tc>
+                  <a:txBody>
+                    <a:bodyPr/>
+                    <a:lstStyle/>
+                    <a:p>
+                      <a:r>
+                        <a:rPr lang="ru-RU" sz="1200" dirty="0" smtClean="0"/>
+                        <a:t>011</a:t>
+                      </a:r>
+                      <a:endParaRPr lang="ru-RU" sz="1200" dirty="0"/>
+                    </a:p>
+                  </a:txBody>
+                  <a:tcPr marL="61779" marR="61779" marT="30890" marB="30890"/>
+                </a:tc>
+                <a:tc>
+                  <a:txBody>
+                    <a:bodyPr/>
+                    <a:lstStyle/>
+                    <a:p>
+                      <a:r>
+                        <a:rPr lang="en-US" sz="1200" dirty="0" smtClean="0"/>
+                        <a:t>0</a:t>
+                      </a:r>
+                      <a:endParaRPr lang="ru-RU" sz="1200" dirty="0"/>
+                    </a:p>
+                  </a:txBody>
+                  <a:tcPr marL="61779" marR="61779" marT="30890" marB="30890"/>
+                </a:tc>
+                <a:tc>
+                  <a:txBody>
+                    <a:bodyPr/>
+                    <a:lstStyle/>
+                    <a:p>
+                      <a:r>
+                        <a:rPr lang="en-US" sz="1200" dirty="0" smtClean="0"/>
+                        <a:t>0,5</a:t>
+                      </a:r>
+                      <a:endParaRPr lang="ru-RU" sz="1200" dirty="0"/>
+                    </a:p>
+                  </a:txBody>
+                  <a:tcPr marL="61779" marR="61779" marT="30890" marB="30890"/>
+                </a:tc>
+                <a:tc>
+                  <a:txBody>
+                    <a:bodyPr/>
+                    <a:lstStyle/>
+                    <a:p>
+                      <a:r>
+                        <a:rPr lang="ru-RU" sz="1200" dirty="0" smtClean="0"/>
+                        <a:t>0</a:t>
+                      </a:r>
+                      <a:r>
+                        <a:rPr lang="en-US" sz="1200" dirty="0" smtClean="0"/>
+                        <a:t>,25</a:t>
+                      </a:r>
+                      <a:endParaRPr lang="ru-RU" sz="1200" dirty="0"/>
+                    </a:p>
+                  </a:txBody>
+                  <a:tcPr marL="61779" marR="61779" marT="30890" marB="30890"/>
+                </a:tc>
+                <a:tc>
+                  <a:txBody>
+                    <a:bodyPr/>
+                    <a:lstStyle/>
+                    <a:p>
+                      <a:r>
+                        <a:rPr lang="en-US" sz="1200" dirty="0" smtClean="0"/>
+                        <a:t>0,25</a:t>
+                      </a:r>
+                      <a:endParaRPr lang="ru-RU" sz="1200" dirty="0"/>
+                    </a:p>
+                  </a:txBody>
+                  <a:tcPr marL="61779" marR="61779" marT="30890" marB="30890"/>
+                </a:tc>
+                <a:extLst>
+                  <a:ext uri="{0D108BD9-81ED-4DB2-BD59-A6C34878D82A}">
+                    <a16:rowId xmlns:a16="http://schemas.microsoft.com/office/drawing/2014/main" val="2816729819"/>
+                  </a:ext>
+                </a:extLst>
+              </a:tr>
+              <a:tr h="250548">
+                <a:tc vMerge="1">
+                  <a:txBody>
+                    <a:bodyPr/>
+                    <a:lstStyle/>
+                    <a:p>
+                      <a:endParaRPr lang="ru-RU" sz="1200" dirty="0"/>
+                    </a:p>
+                  </a:txBody>
+                  <a:tcPr marL="61779" marR="61779" marT="30890" marB="30890"/>
+                </a:tc>
+                <a:tc>
+                  <a:txBody>
+                    <a:bodyPr/>
+                    <a:lstStyle/>
+                    <a:p>
+                      <a:r>
+                        <a:rPr lang="ru-RU" sz="1200" dirty="0" smtClean="0"/>
+                        <a:t>100</a:t>
+                      </a:r>
+                      <a:endParaRPr lang="ru-RU" sz="1200" dirty="0"/>
+                    </a:p>
+                  </a:txBody>
+                  <a:tcPr marL="61779" marR="61779" marT="30890" marB="30890"/>
+                </a:tc>
+                <a:tc>
+                  <a:txBody>
+                    <a:bodyPr/>
+                    <a:lstStyle/>
+                    <a:p>
+                      <a:r>
+                        <a:rPr lang="en-US" sz="1200" dirty="0" smtClean="0"/>
+                        <a:t>0,25</a:t>
+                      </a:r>
+                      <a:endParaRPr lang="ru-RU" sz="1200" dirty="0"/>
+                    </a:p>
+                  </a:txBody>
+                  <a:tcPr marL="61779" marR="61779" marT="30890" marB="30890"/>
+                </a:tc>
+                <a:tc>
+                  <a:txBody>
+                    <a:bodyPr/>
+                    <a:lstStyle/>
+                    <a:p>
+                      <a:r>
+                        <a:rPr lang="en-US" sz="1200" dirty="0" smtClean="0"/>
+                        <a:t>0,25</a:t>
+                      </a:r>
+                      <a:endParaRPr lang="ru-RU" sz="1200" dirty="0"/>
+                    </a:p>
+                  </a:txBody>
+                  <a:tcPr marL="61779" marR="61779" marT="30890" marB="30890"/>
+                </a:tc>
+                <a:tc>
+                  <a:txBody>
+                    <a:bodyPr/>
+                    <a:lstStyle/>
+                    <a:p>
+                      <a:r>
+                        <a:rPr lang="en-US" sz="1200" dirty="0" smtClean="0"/>
+                        <a:t>0,5</a:t>
+                      </a:r>
+                      <a:endParaRPr lang="ru-RU" sz="1200" dirty="0"/>
+                    </a:p>
+                  </a:txBody>
+                  <a:tcPr marL="61779" marR="61779" marT="30890" marB="30890"/>
+                </a:tc>
+                <a:tc>
+                  <a:txBody>
+                    <a:bodyPr/>
+                    <a:lstStyle/>
+                    <a:p>
+                      <a:r>
+                        <a:rPr lang="en-US" sz="1200" dirty="0" smtClean="0"/>
+                        <a:t>0</a:t>
+                      </a:r>
+                      <a:endParaRPr lang="ru-RU" sz="1200" dirty="0"/>
+                    </a:p>
+                  </a:txBody>
+                  <a:tcPr marL="61779" marR="61779" marT="30890" marB="30890"/>
+                </a:tc>
+                <a:extLst>
+                  <a:ext uri="{0D108BD9-81ED-4DB2-BD59-A6C34878D82A}">
+                    <a16:rowId xmlns:a16="http://schemas.microsoft.com/office/drawing/2014/main" val="2764329779"/>
+                  </a:ext>
+                </a:extLst>
+              </a:tr>
+              <a:tr h="250548">
+                <a:tc vMerge="1">
+                  <a:txBody>
+                    <a:bodyPr/>
+                    <a:lstStyle/>
+                    <a:p>
+                      <a:endParaRPr lang="ru-RU" sz="1200" dirty="0"/>
+                    </a:p>
+                  </a:txBody>
+                  <a:tcPr marL="61779" marR="61779" marT="30890" marB="30890"/>
+                </a:tc>
+                <a:tc>
+                  <a:txBody>
+                    <a:bodyPr/>
+                    <a:lstStyle/>
+                    <a:p>
+                      <a:r>
+                        <a:rPr lang="ru-RU" sz="1200" dirty="0" smtClean="0"/>
+                        <a:t>101</a:t>
+                      </a:r>
+                      <a:endParaRPr lang="ru-RU" sz="1200" dirty="0"/>
+                    </a:p>
+                  </a:txBody>
+                  <a:tcPr marL="61779" marR="61779" marT="30890" marB="30890"/>
+                </a:tc>
+                <a:tc>
+                  <a:txBody>
+                    <a:bodyPr/>
+                    <a:lstStyle/>
+                    <a:p>
+                      <a:r>
+                        <a:rPr lang="en-US" sz="1200" dirty="0" smtClean="0"/>
+                        <a:t>0</a:t>
+                      </a:r>
+                      <a:endParaRPr lang="ru-RU" sz="1200" dirty="0"/>
+                    </a:p>
+                  </a:txBody>
+                  <a:tcPr marL="61779" marR="61779" marT="30890" marB="30890"/>
+                </a:tc>
+                <a:tc>
+                  <a:txBody>
+                    <a:bodyPr/>
+                    <a:lstStyle/>
+                    <a:p>
+                      <a:r>
+                        <a:rPr lang="en-US" sz="1200" dirty="0" smtClean="0"/>
+                        <a:t>0,5</a:t>
+                      </a:r>
+                      <a:endParaRPr lang="ru-RU" sz="1200" dirty="0"/>
+                    </a:p>
+                  </a:txBody>
+                  <a:tcPr marL="61779" marR="61779" marT="30890" marB="30890"/>
+                </a:tc>
+                <a:tc>
+                  <a:txBody>
+                    <a:bodyPr/>
+                    <a:lstStyle/>
+                    <a:p>
+                      <a:r>
+                        <a:rPr lang="en-US" sz="1200" dirty="0" smtClean="0"/>
+                        <a:t>0,25</a:t>
+                      </a:r>
+                      <a:endParaRPr lang="ru-RU" sz="1200" dirty="0"/>
+                    </a:p>
+                  </a:txBody>
+                  <a:tcPr marL="61779" marR="61779" marT="30890" marB="30890"/>
+                </a:tc>
+                <a:tc>
+                  <a:txBody>
+                    <a:bodyPr/>
+                    <a:lstStyle/>
+                    <a:p>
+                      <a:r>
+                        <a:rPr lang="en-US" sz="1200" dirty="0" smtClean="0"/>
+                        <a:t>0,25</a:t>
+                      </a:r>
+                      <a:endParaRPr lang="ru-RU" sz="1200" dirty="0"/>
+                    </a:p>
+                  </a:txBody>
+                  <a:tcPr marL="61779" marR="61779" marT="30890" marB="30890"/>
+                </a:tc>
+                <a:extLst>
+                  <a:ext uri="{0D108BD9-81ED-4DB2-BD59-A6C34878D82A}">
+                    <a16:rowId xmlns:a16="http://schemas.microsoft.com/office/drawing/2014/main" val="101956689"/>
+                  </a:ext>
+                </a:extLst>
+              </a:tr>
+              <a:tr h="250548">
+                <a:tc vMerge="1">
+                  <a:txBody>
+                    <a:bodyPr/>
+                    <a:lstStyle/>
+                    <a:p>
+                      <a:endParaRPr lang="ru-RU" sz="1200" dirty="0"/>
+                    </a:p>
+                  </a:txBody>
+                  <a:tcPr marL="61779" marR="61779" marT="30890" marB="30890"/>
+                </a:tc>
+                <a:tc>
+                  <a:txBody>
+                    <a:bodyPr/>
+                    <a:lstStyle/>
+                    <a:p>
+                      <a:r>
+                        <a:rPr lang="ru-RU" sz="1200" dirty="0" smtClean="0"/>
+                        <a:t>110</a:t>
+                      </a:r>
+                      <a:endParaRPr lang="ru-RU" sz="1200" dirty="0"/>
+                    </a:p>
+                  </a:txBody>
+                  <a:tcPr marL="61779" marR="61779" marT="30890" marB="30890"/>
+                </a:tc>
+                <a:tc>
+                  <a:txBody>
+                    <a:bodyPr/>
+                    <a:lstStyle/>
+                    <a:p>
+                      <a:r>
+                        <a:rPr lang="en-US" sz="1200" dirty="0" smtClean="0"/>
+                        <a:t>0,5</a:t>
+                      </a:r>
+                      <a:endParaRPr lang="ru-RU" sz="1200" dirty="0"/>
+                    </a:p>
+                  </a:txBody>
+                  <a:tcPr marL="61779" marR="61779" marT="30890" marB="30890"/>
+                </a:tc>
+                <a:tc>
+                  <a:txBody>
+                    <a:bodyPr/>
+                    <a:lstStyle/>
+                    <a:p>
+                      <a:r>
+                        <a:rPr lang="en-US" sz="1200" dirty="0" smtClean="0"/>
+                        <a:t>0</a:t>
+                      </a:r>
+                      <a:endParaRPr lang="ru-RU" sz="1200" dirty="0"/>
+                    </a:p>
+                  </a:txBody>
+                  <a:tcPr marL="61779" marR="61779" marT="30890" marB="30890"/>
+                </a:tc>
+                <a:tc>
+                  <a:txBody>
+                    <a:bodyPr/>
+                    <a:lstStyle/>
+                    <a:p>
+                      <a:r>
+                        <a:rPr lang="en-US" sz="1200" dirty="0" smtClean="0"/>
+                        <a:t>0,25</a:t>
+                      </a:r>
+                      <a:endParaRPr lang="ru-RU" sz="1200" dirty="0"/>
+                    </a:p>
+                  </a:txBody>
+                  <a:tcPr marL="61779" marR="61779" marT="30890" marB="30890"/>
+                </a:tc>
+                <a:tc>
+                  <a:txBody>
+                    <a:bodyPr/>
+                    <a:lstStyle/>
+                    <a:p>
+                      <a:r>
+                        <a:rPr lang="en-US" sz="1200" dirty="0" smtClean="0"/>
+                        <a:t>0,25</a:t>
+                      </a:r>
+                      <a:endParaRPr lang="ru-RU" sz="1200" dirty="0"/>
+                    </a:p>
+                  </a:txBody>
+                  <a:tcPr marL="61779" marR="61779" marT="30890" marB="30890"/>
+                </a:tc>
+                <a:extLst>
+                  <a:ext uri="{0D108BD9-81ED-4DB2-BD59-A6C34878D82A}">
+                    <a16:rowId xmlns:a16="http://schemas.microsoft.com/office/drawing/2014/main" val="898133295"/>
+                  </a:ext>
+                </a:extLst>
+              </a:tr>
+              <a:tr h="250548">
+                <a:tc vMerge="1">
+                  <a:txBody>
+                    <a:bodyPr/>
+                    <a:lstStyle/>
+                    <a:p>
+                      <a:endParaRPr lang="ru-RU" sz="1200" dirty="0"/>
+                    </a:p>
+                  </a:txBody>
+                  <a:tcPr marL="61779" marR="61779" marT="30890" marB="30890"/>
+                </a:tc>
+                <a:tc>
+                  <a:txBody>
+                    <a:bodyPr/>
+                    <a:lstStyle/>
+                    <a:p>
+                      <a:r>
+                        <a:rPr lang="ru-RU" sz="1200" dirty="0" smtClean="0"/>
+                        <a:t>111</a:t>
+                      </a:r>
+                      <a:endParaRPr lang="ru-RU" sz="1200" dirty="0"/>
+                    </a:p>
+                  </a:txBody>
+                  <a:tcPr marL="61779" marR="61779" marT="30890" marB="30890"/>
+                </a:tc>
+                <a:tc>
+                  <a:txBody>
+                    <a:bodyPr/>
+                    <a:lstStyle/>
+                    <a:p>
+                      <a:r>
+                        <a:rPr lang="en-US" sz="1200" dirty="0" smtClean="0"/>
+                        <a:t>0</a:t>
+                      </a:r>
+                      <a:endParaRPr lang="ru-RU" sz="1200" dirty="0"/>
+                    </a:p>
+                  </a:txBody>
+                  <a:tcPr marL="61779" marR="61779" marT="30890" marB="30890"/>
+                </a:tc>
+                <a:tc>
+                  <a:txBody>
+                    <a:bodyPr/>
+                    <a:lstStyle/>
+                    <a:p>
+                      <a:r>
+                        <a:rPr lang="en-US" sz="1200" dirty="0" smtClean="0"/>
+                        <a:t>0</a:t>
+                      </a:r>
+                      <a:endParaRPr lang="ru-RU" sz="1200" dirty="0"/>
+                    </a:p>
+                  </a:txBody>
+                  <a:tcPr marL="61779" marR="61779" marT="30890" marB="30890"/>
+                </a:tc>
+                <a:tc>
+                  <a:txBody>
+                    <a:bodyPr/>
+                    <a:lstStyle/>
+                    <a:p>
+                      <a:r>
+                        <a:rPr lang="en-US" sz="1200" dirty="0" smtClean="0"/>
+                        <a:t>0,25</a:t>
+                      </a:r>
+                      <a:endParaRPr lang="ru-RU" sz="1200" dirty="0"/>
+                    </a:p>
+                  </a:txBody>
+                  <a:tcPr marL="61779" marR="61779" marT="30890" marB="30890"/>
+                </a:tc>
+                <a:tc>
+                  <a:txBody>
+                    <a:bodyPr/>
+                    <a:lstStyle/>
+                    <a:p>
+                      <a:r>
+                        <a:rPr lang="en-US" sz="1200" dirty="0" smtClean="0"/>
+                        <a:t>0,75</a:t>
+                      </a:r>
+                      <a:endParaRPr lang="ru-RU" sz="1200" dirty="0"/>
+                    </a:p>
+                  </a:txBody>
+                  <a:tcPr marL="61779" marR="61779" marT="30890" marB="30890"/>
+                </a:tc>
+                <a:extLst>
+                  <a:ext uri="{0D108BD9-81ED-4DB2-BD59-A6C34878D82A}">
+                    <a16:rowId xmlns:a16="http://schemas.microsoft.com/office/drawing/2014/main" val="3251625228"/>
+                  </a:ext>
+                </a:extLst>
+              </a:tr>
+            </a:tbl>
+          </a:graphicData>
+        </a:graphic>
+      </p:graphicFrame>
     </p:spTree>
     <p:extLst>
       <p:ext uri="{BB962C8B-B14F-4D97-AF65-F5344CB8AC3E}">
@@ -8871,7 +10973,11 @@
           <a:bodyPr/>
           <a:lstStyle/>
           <a:p>
-            <a:endParaRPr lang="ru-RU"/>
+            <a:r>
+              <a:rPr lang="ru-RU" dirty="0" smtClean="0"/>
+              <a:t>Пример 2</a:t>
+            </a:r>
+            <a:endParaRPr lang="ru-RU" dirty="0"/>
           </a:p>
         </p:txBody>
       </p:sp>
@@ -8887,61 +10993,365 @@
         </p:nvSpPr>
         <p:spPr/>
         <p:txBody>
-          <a:bodyPr/>
+          <a:bodyPr>
+            <a:normAutofit fontScale="77500" lnSpcReduction="20000"/>
+          </a:bodyPr>
           <a:lstStyle/>
           <a:p>
-            <a:endParaRPr lang="ru-RU"/>
-          </a:p>
-        </p:txBody>
-      </p:sp>
-      <p:pic>
-        <p:nvPicPr>
-          <p:cNvPr id="4" name="Рисунок 3"/>
-          <p:cNvPicPr>
-            <a:picLocks noChangeAspect="1"/>
-          </p:cNvPicPr>
-          <p:nvPr/>
-        </p:nvPicPr>
-        <p:blipFill>
-          <a:blip r:embed="rId2"/>
-          <a:stretch>
-            <a:fillRect/>
-          </a:stretch>
-        </p:blipFill>
-        <p:spPr>
-          <a:xfrm>
-            <a:off x="10511589" y="2866524"/>
-            <a:ext cx="1371600" cy="2247900"/>
-          </a:xfrm>
-          <a:prstGeom prst="rect">
-            <a:avLst/>
-          </a:prstGeom>
-        </p:spPr>
-      </p:pic>
-      <p:pic>
-        <p:nvPicPr>
-          <p:cNvPr id="5" name="Рисунок 4"/>
-          <p:cNvPicPr>
-            <a:picLocks noChangeAspect="1"/>
-          </p:cNvPicPr>
-          <p:nvPr/>
-        </p:nvPicPr>
-        <p:blipFill>
-          <a:blip r:embed="rId3"/>
-          <a:stretch>
-            <a:fillRect/>
-          </a:stretch>
-        </p:blipFill>
-        <p:spPr>
-          <a:xfrm>
-            <a:off x="375521" y="3214186"/>
-            <a:ext cx="10591800" cy="1552575"/>
-          </a:xfrm>
-          <a:prstGeom prst="rect">
-            <a:avLst/>
-          </a:prstGeom>
-        </p:spPr>
-      </p:pic>
+            <a:r>
+              <a:rPr lang="ru-RU" dirty="0" smtClean="0"/>
+              <a:t>Если </a:t>
+            </a:r>
+            <a:r>
+              <a:rPr lang="en-US" dirty="0" smtClean="0"/>
+              <a:t>P1 + P2 = 001, </a:t>
+            </a:r>
+            <a:r>
+              <a:rPr lang="ru-RU" dirty="0" smtClean="0"/>
+              <a:t>то</a:t>
+            </a:r>
+            <a:r>
+              <a:rPr lang="en-US" dirty="0" smtClean="0"/>
+              <a:t> C1 + C2 = </a:t>
+            </a:r>
+            <a:r>
+              <a:rPr lang="en-US" dirty="0"/>
+              <a:t>11 </a:t>
+            </a:r>
+            <a:r>
+              <a:rPr lang="ru-RU" dirty="0"/>
+              <a:t>с вероятностью 0,50 ( 50 процентов). </a:t>
+            </a:r>
+            <a:endParaRPr lang="ru-RU" dirty="0" smtClean="0"/>
+          </a:p>
+          <a:p>
+            <a:r>
+              <a:rPr lang="ru-RU" dirty="0" smtClean="0"/>
+              <a:t>Если </a:t>
+            </a:r>
+            <a:r>
+              <a:rPr lang="en-US" dirty="0" smtClean="0"/>
+              <a:t>C1 </a:t>
+            </a:r>
+            <a:r>
+              <a:rPr lang="en-US" dirty="0"/>
+              <a:t>= </a:t>
+            </a:r>
+            <a:r>
+              <a:rPr lang="en-US" dirty="0" smtClean="0"/>
+              <a:t>00</a:t>
+            </a:r>
+            <a:r>
+              <a:rPr lang="ru-RU" dirty="0" smtClean="0"/>
+              <a:t>, получим </a:t>
+            </a:r>
+            <a:r>
+              <a:rPr lang="en-US" dirty="0"/>
+              <a:t>P1 = 010 (</a:t>
+            </a:r>
+            <a:r>
+              <a:rPr lang="ru-RU" dirty="0"/>
+              <a:t>атака с выборкой зашифрованного текста). </a:t>
+            </a:r>
+            <a:endParaRPr lang="ru-RU" dirty="0" smtClean="0"/>
+          </a:p>
+          <a:p>
+            <a:r>
+              <a:rPr lang="ru-RU" dirty="0" smtClean="0"/>
+              <a:t>При </a:t>
+            </a:r>
+            <a:r>
+              <a:rPr lang="en-US" dirty="0" smtClean="0"/>
+              <a:t>C2 </a:t>
+            </a:r>
+            <a:r>
+              <a:rPr lang="en-US" dirty="0"/>
+              <a:t>= 11 </a:t>
+            </a:r>
+            <a:r>
+              <a:rPr lang="ru-RU" dirty="0" smtClean="0"/>
+              <a:t>-</a:t>
+            </a:r>
+            <a:r>
+              <a:rPr lang="en-US" dirty="0" smtClean="0"/>
+              <a:t>&gt;</a:t>
+            </a:r>
+            <a:r>
+              <a:rPr lang="ru-RU" dirty="0" smtClean="0"/>
+              <a:t> </a:t>
+            </a:r>
+            <a:r>
+              <a:rPr lang="en-US" dirty="0"/>
+              <a:t>P2 = 011 (</a:t>
+            </a:r>
+            <a:r>
+              <a:rPr lang="ru-RU" dirty="0"/>
+              <a:t>другая атака с выборкой зашифрованного текста). </a:t>
+            </a:r>
+            <a:endParaRPr lang="ru-RU" dirty="0" smtClean="0"/>
+          </a:p>
+          <a:p>
+            <a:endParaRPr lang="ru-RU" dirty="0"/>
+          </a:p>
+          <a:p>
+            <a:pPr marL="0" indent="0">
+              <a:buNone/>
+            </a:pPr>
+            <a:r>
+              <a:rPr lang="ru-RU" dirty="0" smtClean="0"/>
+              <a:t>Возвращаемся </a:t>
+            </a:r>
+            <a:r>
+              <a:rPr lang="ru-RU" dirty="0"/>
+              <a:t>к анализу, основанному на первой паре, </a:t>
+            </a:r>
+            <a:r>
+              <a:rPr lang="en-US" dirty="0"/>
+              <a:t>P1 </a:t>
+            </a:r>
+            <a:r>
+              <a:rPr lang="ru-RU" dirty="0"/>
+              <a:t>и </a:t>
+            </a:r>
+            <a:r>
+              <a:rPr lang="en-US" dirty="0"/>
+              <a:t>C1</a:t>
+            </a:r>
+            <a:r>
+              <a:rPr lang="en-US" dirty="0" smtClean="0"/>
+              <a:t>:</a:t>
+            </a:r>
+            <a:endParaRPr lang="en-US" dirty="0"/>
+          </a:p>
+          <a:p>
+            <a:r>
+              <a:rPr lang="ru-RU" dirty="0" smtClean="0"/>
+              <a:t>С1 </a:t>
+            </a:r>
+            <a:r>
+              <a:rPr lang="ru-RU" dirty="0"/>
+              <a:t>= 00 </a:t>
+            </a:r>
+            <a:r>
+              <a:rPr lang="ru-RU" dirty="0" smtClean="0"/>
+              <a:t>-</a:t>
+            </a:r>
+            <a:r>
+              <a:rPr lang="en-US" dirty="0" smtClean="0"/>
+              <a:t>&gt; X1 = 001 </a:t>
+            </a:r>
+            <a:r>
+              <a:rPr lang="ru-RU" dirty="0" smtClean="0"/>
+              <a:t>или </a:t>
+            </a:r>
+            <a:r>
+              <a:rPr lang="en-US" dirty="0" smtClean="0"/>
+              <a:t>X1 = 111</a:t>
+            </a:r>
+            <a:endParaRPr lang="en-US" dirty="0"/>
+          </a:p>
+          <a:p>
+            <a:r>
+              <a:rPr lang="ru-RU" dirty="0" smtClean="0"/>
+              <a:t>Если</a:t>
+            </a:r>
+            <a:r>
+              <a:rPr lang="en-US" dirty="0" smtClean="0"/>
+              <a:t> X1 = </a:t>
+            </a:r>
+            <a:r>
+              <a:rPr lang="en-US" dirty="0"/>
+              <a:t>001 </a:t>
+            </a:r>
+            <a:r>
+              <a:rPr lang="en-US" dirty="0" smtClean="0"/>
+              <a:t>K </a:t>
+            </a:r>
+            <a:r>
+              <a:rPr lang="en-US" dirty="0"/>
+              <a:t>= </a:t>
+            </a:r>
+            <a:r>
+              <a:rPr lang="en-US" dirty="0" smtClean="0"/>
+              <a:t>X1 + P1 = 011 -&gt; </a:t>
+            </a:r>
+            <a:r>
+              <a:rPr lang="ru-RU" dirty="0" smtClean="0"/>
+              <a:t>Если </a:t>
+            </a:r>
+            <a:r>
+              <a:rPr lang="en-US" dirty="0" smtClean="0"/>
+              <a:t>X1 = </a:t>
+            </a:r>
+            <a:r>
+              <a:rPr lang="en-US" dirty="0"/>
+              <a:t>111 </a:t>
+            </a:r>
+            <a:r>
+              <a:rPr lang="en-US" dirty="0" smtClean="0"/>
+              <a:t>-&gt; K </a:t>
+            </a:r>
+            <a:r>
+              <a:rPr lang="en-US" dirty="0"/>
+              <a:t>= </a:t>
+            </a:r>
+            <a:r>
+              <a:rPr lang="en-US" dirty="0" smtClean="0"/>
+              <a:t>X1 + P1 </a:t>
+            </a:r>
+            <a:r>
+              <a:rPr lang="en-US" dirty="0"/>
+              <a:t>= 101</a:t>
+            </a:r>
+          </a:p>
+          <a:p>
+            <a:pPr marL="0" indent="0">
+              <a:buNone/>
+            </a:pPr>
+            <a:endParaRPr lang="ru-RU" dirty="0" smtClean="0"/>
+          </a:p>
+          <a:p>
+            <a:pPr marL="0" indent="0">
+              <a:buNone/>
+            </a:pPr>
+            <a:r>
+              <a:rPr lang="ru-RU" dirty="0" smtClean="0"/>
+              <a:t>Используя </a:t>
+            </a:r>
+            <a:r>
+              <a:rPr lang="ru-RU" dirty="0"/>
+              <a:t>пару </a:t>
+            </a:r>
+            <a:r>
+              <a:rPr lang="en-US" dirty="0"/>
+              <a:t>P2 </a:t>
+            </a:r>
+            <a:r>
+              <a:rPr lang="ru-RU" dirty="0"/>
+              <a:t>и </a:t>
+            </a:r>
+            <a:r>
+              <a:rPr lang="en-US" dirty="0"/>
+              <a:t>C2, </a:t>
+            </a:r>
+            <a:r>
+              <a:rPr lang="ru-RU" dirty="0" smtClean="0"/>
+              <a:t>получим</a:t>
+            </a:r>
+            <a:endParaRPr lang="ru-RU" dirty="0"/>
+          </a:p>
+          <a:p>
+            <a:r>
+              <a:rPr lang="ru-RU" dirty="0" smtClean="0"/>
+              <a:t>С2 </a:t>
+            </a:r>
+            <a:r>
+              <a:rPr lang="ru-RU" dirty="0"/>
+              <a:t>= 11 </a:t>
+            </a:r>
+            <a:r>
+              <a:rPr lang="ru-RU" dirty="0" smtClean="0"/>
+              <a:t>-</a:t>
+            </a:r>
+            <a:r>
+              <a:rPr lang="en-US" dirty="0" smtClean="0"/>
+              <a:t>&gt; X2 </a:t>
+            </a:r>
+            <a:r>
+              <a:rPr lang="en-US" dirty="0"/>
+              <a:t>= </a:t>
+            </a:r>
+            <a:r>
+              <a:rPr lang="en-US" dirty="0" smtClean="0"/>
+              <a:t>000 </a:t>
+            </a:r>
+            <a:r>
+              <a:rPr lang="ru-RU" dirty="0" smtClean="0"/>
+              <a:t>или </a:t>
+            </a:r>
+            <a:r>
+              <a:rPr lang="en-US" dirty="0" smtClean="0"/>
+              <a:t>X1 </a:t>
+            </a:r>
+            <a:r>
+              <a:rPr lang="en-US" dirty="0"/>
+              <a:t>= </a:t>
+            </a:r>
+            <a:r>
+              <a:rPr lang="en-US" dirty="0" smtClean="0"/>
+              <a:t>110</a:t>
+            </a:r>
+            <a:endParaRPr lang="en-US" dirty="0"/>
+          </a:p>
+          <a:p>
+            <a:r>
+              <a:rPr lang="ru-RU" dirty="0" smtClean="0"/>
+              <a:t>Если </a:t>
+            </a:r>
+            <a:r>
+              <a:rPr lang="en-US" dirty="0" smtClean="0"/>
+              <a:t>X2 </a:t>
+            </a:r>
+            <a:r>
+              <a:rPr lang="en-US" dirty="0"/>
+              <a:t>= 000 </a:t>
+            </a:r>
+            <a:r>
+              <a:rPr lang="en-US" dirty="0" smtClean="0"/>
+              <a:t>-&gt; K </a:t>
+            </a:r>
+            <a:r>
+              <a:rPr lang="en-US" dirty="0"/>
+              <a:t>= X2 </a:t>
+            </a:r>
+            <a:r>
+              <a:rPr lang="en-US" dirty="0" smtClean="0"/>
+              <a:t>+ P2 </a:t>
+            </a:r>
+            <a:r>
+              <a:rPr lang="en-US" dirty="0"/>
+              <a:t>= 011 </a:t>
+            </a:r>
+            <a:r>
+              <a:rPr lang="en-US" dirty="0" smtClean="0"/>
+              <a:t>-&gt; </a:t>
+            </a:r>
+            <a:r>
+              <a:rPr lang="ru-RU" dirty="0" smtClean="0"/>
+              <a:t>Если</a:t>
+            </a:r>
+            <a:r>
+              <a:rPr lang="en-US" dirty="0" smtClean="0"/>
+              <a:t> X12 </a:t>
+            </a:r>
+            <a:r>
+              <a:rPr lang="en-US" dirty="0"/>
+              <a:t>= 110 </a:t>
+            </a:r>
+            <a:r>
+              <a:rPr lang="en-US" dirty="0" smtClean="0"/>
+              <a:t>K </a:t>
+            </a:r>
+            <a:r>
+              <a:rPr lang="en-US" dirty="0"/>
+              <a:t>= X2 </a:t>
+            </a:r>
+            <a:r>
+              <a:rPr lang="ru-RU" dirty="0" smtClean="0"/>
+              <a:t>+</a:t>
+            </a:r>
+            <a:r>
+              <a:rPr lang="en-US" dirty="0" smtClean="0"/>
+              <a:t> </a:t>
+            </a:r>
+            <a:r>
+              <a:rPr lang="en-US" dirty="0"/>
+              <a:t>P2 = 101</a:t>
+            </a:r>
+            <a:endParaRPr lang="ru-RU" dirty="0"/>
+          </a:p>
+        </p:txBody>
+      </p:sp>
     </p:spTree>
     <p:extLst>
       <p:ext uri="{BB962C8B-B14F-4D97-AF65-F5344CB8AC3E}">

--- a/Дифференциальный криптоанализ.pptx
+++ b/Дифференциальный криптоанализ.pptx
@@ -8572,7 +8572,11 @@
           <a:p>
             <a:r>
               <a:rPr lang="ru-RU" dirty="0" smtClean="0"/>
-              <a:t>Пример алгоритма</a:t>
+              <a:t>Пример </a:t>
+            </a:r>
+            <a:r>
+              <a:rPr lang="ru-RU" dirty="0" smtClean="0"/>
+              <a:t>1</a:t>
             </a:r>
             <a:endParaRPr lang="ru-RU" dirty="0"/>
           </a:p>
@@ -8691,7 +8695,11 @@
           <a:p>
             <a:r>
               <a:rPr lang="ru-RU" dirty="0" smtClean="0"/>
-              <a:t>Пример алгоритма</a:t>
+              <a:t>Пример </a:t>
+            </a:r>
+            <a:r>
+              <a:rPr lang="ru-RU" dirty="0" smtClean="0"/>
+              <a:t>2</a:t>
             </a:r>
             <a:endParaRPr lang="ru-RU" dirty="0"/>
           </a:p>
@@ -10998,40 +11006,204 @@
           </a:bodyPr>
           <a:lstStyle/>
           <a:p>
+            <a:pPr marL="0" indent="0">
+              <a:buNone/>
+            </a:pPr>
+            <a:r>
+              <a:rPr lang="ru-RU" dirty="0" smtClean="0"/>
+              <a:t>При </a:t>
+            </a:r>
+            <a:r>
+              <a:rPr lang="en-US" dirty="0" smtClean="0"/>
+              <a:t>P1 + P2 = 001, </a:t>
+            </a:r>
+            <a:r>
+              <a:rPr lang="ru-RU" dirty="0" smtClean="0"/>
+              <a:t>то</a:t>
+            </a:r>
+            <a:r>
+              <a:rPr lang="en-US" dirty="0" smtClean="0"/>
+              <a:t> C1 + C2 = </a:t>
+            </a:r>
+            <a:r>
+              <a:rPr lang="en-US" dirty="0"/>
+              <a:t>11 </a:t>
+            </a:r>
+            <a:r>
+              <a:rPr lang="ru-RU" dirty="0"/>
+              <a:t>с вероятностью 0,50 ( 50 процентов</a:t>
+            </a:r>
+            <a:r>
+              <a:rPr lang="ru-RU" dirty="0" smtClean="0"/>
+              <a:t>): </a:t>
+            </a:r>
+          </a:p>
+          <a:p>
             <a:r>
               <a:rPr lang="ru-RU" dirty="0" smtClean="0"/>
               <a:t>Если </a:t>
             </a:r>
             <a:r>
               <a:rPr lang="en-US" dirty="0" smtClean="0"/>
-              <a:t>P1 + P2 = 001, </a:t>
+              <a:t>C1 </a:t>
+            </a:r>
+            <a:r>
+              <a:rPr lang="en-US" dirty="0"/>
+              <a:t>= </a:t>
+            </a:r>
+            <a:r>
+              <a:rPr lang="en-US" dirty="0" smtClean="0"/>
+              <a:t>00</a:t>
             </a:r>
             <a:r>
               <a:rPr lang="ru-RU" dirty="0" smtClean="0"/>
-              <a:t>то</a:t>
+              <a:t>, получим </a:t>
+            </a:r>
+            <a:r>
+              <a:rPr lang="en-US" dirty="0"/>
+              <a:t>P1 = 010 (</a:t>
+            </a:r>
+            <a:r>
+              <a:rPr lang="ru-RU" dirty="0"/>
+              <a:t>атака с выборкой зашифрованного текста). </a:t>
+            </a:r>
+            <a:endParaRPr lang="ru-RU" dirty="0" smtClean="0"/>
+          </a:p>
+          <a:p>
+            <a:r>
+              <a:rPr lang="ru-RU" dirty="0" smtClean="0"/>
+              <a:t>При </a:t>
             </a:r>
             <a:r>
               <a:rPr lang="en-US" dirty="0" smtClean="0"/>
-              <a:t> C1 + C2 = </a:t>
+              <a:t>C2 </a:t>
             </a:r>
             <a:r>
               <a:rPr lang="en-US" dirty="0"/>
-              <a:t>11 </a:t>
+              <a:t>= 11 </a:t>
+            </a:r>
+            <a:r>
+              <a:rPr lang="ru-RU" dirty="0" smtClean="0"/>
+              <a:t>-</a:t>
+            </a:r>
+            <a:r>
+              <a:rPr lang="en-US" dirty="0" smtClean="0"/>
+              <a:t>&gt;</a:t>
+            </a:r>
+            <a:r>
+              <a:rPr lang="ru-RU" dirty="0" smtClean="0"/>
+              <a:t> </a:t>
+            </a:r>
+            <a:r>
+              <a:rPr lang="en-US" dirty="0"/>
+              <a:t>P2 = 011 (</a:t>
             </a:r>
             <a:r>
               <a:rPr lang="ru-RU" dirty="0"/>
-              <a:t>с вероятностью 0,50 ( 50 процентов). </a:t>
+              <a:t>другая атака с выборкой зашифрованного текста). </a:t>
             </a:r>
             <a:endParaRPr lang="ru-RU" dirty="0" smtClean="0"/>
           </a:p>
           <a:p>
+            <a:endParaRPr lang="ru-RU" dirty="0"/>
+          </a:p>
+          <a:p>
+            <a:pPr marL="0" indent="0">
+              <a:buNone/>
+            </a:pPr>
+            <a:r>
+              <a:rPr lang="ru-RU" dirty="0" smtClean="0"/>
+              <a:t>Возвращаемся </a:t>
+            </a:r>
+            <a:r>
+              <a:rPr lang="ru-RU" dirty="0"/>
+              <a:t>к анализу, основанному на первой паре, </a:t>
+            </a:r>
+            <a:r>
+              <a:rPr lang="en-US" dirty="0"/>
+              <a:t>P1 </a:t>
+            </a:r>
+            <a:r>
+              <a:rPr lang="ru-RU" dirty="0"/>
+              <a:t>и </a:t>
+            </a:r>
+            <a:r>
+              <a:rPr lang="en-US" dirty="0"/>
+              <a:t>C1</a:t>
+            </a:r>
+            <a:r>
+              <a:rPr lang="en-US" dirty="0" smtClean="0"/>
+              <a:t>:</a:t>
+            </a:r>
+            <a:endParaRPr lang="en-US" dirty="0"/>
+          </a:p>
+          <a:p>
+            <a:r>
+              <a:rPr lang="ru-RU" dirty="0" smtClean="0"/>
+              <a:t>С1 </a:t>
+            </a:r>
+            <a:r>
+              <a:rPr lang="ru-RU" dirty="0"/>
+              <a:t>= 00 </a:t>
+            </a:r>
+            <a:r>
+              <a:rPr lang="ru-RU" dirty="0" smtClean="0"/>
+              <a:t>-</a:t>
+            </a:r>
+            <a:r>
+              <a:rPr lang="en-US" dirty="0" smtClean="0"/>
+              <a:t>&gt; X1 = 001 </a:t>
+            </a:r>
+            <a:r>
+              <a:rPr lang="ru-RU" dirty="0" smtClean="0"/>
+              <a:t>или </a:t>
+            </a:r>
+            <a:r>
+              <a:rPr lang="en-US" dirty="0" smtClean="0"/>
+              <a:t>X1 = 111</a:t>
+            </a:r>
+            <a:endParaRPr lang="en-US" dirty="0"/>
+          </a:p>
+          <a:p>
+            <a:r>
+              <a:rPr lang="ru-RU" dirty="0" smtClean="0"/>
+              <a:t>Если</a:t>
+            </a:r>
+            <a:r>
+              <a:rPr lang="en-US" dirty="0" smtClean="0"/>
+              <a:t> X1 = 001</a:t>
+            </a:r>
+            <a:r>
+              <a:rPr lang="ru-RU" dirty="0"/>
+              <a:t>,</a:t>
+            </a:r>
+            <a:r>
+              <a:rPr lang="en-US" dirty="0" smtClean="0"/>
+              <a:t> K </a:t>
+            </a:r>
+            <a:r>
+              <a:rPr lang="en-US" dirty="0"/>
+              <a:t>= </a:t>
+            </a:r>
+            <a:r>
+              <a:rPr lang="en-US" dirty="0" smtClean="0"/>
+              <a:t>X1 + P1 = 011 -&gt; </a:t>
+            </a:r>
             <a:r>
               <a:rPr lang="ru-RU" dirty="0" smtClean="0"/>
               <a:t>Если </a:t>
             </a:r>
             <a:r>
               <a:rPr lang="en-US" dirty="0" smtClean="0"/>
-              <a:t>C1 </a:t>
+              <a:t>X1 = </a:t>
+            </a:r>
+            <a:r>
+              <a:rPr lang="en-US" dirty="0"/>
+              <a:t>111 </a:t>
+            </a:r>
+            <a:r>
+              <a:rPr lang="en-US" dirty="0" smtClean="0"/>
+              <a:t>-&gt; K </a:t>
             </a:r>
             <a:r>
               <a:rPr lang="en-US" dirty="0"/>
@@ -11039,33 +11211,56 @@
             </a:r>
             <a:r>
               <a:rPr lang="en-US" dirty="0" smtClean="0"/>
-              <a:t>00</a:t>
-            </a:r>
+              <a:t>X1 + P1 </a:t>
+            </a:r>
+            <a:r>
+              <a:rPr lang="en-US" dirty="0"/>
+              <a:t>= 101</a:t>
+            </a:r>
+          </a:p>
+          <a:p>
+            <a:pPr marL="0" indent="0">
+              <a:buNone/>
+            </a:pPr>
+            <a:endParaRPr lang="ru-RU" dirty="0" smtClean="0"/>
+          </a:p>
+          <a:p>
+            <a:pPr marL="0" indent="0">
+              <a:buNone/>
+            </a:pPr>
             <a:r>
               <a:rPr lang="ru-RU" dirty="0" smtClean="0"/>
-              <a:t>, получим </a:t>
+              <a:t>Используя </a:t>
+            </a:r>
+            <a:r>
+              <a:rPr lang="ru-RU" dirty="0"/>
+              <a:t>пару </a:t>
             </a:r>
             <a:r>
               <a:rPr lang="en-US" dirty="0"/>
-              <a:t>P1 = 010 (</a:t>
+              <a:t>P2 </a:t>
             </a:r>
             <a:r>
               <a:rPr lang="ru-RU" dirty="0"/>
-              <a:t>атака с выборкой зашифрованного текста). </a:t>
-            </a:r>
-            <a:endParaRPr lang="ru-RU" dirty="0" smtClean="0"/>
-          </a:p>
-          <a:p>
+              <a:t>и </a:t>
+            </a:r>
+            <a:r>
+              <a:rPr lang="en-US" dirty="0"/>
+              <a:t>C2, </a:t>
+            </a:r>
             <a:r>
               <a:rPr lang="ru-RU" dirty="0" smtClean="0"/>
-              <a:t>При </a:t>
-            </a:r>
-            <a:r>
-              <a:rPr lang="en-US" dirty="0" smtClean="0"/>
-              <a:t>C2 </a:t>
-            </a:r>
-            <a:r>
-              <a:rPr lang="en-US" dirty="0"/>
+              <a:t>получим</a:t>
+            </a:r>
+            <a:endParaRPr lang="ru-RU" dirty="0"/>
+          </a:p>
+          <a:p>
+            <a:r>
+              <a:rPr lang="ru-RU" dirty="0" smtClean="0"/>
+              <a:t>С2 </a:t>
+            </a:r>
+            <a:r>
+              <a:rPr lang="ru-RU" dirty="0"/>
               <a:t>= 11 </a:t>
             </a:r>
             <a:r>
@@ -11074,71 +11269,15 @@
             </a:r>
             <a:r>
               <a:rPr lang="en-US" dirty="0" smtClean="0"/>
-              <a:t>&gt;</a:t>
-            </a:r>
-            <a:r>
-              <a:rPr lang="ru-RU" dirty="0" smtClean="0"/>
-              <a:t> </a:t>
+              <a:t>&gt; X2 </a:t>
             </a:r>
             <a:r>
               <a:rPr lang="en-US" dirty="0"/>
-              <a:t>P2 = 011 (</a:t>
-            </a:r>
-            <a:r>
-              <a:rPr lang="ru-RU" dirty="0"/>
-              <a:t>другая атака с выборкой зашифрованного текста). </a:t>
-            </a:r>
-            <a:endParaRPr lang="ru-RU" dirty="0" smtClean="0"/>
-          </a:p>
-          <a:p>
-            <a:endParaRPr lang="ru-RU" dirty="0"/>
-          </a:p>
-          <a:p>
-            <a:pPr marL="0" indent="0">
-              <a:buNone/>
-            </a:pPr>
-            <a:r>
-              <a:rPr lang="ru-RU" dirty="0" smtClean="0"/>
-              <a:t>Возвращаемся </a:t>
-            </a:r>
-            <a:r>
-              <a:rPr lang="ru-RU" dirty="0"/>
-              <a:t>к анализу, основанному на первой паре, </a:t>
-            </a:r>
-            <a:r>
-              <a:rPr lang="en-US" dirty="0"/>
-              <a:t>P1 </a:t>
-            </a:r>
-            <a:r>
-              <a:rPr lang="ru-RU" dirty="0"/>
-              <a:t>и </a:t>
-            </a:r>
-            <a:r>
-              <a:rPr lang="en-US" dirty="0"/>
-              <a:t>C1</a:t>
+              <a:t>= </a:t>
             </a:r>
             <a:r>
               <a:rPr lang="en-US" dirty="0" smtClean="0"/>
-              <a:t>:</a:t>
-            </a:r>
-            <a:endParaRPr lang="en-US" dirty="0"/>
-          </a:p>
-          <a:p>
-            <a:r>
-              <a:rPr lang="ru-RU" dirty="0" smtClean="0"/>
-              <a:t>С1 </a:t>
-            </a:r>
-            <a:r>
-              <a:rPr lang="ru-RU" dirty="0"/>
-              <a:t>= 00 </a:t>
-            </a:r>
-            <a:r>
-              <a:rPr lang="ru-RU" dirty="0" smtClean="0"/>
-              <a:t>-</a:t>
-            </a:r>
-            <a:r>
-              <a:rPr lang="en-US" dirty="0" smtClean="0"/>
-              <a:t>&gt; X1 = 001 </a:t>
+              <a:t>000 </a:t>
             </a:r>
             <a:r>
               <a:rPr lang="ru-RU" dirty="0" smtClean="0"/>
@@ -11146,26 +11285,58 @@
             </a:r>
             <a:r>
               <a:rPr lang="en-US" dirty="0" smtClean="0"/>
-              <a:t>X1 = 111</a:t>
+              <a:t>X1 </a:t>
+            </a:r>
+            <a:r>
+              <a:rPr lang="en-US" dirty="0"/>
+              <a:t>= </a:t>
+            </a:r>
+            <a:r>
+              <a:rPr lang="en-US" dirty="0" smtClean="0"/>
+              <a:t>110</a:t>
             </a:r>
             <a:endParaRPr lang="en-US" dirty="0"/>
           </a:p>
           <a:p>
+            <a:r>
+              <a:rPr lang="ru-RU" dirty="0" smtClean="0"/>
+              <a:t>Если </a:t>
+            </a:r>
+            <a:r>
+              <a:rPr lang="en-US" dirty="0" smtClean="0"/>
+              <a:t>X2 </a:t>
+            </a:r>
+            <a:r>
+              <a:rPr lang="en-US" dirty="0"/>
+              <a:t>= 000 </a:t>
+            </a:r>
+            <a:r>
+              <a:rPr lang="en-US" dirty="0" smtClean="0"/>
+              <a:t>-&gt; K </a:t>
+            </a:r>
+            <a:r>
+              <a:rPr lang="en-US" dirty="0"/>
+              <a:t>= X2 </a:t>
+            </a:r>
+            <a:r>
+              <a:rPr lang="en-US" dirty="0" smtClean="0"/>
+              <a:t>+ P2 </a:t>
+            </a:r>
+            <a:r>
+              <a:rPr lang="en-US" dirty="0"/>
+              <a:t>= 011 </a:t>
+            </a:r>
+            <a:r>
+              <a:rPr lang="en-US" dirty="0" smtClean="0"/>
+              <a:t>-&gt; </a:t>
+            </a:r>
             <a:r>
               <a:rPr lang="ru-RU" dirty="0" smtClean="0"/>
               <a:t>Если</a:t>
             </a:r>
             <a:r>
               <a:rPr lang="en-US" dirty="0" smtClean="0"/>
-              <a:t> X1 = </a:t>
-            </a:r>
-            <a:r>
-              <a:rPr lang="en-US" dirty="0"/>
-              <a:t>001 </a:t>
-            </a:r>
-            <a:r>
-              <a:rPr lang="en-US" dirty="0" smtClean="0"/>
-              <a:t>K </a:t>
+              <a:t> X12 </a:t>
             </a:r>
             <a:r>
               <a:rPr lang="en-US" dirty="0"/>
@@ -11173,164 +11344,15 @@
             </a:r>
             <a:r>
               <a:rPr lang="en-US" dirty="0" smtClean="0"/>
-              <a:t>X1 + P1 = 011 -&gt; </a:t>
+              <a:t>110</a:t>
             </a:r>
             <a:r>
               <a:rPr lang="ru-RU" dirty="0" smtClean="0"/>
-              <a:t>Если </a:t>
+              <a:t>,</a:t>
             </a:r>
             <a:r>
               <a:rPr lang="en-US" dirty="0" smtClean="0"/>
-              <a:t>X1 = </a:t>
-            </a:r>
-            <a:r>
-              <a:rPr lang="en-US" dirty="0"/>
-              <a:t>111 </a:t>
-            </a:r>
-            <a:r>
-              <a:rPr lang="en-US" dirty="0" smtClean="0"/>
-              <a:t>-&gt; K </a:t>
-            </a:r>
-            <a:r>
-              <a:rPr lang="en-US" dirty="0"/>
-              <a:t>= </a:t>
-            </a:r>
-            <a:r>
-              <a:rPr lang="en-US" dirty="0" smtClean="0"/>
-              <a:t>X1 + P1 </a:t>
-            </a:r>
-            <a:r>
-              <a:rPr lang="en-US" dirty="0"/>
-              <a:t>= 101</a:t>
-            </a:r>
-          </a:p>
-          <a:p>
-            <a:pPr marL="0" indent="0">
-              <a:buNone/>
-            </a:pPr>
-            <a:endParaRPr lang="ru-RU" dirty="0" smtClean="0"/>
-          </a:p>
-          <a:p>
-            <a:pPr marL="0" indent="0">
-              <a:buNone/>
-            </a:pPr>
-            <a:r>
-              <a:rPr lang="ru-RU" dirty="0" smtClean="0"/>
-              <a:t>Используя </a:t>
-            </a:r>
-            <a:r>
-              <a:rPr lang="ru-RU" dirty="0"/>
-              <a:t>пару </a:t>
-            </a:r>
-            <a:r>
-              <a:rPr lang="en-US" dirty="0"/>
-              <a:t>P2 </a:t>
-            </a:r>
-            <a:r>
-              <a:rPr lang="ru-RU" dirty="0"/>
-              <a:t>и </a:t>
-            </a:r>
-            <a:r>
-              <a:rPr lang="en-US" dirty="0"/>
-              <a:t>C2, </a:t>
-            </a:r>
-            <a:r>
-              <a:rPr lang="ru-RU" dirty="0" smtClean="0"/>
-              <a:t>получим</a:t>
-            </a:r>
-            <a:endParaRPr lang="ru-RU" dirty="0"/>
-          </a:p>
-          <a:p>
-            <a:r>
-              <a:rPr lang="ru-RU" dirty="0" smtClean="0"/>
-              <a:t>С2 </a:t>
-            </a:r>
-            <a:r>
-              <a:rPr lang="ru-RU" dirty="0"/>
-              <a:t>= 11 </a:t>
-            </a:r>
-            <a:r>
-              <a:rPr lang="ru-RU" dirty="0" smtClean="0"/>
-              <a:t>-</a:t>
-            </a:r>
-            <a:r>
-              <a:rPr lang="en-US" dirty="0" smtClean="0"/>
-              <a:t>&gt; X2 </a:t>
-            </a:r>
-            <a:r>
-              <a:rPr lang="en-US" dirty="0"/>
-              <a:t>= </a:t>
-            </a:r>
-            <a:r>
-              <a:rPr lang="en-US" dirty="0" smtClean="0"/>
-              <a:t>000 </a:t>
-            </a:r>
-            <a:r>
-              <a:rPr lang="ru-RU" dirty="0" smtClean="0"/>
-              <a:t>или </a:t>
-            </a:r>
-            <a:r>
-              <a:rPr lang="en-US" dirty="0" smtClean="0"/>
-              <a:t>X1 </a:t>
-            </a:r>
-            <a:r>
-              <a:rPr lang="en-US" dirty="0"/>
-              <a:t>= </a:t>
-            </a:r>
-            <a:r>
-              <a:rPr lang="en-US" dirty="0" smtClean="0"/>
-              <a:t>110</a:t>
-            </a:r>
-            <a:endParaRPr lang="en-US" dirty="0"/>
-          </a:p>
-          <a:p>
-            <a:r>
-              <a:rPr lang="ru-RU" dirty="0" smtClean="0"/>
-              <a:t>Если </a:t>
-            </a:r>
-            <a:r>
-              <a:rPr lang="en-US" dirty="0" smtClean="0"/>
-              <a:t>X2 </a:t>
-            </a:r>
-            <a:r>
-              <a:rPr lang="en-US" dirty="0"/>
-              <a:t>= 000 </a:t>
-            </a:r>
-            <a:r>
-              <a:rPr lang="en-US" dirty="0" smtClean="0"/>
-              <a:t>-&gt; K </a:t>
-            </a:r>
-            <a:r>
-              <a:rPr lang="en-US" dirty="0"/>
-              <a:t>= X2 </a:t>
-            </a:r>
-            <a:r>
-              <a:rPr lang="en-US" dirty="0" smtClean="0"/>
-              <a:t>+ P2 </a:t>
-            </a:r>
-            <a:r>
-              <a:rPr lang="en-US" dirty="0"/>
-              <a:t>= 011 </a:t>
-            </a:r>
-            <a:r>
-              <a:rPr lang="en-US" dirty="0" smtClean="0"/>
-              <a:t>-&gt; </a:t>
-            </a:r>
-            <a:r>
-              <a:rPr lang="ru-RU" dirty="0" smtClean="0"/>
-              <a:t>Если</a:t>
-            </a:r>
-            <a:r>
-              <a:rPr lang="en-US" dirty="0" smtClean="0"/>
-              <a:t> X12 </a:t>
-            </a:r>
-            <a:r>
-              <a:rPr lang="en-US" dirty="0"/>
-              <a:t>= 110 </a:t>
-            </a:r>
-            <a:r>
-              <a:rPr lang="en-US" dirty="0" smtClean="0"/>
-              <a:t>K </a:t>
+              <a:t> K </a:t>
             </a:r>
             <a:r>
               <a:rPr lang="en-US" dirty="0"/>

--- a/Дифференциальный криптоанализ.pptx
+++ b/Дифференциальный криптоанализ.pptx
@@ -12,9 +12,10 @@
     <p:sldId id="263" r:id="rId6"/>
     <p:sldId id="265" r:id="rId7"/>
     <p:sldId id="266" r:id="rId8"/>
-    <p:sldId id="267" r:id="rId9"/>
-    <p:sldId id="264" r:id="rId10"/>
-    <p:sldId id="260" r:id="rId11"/>
+    <p:sldId id="268" r:id="rId9"/>
+    <p:sldId id="267" r:id="rId10"/>
+    <p:sldId id="264" r:id="rId11"/>
+    <p:sldId id="260" r:id="rId12"/>
   </p:sldIdLst>
   <p:sldSz cx="12192000" cy="6858000"/>
   <p:notesSz cx="6858000" cy="9144000"/>
@@ -395,7 +396,7 @@
           <a:p>
             <a:fld id="{397E0307-B85C-446A-8EF0-0407D435D787}" type="datetimeFigureOut">
               <a:rPr lang="en-US" smtClean="0"/>
-              <a:t>4/1/2022</a:t>
+              <a:t>4/2/2022</a:t>
             </a:fld>
             <a:endParaRPr lang="en-US" dirty="0"/>
           </a:p>
@@ -809,7 +810,7 @@
           <a:p>
             <a:fld id="{8BD862E7-95FA-4FC4-9EC5-DDBFA8DC7417}" type="datetimeFigureOut">
               <a:rPr lang="en-US" smtClean="0"/>
-              <a:t>4/1/2022</a:t>
+              <a:t>4/2/2022</a:t>
             </a:fld>
             <a:endParaRPr lang="en-US" dirty="0"/>
           </a:p>
@@ -1145,7 +1146,7 @@
           <a:p>
             <a:fld id="{8DB987F2-A784-4F72-BB57-0E9EACDE722E}" type="datetimeFigureOut">
               <a:rPr lang="en-US" smtClean="0"/>
-              <a:t>4/1/2022</a:t>
+              <a:t>4/2/2022</a:t>
             </a:fld>
             <a:endParaRPr lang="en-US" dirty="0"/>
           </a:p>
@@ -1550,7 +1551,7 @@
           <a:p>
             <a:fld id="{40BBD51E-4B19-444E-85C0-DBD7EB6263F4}" type="datetimeFigureOut">
               <a:rPr lang="en-US" smtClean="0"/>
-              <a:t>4/1/2022</a:t>
+              <a:t>4/2/2022</a:t>
             </a:fld>
             <a:endParaRPr lang="en-US" dirty="0"/>
           </a:p>
@@ -2118,7 +2119,7 @@
           <a:p>
             <a:fld id="{F0D7255A-4AD5-4D3E-9A0A-689DA3BA976C}" type="datetimeFigureOut">
               <a:rPr lang="en-US" smtClean="0"/>
-              <a:t>4/1/2022</a:t>
+              <a:t>4/2/2022</a:t>
             </a:fld>
             <a:endParaRPr lang="en-US" dirty="0"/>
           </a:p>
@@ -2799,7 +2800,7 @@
           <a:p>
             <a:fld id="{3EE0AD15-87AC-45B2-9EE5-8D165AF83CD7}" type="datetimeFigureOut">
               <a:rPr lang="en-US" smtClean="0"/>
-              <a:t>4/1/2022</a:t>
+              <a:t>4/2/2022</a:t>
             </a:fld>
             <a:endParaRPr lang="en-US" dirty="0"/>
           </a:p>
@@ -3712,7 +3713,7 @@
           <a:p>
             <a:fld id="{FCC40CCD-F0D6-4CC2-A4C8-2D7D0D875F02}" type="datetimeFigureOut">
               <a:rPr lang="en-US" smtClean="0"/>
-              <a:t>4/1/2022</a:t>
+              <a:t>4/2/2022</a:t>
             </a:fld>
             <a:endParaRPr lang="en-US" dirty="0"/>
           </a:p>
@@ -4025,7 +4026,7 @@
           <a:p>
             <a:fld id="{B3CFE2CC-454D-4466-AC55-B86DA0A87BAE}" type="datetimeFigureOut">
               <a:rPr lang="en-US" smtClean="0"/>
-              <a:t>4/1/2022</a:t>
+              <a:t>4/2/2022</a:t>
             </a:fld>
             <a:endParaRPr lang="en-US" dirty="0"/>
           </a:p>
@@ -4289,7 +4290,7 @@
           <a:p>
             <a:fld id="{B647B1BF-4039-460D-A637-65428CBD720E}" type="datetimeFigureOut">
               <a:rPr lang="en-US" smtClean="0"/>
-              <a:t>4/1/2022</a:t>
+              <a:t>4/2/2022</a:t>
             </a:fld>
             <a:endParaRPr lang="en-US" dirty="0"/>
           </a:p>
@@ -4613,7 +4614,7 @@
           <a:p>
             <a:fld id="{AAA39ACE-9343-4EBE-B5CA-AEA240A1DC53}" type="datetimeFigureOut">
               <a:rPr lang="en-US" smtClean="0"/>
-              <a:t>4/1/2022</a:t>
+              <a:t>4/2/2022</a:t>
             </a:fld>
             <a:endParaRPr lang="en-US" dirty="0"/>
           </a:p>
@@ -5002,7 +5003,7 @@
           <a:p>
             <a:fld id="{C9A00F7B-89C5-4DF7-A309-6263220147D4}" type="datetimeFigureOut">
               <a:rPr lang="en-US" smtClean="0"/>
-              <a:t>4/1/2022</a:t>
+              <a:t>4/2/2022</a:t>
             </a:fld>
             <a:endParaRPr lang="en-US" dirty="0"/>
           </a:p>
@@ -5378,7 +5379,7 @@
           <a:p>
             <a:fld id="{449C95DE-FD64-4606-AE61-EC1136867CC6}" type="datetimeFigureOut">
               <a:rPr lang="en-US" smtClean="0"/>
-              <a:t>4/1/2022</a:t>
+              <a:t>4/2/2022</a:t>
             </a:fld>
             <a:endParaRPr lang="en-US" dirty="0"/>
           </a:p>
@@ -5884,7 +5885,7 @@
           <a:p>
             <a:fld id="{5DEB0BBD-30FE-4CF1-900A-0C45149F8AF8}" type="datetimeFigureOut">
               <a:rPr lang="en-US" smtClean="0"/>
-              <a:t>4/1/2022</a:t>
+              <a:t>4/2/2022</a:t>
             </a:fld>
             <a:endParaRPr lang="en-US" dirty="0"/>
           </a:p>
@@ -6141,7 +6142,7 @@
           <a:p>
             <a:fld id="{B91A5F7F-3E81-4C65-A4D1-CB62D5B9DB91}" type="datetimeFigureOut">
               <a:rPr lang="en-US" smtClean="0"/>
-              <a:t>4/1/2022</a:t>
+              <a:t>4/2/2022</a:t>
             </a:fld>
             <a:endParaRPr lang="en-US" dirty="0"/>
           </a:p>
@@ -6304,7 +6305,7 @@
           <a:p>
             <a:fld id="{377ECC86-1672-4627-AEFE-EC5485C73905}" type="datetimeFigureOut">
               <a:rPr lang="en-US" smtClean="0"/>
-              <a:t>4/1/2022</a:t>
+              <a:t>4/2/2022</a:t>
             </a:fld>
             <a:endParaRPr lang="en-US" dirty="0"/>
           </a:p>
@@ -6694,7 +6695,7 @@
           <a:p>
             <a:fld id="{3CDCB01F-D966-4C62-B900-0BE008A90C98}" type="datetimeFigureOut">
               <a:rPr lang="en-US" smtClean="0"/>
-              <a:t>4/1/2022</a:t>
+              <a:t>4/2/2022</a:t>
             </a:fld>
             <a:endParaRPr lang="en-US" dirty="0"/>
           </a:p>
@@ -7103,7 +7104,7 @@
           <a:p>
             <a:fld id="{5E73A0EA-7DC7-4964-BB97-B173EF3B859A}" type="datetimeFigureOut">
               <a:rPr lang="en-US" smtClean="0"/>
-              <a:t>4/1/2022</a:t>
+              <a:t>4/2/2022</a:t>
             </a:fld>
             <a:endParaRPr lang="en-US" dirty="0"/>
           </a:p>
@@ -7347,7 +7348,7 @@
           <a:p>
             <a:fld id="{30EF52CC-F3D9-41D4-BCE4-C208E61A3F31}" type="datetimeFigureOut">
               <a:rPr lang="en-US" smtClean="0"/>
-              <a:t>4/1/2022</a:t>
+              <a:t>4/2/2022</a:t>
             </a:fld>
             <a:endParaRPr lang="en-US" dirty="0"/>
           </a:p>
@@ -7879,6 +7880,148 @@
           <a:p>
             <a:r>
               <a:rPr lang="ru-RU" dirty="0" smtClean="0"/>
+              <a:t>Общая процедура</a:t>
+            </a:r>
+            <a:endParaRPr lang="ru-RU" dirty="0"/>
+          </a:p>
+        </p:txBody>
+      </p:sp>
+      <p:sp>
+        <p:nvSpPr>
+          <p:cNvPr id="3" name="Объект 2"/>
+          <p:cNvSpPr>
+            <a:spLocks noGrp="1"/>
+          </p:cNvSpPr>
+          <p:nvPr>
+            <p:ph idx="1"/>
+          </p:nvPr>
+        </p:nvSpPr>
+        <p:spPr/>
+        <p:txBody>
+          <a:bodyPr/>
+          <a:lstStyle/>
+          <a:p>
+            <a:pPr marL="457200" indent="-457200">
+              <a:buFont typeface="+mj-lt"/>
+              <a:buAutoNum type="arabicPeriod"/>
+            </a:pPr>
+            <a:r>
+              <a:rPr lang="ru-RU" dirty="0" smtClean="0"/>
+              <a:t>Создание таблицы дифференциальных распределений для каждого </a:t>
+            </a:r>
+            <a:r>
+              <a:rPr lang="en-US" dirty="0" smtClean="0"/>
+              <a:t>S-</a:t>
+            </a:r>
+            <a:r>
+              <a:rPr lang="ru-RU" dirty="0" smtClean="0"/>
+              <a:t>блока</a:t>
+            </a:r>
+          </a:p>
+          <a:p>
+            <a:pPr marL="457200" indent="-457200">
+              <a:buFont typeface="+mj-lt"/>
+              <a:buAutoNum type="arabicPeriod"/>
+            </a:pPr>
+            <a:r>
+              <a:rPr lang="ru-RU" dirty="0" smtClean="0"/>
+              <a:t>Создание таблицы дифференциальных распределений для всего шифра</a:t>
+            </a:r>
+          </a:p>
+          <a:p>
+            <a:pPr marL="457200" indent="-457200">
+              <a:buFont typeface="+mj-lt"/>
+              <a:buAutoNum type="arabicPeriod"/>
+            </a:pPr>
+            <a:r>
+              <a:rPr lang="ru-RU" dirty="0" smtClean="0"/>
+              <a:t>Выбор списка исходных текстов на основе созданных таблиц</a:t>
+            </a:r>
+          </a:p>
+          <a:p>
+            <a:pPr marL="457200" indent="-457200">
+              <a:buFont typeface="+mj-lt"/>
+              <a:buAutoNum type="arabicPeriod"/>
+            </a:pPr>
+            <a:r>
+              <a:rPr lang="ru-RU" dirty="0" smtClean="0"/>
+              <a:t>Сопоставление исходного и зашифрованного текстов</a:t>
+            </a:r>
+            <a:r>
+              <a:rPr lang="ru-RU" dirty="0"/>
+              <a:t> </a:t>
+            </a:r>
+            <a:r>
+              <a:rPr lang="ru-RU" dirty="0" smtClean="0"/>
+              <a:t>для нахождения некоторых битов в ключе</a:t>
+            </a:r>
+          </a:p>
+          <a:p>
+            <a:pPr marL="457200" indent="-457200">
+              <a:buFont typeface="+mj-lt"/>
+              <a:buAutoNum type="arabicPeriod"/>
+            </a:pPr>
+            <a:r>
+              <a:rPr lang="ru-RU" dirty="0" smtClean="0"/>
+              <a:t>Возможно использование атаки грубой силы</a:t>
+            </a:r>
+          </a:p>
+        </p:txBody>
+      </p:sp>
+    </p:spTree>
+    <p:extLst>
+      <p:ext uri="{BB962C8B-B14F-4D97-AF65-F5344CB8AC3E}">
+        <p14:creationId xmlns:p14="http://schemas.microsoft.com/office/powerpoint/2010/main" val="3678325467"/>
+      </p:ext>
+    </p:extLst>
+  </p:cSld>
+  <p:clrMapOvr>
+    <a:masterClrMapping/>
+  </p:clrMapOvr>
+  <p:timing>
+    <p:tnLst>
+      <p:par>
+        <p:cTn id="1" dur="indefinite" restart="never" nodeType="tmRoot"/>
+      </p:par>
+    </p:tnLst>
+  </p:timing>
+</p:sld>
+</file>
+
+<file path=ppt/slides/slide11.xml><?xml version="1.0" encoding="utf-8"?>
+<p:sld xmlns:a="http://schemas.openxmlformats.org/drawingml/2006/main" xmlns:r="http://schemas.openxmlformats.org/officeDocument/2006/relationships" xmlns:p="http://schemas.openxmlformats.org/presentationml/2006/main">
+  <p:cSld>
+    <p:spTree>
+      <p:nvGrpSpPr>
+        <p:cNvPr id="1" name=""/>
+        <p:cNvGrpSpPr/>
+        <p:nvPr/>
+      </p:nvGrpSpPr>
+      <p:grpSpPr>
+        <a:xfrm>
+          <a:off x="0" y="0"/>
+          <a:ext cx="0" cy="0"/>
+          <a:chOff x="0" y="0"/>
+          <a:chExt cx="0" cy="0"/>
+        </a:xfrm>
+      </p:grpSpPr>
+      <p:sp>
+        <p:nvSpPr>
+          <p:cNvPr id="2" name="Заголовок 1"/>
+          <p:cNvSpPr>
+            <a:spLocks noGrp="1"/>
+          </p:cNvSpPr>
+          <p:nvPr>
+            <p:ph type="title"/>
+          </p:nvPr>
+        </p:nvSpPr>
+        <p:spPr/>
+        <p:txBody>
+          <a:bodyPr/>
+          <a:lstStyle/>
+          <a:p>
+            <a:r>
+              <a:rPr lang="ru-RU" dirty="0" smtClean="0"/>
               <a:t>Недостатки</a:t>
             </a:r>
             <a:endParaRPr lang="ru-RU" dirty="0"/>
@@ -8572,11 +8715,7 @@
           <a:p>
             <a:r>
               <a:rPr lang="ru-RU" dirty="0" smtClean="0"/>
-              <a:t>Пример </a:t>
-            </a:r>
-            <a:r>
-              <a:rPr lang="ru-RU" dirty="0" smtClean="0"/>
-              <a:t>1</a:t>
+              <a:t>Пример 1</a:t>
             </a:r>
             <a:endParaRPr lang="ru-RU" dirty="0"/>
           </a:p>
@@ -8695,11 +8834,7 @@
           <a:p>
             <a:r>
               <a:rPr lang="ru-RU" dirty="0" smtClean="0"/>
-              <a:t>Пример </a:t>
-            </a:r>
-            <a:r>
-              <a:rPr lang="ru-RU" dirty="0" smtClean="0"/>
-              <a:t>2</a:t>
+              <a:t>Пример 2</a:t>
             </a:r>
             <a:endParaRPr lang="ru-RU" dirty="0"/>
           </a:p>
@@ -8762,20 +8897,439 @@
       </p:sp>
       <p:graphicFrame>
         <p:nvGraphicFramePr>
-          <p:cNvPr id="7" name="Таблица 6"/>
+          <p:cNvPr id="8" name="Таблица 7"/>
           <p:cNvGraphicFramePr>
             <a:graphicFrameLocks noGrp="1"/>
           </p:cNvGraphicFramePr>
           <p:nvPr>
             <p:extLst>
               <p:ext uri="{D42A27DB-BD31-4B8C-83A1-F6EECF244321}">
-                <p14:modId xmlns:p14="http://schemas.microsoft.com/office/powerpoint/2010/main" val="2292725801"/>
+                <p14:modId xmlns:p14="http://schemas.microsoft.com/office/powerpoint/2010/main" val="833498881"/>
               </p:ext>
             </p:extLst>
           </p:nvPr>
         </p:nvGraphicFramePr>
         <p:xfrm>
-          <a:off x="475485" y="4019699"/>
+          <a:off x="680321" y="4272602"/>
+          <a:ext cx="8299638" cy="1124544"/>
+        </p:xfrm>
+        <a:graphic>
+          <a:graphicData uri="http://schemas.openxmlformats.org/drawingml/2006/table">
+            <a:tbl>
+              <a:tblPr firstRow="1" bandRow="1">
+                <a:tableStyleId>{5C22544A-7EE6-4342-B048-85BDC9FD1C3A}</a:tableStyleId>
+              </a:tblPr>
+              <a:tblGrid>
+                <a:gridCol w="922182">
+                  <a:extLst>
+                    <a:ext uri="{9D8B030D-6E8A-4147-A177-3AD203B41FA5}">
+                      <a16:colId xmlns:a16="http://schemas.microsoft.com/office/drawing/2014/main" val="1087438029"/>
+                    </a:ext>
+                  </a:extLst>
+                </a:gridCol>
+                <a:gridCol w="922182">
+                  <a:extLst>
+                    <a:ext uri="{9D8B030D-6E8A-4147-A177-3AD203B41FA5}">
+                      <a16:colId xmlns:a16="http://schemas.microsoft.com/office/drawing/2014/main" val="2230918151"/>
+                    </a:ext>
+                  </a:extLst>
+                </a:gridCol>
+                <a:gridCol w="922182">
+                  <a:extLst>
+                    <a:ext uri="{9D8B030D-6E8A-4147-A177-3AD203B41FA5}">
+                      <a16:colId xmlns:a16="http://schemas.microsoft.com/office/drawing/2014/main" val="3381597346"/>
+                    </a:ext>
+                  </a:extLst>
+                </a:gridCol>
+                <a:gridCol w="922182">
+                  <a:extLst>
+                    <a:ext uri="{9D8B030D-6E8A-4147-A177-3AD203B41FA5}">
+                      <a16:colId xmlns:a16="http://schemas.microsoft.com/office/drawing/2014/main" val="2179761905"/>
+                    </a:ext>
+                  </a:extLst>
+                </a:gridCol>
+                <a:gridCol w="922182">
+                  <a:extLst>
+                    <a:ext uri="{9D8B030D-6E8A-4147-A177-3AD203B41FA5}">
+                      <a16:colId xmlns:a16="http://schemas.microsoft.com/office/drawing/2014/main" val="1050360810"/>
+                    </a:ext>
+                  </a:extLst>
+                </a:gridCol>
+                <a:gridCol w="922182">
+                  <a:extLst>
+                    <a:ext uri="{9D8B030D-6E8A-4147-A177-3AD203B41FA5}">
+                      <a16:colId xmlns:a16="http://schemas.microsoft.com/office/drawing/2014/main" val="1041124462"/>
+                    </a:ext>
+                  </a:extLst>
+                </a:gridCol>
+                <a:gridCol w="922182">
+                  <a:extLst>
+                    <a:ext uri="{9D8B030D-6E8A-4147-A177-3AD203B41FA5}">
+                      <a16:colId xmlns:a16="http://schemas.microsoft.com/office/drawing/2014/main" val="941866030"/>
+                    </a:ext>
+                  </a:extLst>
+                </a:gridCol>
+                <a:gridCol w="922182">
+                  <a:extLst>
+                    <a:ext uri="{9D8B030D-6E8A-4147-A177-3AD203B41FA5}">
+                      <a16:colId xmlns:a16="http://schemas.microsoft.com/office/drawing/2014/main" val="2911553003"/>
+                    </a:ext>
+                  </a:extLst>
+                </a:gridCol>
+                <a:gridCol w="922182">
+                  <a:extLst>
+                    <a:ext uri="{9D8B030D-6E8A-4147-A177-3AD203B41FA5}">
+                      <a16:colId xmlns:a16="http://schemas.microsoft.com/office/drawing/2014/main" val="1358198797"/>
+                    </a:ext>
+                  </a:extLst>
+                </a:gridCol>
+              </a:tblGrid>
+              <a:tr h="555997">
+                <a:tc>
+                  <a:txBody>
+                    <a:bodyPr/>
+                    <a:lstStyle/>
+                    <a:p>
+                      <a:r>
+                        <a:rPr lang="en-US" sz="2800" dirty="0" smtClean="0"/>
+                        <a:t>X</a:t>
+                      </a:r>
+                      <a:endParaRPr lang="ru-RU" sz="2800" dirty="0"/>
+                    </a:p>
+                  </a:txBody>
+                  <a:tcPr marL="135553" marR="135553" marT="67776" marB="67776"/>
+                </a:tc>
+                <a:tc>
+                  <a:txBody>
+                    <a:bodyPr/>
+                    <a:lstStyle/>
+                    <a:p>
+                      <a:r>
+                        <a:rPr lang="en-US" sz="2800" dirty="0" smtClean="0"/>
+                        <a:t>000</a:t>
+                      </a:r>
+                      <a:endParaRPr lang="ru-RU" sz="2800" dirty="0"/>
+                    </a:p>
+                  </a:txBody>
+                  <a:tcPr marL="135553" marR="135553" marT="67776" marB="67776"/>
+                </a:tc>
+                <a:tc>
+                  <a:txBody>
+                    <a:bodyPr/>
+                    <a:lstStyle/>
+                    <a:p>
+                      <a:r>
+                        <a:rPr lang="en-US" sz="2800" dirty="0" smtClean="0"/>
+                        <a:t>001</a:t>
+                      </a:r>
+                      <a:endParaRPr lang="ru-RU" sz="2800" dirty="0"/>
+                    </a:p>
+                  </a:txBody>
+                  <a:tcPr marL="135553" marR="135553" marT="67776" marB="67776"/>
+                </a:tc>
+                <a:tc>
+                  <a:txBody>
+                    <a:bodyPr/>
+                    <a:lstStyle/>
+                    <a:p>
+                      <a:r>
+                        <a:rPr lang="en-US" sz="2800" dirty="0" smtClean="0"/>
+                        <a:t>010</a:t>
+                      </a:r>
+                      <a:endParaRPr lang="ru-RU" sz="2800" dirty="0"/>
+                    </a:p>
+                  </a:txBody>
+                  <a:tcPr marL="135553" marR="135553" marT="67776" marB="67776"/>
+                </a:tc>
+                <a:tc>
+                  <a:txBody>
+                    <a:bodyPr/>
+                    <a:lstStyle/>
+                    <a:p>
+                      <a:r>
+                        <a:rPr lang="en-US" sz="2800" dirty="0" smtClean="0"/>
+                        <a:t>011</a:t>
+                      </a:r>
+                      <a:endParaRPr lang="ru-RU" sz="2800" dirty="0"/>
+                    </a:p>
+                  </a:txBody>
+                  <a:tcPr marL="135553" marR="135553" marT="67776" marB="67776"/>
+                </a:tc>
+                <a:tc>
+                  <a:txBody>
+                    <a:bodyPr/>
+                    <a:lstStyle/>
+                    <a:p>
+                      <a:r>
+                        <a:rPr lang="en-US" sz="2800" dirty="0" smtClean="0"/>
+                        <a:t>100</a:t>
+                      </a:r>
+                      <a:endParaRPr lang="ru-RU" sz="2800" dirty="0"/>
+                    </a:p>
+                  </a:txBody>
+                  <a:tcPr marL="135553" marR="135553" marT="67776" marB="67776"/>
+                </a:tc>
+                <a:tc>
+                  <a:txBody>
+                    <a:bodyPr/>
+                    <a:lstStyle/>
+                    <a:p>
+                      <a:r>
+                        <a:rPr lang="en-US" sz="2800" dirty="0" smtClean="0"/>
+                        <a:t>101</a:t>
+                      </a:r>
+                      <a:endParaRPr lang="ru-RU" sz="2800" dirty="0"/>
+                    </a:p>
+                  </a:txBody>
+                  <a:tcPr marL="135553" marR="135553" marT="67776" marB="67776"/>
+                </a:tc>
+                <a:tc>
+                  <a:txBody>
+                    <a:bodyPr/>
+                    <a:lstStyle/>
+                    <a:p>
+                      <a:r>
+                        <a:rPr lang="en-US" sz="2800" dirty="0" smtClean="0"/>
+                        <a:t>110</a:t>
+                      </a:r>
+                      <a:endParaRPr lang="ru-RU" sz="2800" dirty="0"/>
+                    </a:p>
+                  </a:txBody>
+                  <a:tcPr marL="135553" marR="135553" marT="67776" marB="67776"/>
+                </a:tc>
+                <a:tc>
+                  <a:txBody>
+                    <a:bodyPr/>
+                    <a:lstStyle/>
+                    <a:p>
+                      <a:r>
+                        <a:rPr lang="en-US" sz="2800" dirty="0" smtClean="0"/>
+                        <a:t>111</a:t>
+                      </a:r>
+                      <a:endParaRPr lang="ru-RU" sz="2800" dirty="0"/>
+                    </a:p>
+                  </a:txBody>
+                  <a:tcPr marL="135553" marR="135553" marT="67776" marB="67776"/>
+                </a:tc>
+                <a:extLst>
+                  <a:ext uri="{0D108BD9-81ED-4DB2-BD59-A6C34878D82A}">
+                    <a16:rowId xmlns:a16="http://schemas.microsoft.com/office/drawing/2014/main" val="636782420"/>
+                  </a:ext>
+                </a:extLst>
+              </a:tr>
+              <a:tr h="555997">
+                <a:tc>
+                  <a:txBody>
+                    <a:bodyPr/>
+                    <a:lstStyle/>
+                    <a:p>
+                      <a:r>
+                        <a:rPr lang="en-US" sz="2800" dirty="0" smtClean="0"/>
+                        <a:t>C</a:t>
+                      </a:r>
+                      <a:endParaRPr lang="ru-RU" sz="2800" dirty="0"/>
+                    </a:p>
+                  </a:txBody>
+                  <a:tcPr marL="135553" marR="135553" marT="67776" marB="67776"/>
+                </a:tc>
+                <a:tc>
+                  <a:txBody>
+                    <a:bodyPr/>
+                    <a:lstStyle/>
+                    <a:p>
+                      <a:r>
+                        <a:rPr lang="en-US" sz="2800" dirty="0" smtClean="0"/>
+                        <a:t>11</a:t>
+                      </a:r>
+                      <a:endParaRPr lang="ru-RU" sz="2800" dirty="0"/>
+                    </a:p>
+                  </a:txBody>
+                  <a:tcPr marL="135553" marR="135553" marT="67776" marB="67776"/>
+                </a:tc>
+                <a:tc>
+                  <a:txBody>
+                    <a:bodyPr/>
+                    <a:lstStyle/>
+                    <a:p>
+                      <a:r>
+                        <a:rPr lang="en-US" sz="2800" dirty="0" smtClean="0"/>
+                        <a:t>00</a:t>
+                      </a:r>
+                      <a:endParaRPr lang="ru-RU" sz="2800" dirty="0"/>
+                    </a:p>
+                  </a:txBody>
+                  <a:tcPr marL="135553" marR="135553" marT="67776" marB="67776"/>
+                </a:tc>
+                <a:tc>
+                  <a:txBody>
+                    <a:bodyPr/>
+                    <a:lstStyle/>
+                    <a:p>
+                      <a:r>
+                        <a:rPr lang="en-US" sz="2800" dirty="0" smtClean="0"/>
+                        <a:t>10</a:t>
+                      </a:r>
+                      <a:endParaRPr lang="ru-RU" sz="2800" dirty="0"/>
+                    </a:p>
+                  </a:txBody>
+                  <a:tcPr marL="135553" marR="135553" marT="67776" marB="67776"/>
+                </a:tc>
+                <a:tc>
+                  <a:txBody>
+                    <a:bodyPr/>
+                    <a:lstStyle/>
+                    <a:p>
+                      <a:r>
+                        <a:rPr lang="en-US" sz="2800" dirty="0" smtClean="0"/>
+                        <a:t>10</a:t>
+                      </a:r>
+                      <a:endParaRPr lang="ru-RU" sz="2800" dirty="0"/>
+                    </a:p>
+                  </a:txBody>
+                  <a:tcPr marL="135553" marR="135553" marT="67776" marB="67776"/>
+                </a:tc>
+                <a:tc>
+                  <a:txBody>
+                    <a:bodyPr/>
+                    <a:lstStyle/>
+                    <a:p>
+                      <a:r>
+                        <a:rPr lang="en-US" sz="2800" dirty="0" smtClean="0"/>
+                        <a:t>01</a:t>
+                      </a:r>
+                      <a:endParaRPr lang="ru-RU" sz="2800" dirty="0"/>
+                    </a:p>
+                  </a:txBody>
+                  <a:tcPr marL="135553" marR="135553" marT="67776" marB="67776"/>
+                </a:tc>
+                <a:tc>
+                  <a:txBody>
+                    <a:bodyPr/>
+                    <a:lstStyle/>
+                    <a:p>
+                      <a:r>
+                        <a:rPr lang="en-US" sz="2800" dirty="0" smtClean="0"/>
+                        <a:t>00</a:t>
+                      </a:r>
+                      <a:endParaRPr lang="ru-RU" sz="2800" dirty="0"/>
+                    </a:p>
+                  </a:txBody>
+                  <a:tcPr marL="135553" marR="135553" marT="67776" marB="67776"/>
+                </a:tc>
+                <a:tc>
+                  <a:txBody>
+                    <a:bodyPr/>
+                    <a:lstStyle/>
+                    <a:p>
+                      <a:r>
+                        <a:rPr lang="en-US" sz="2800" dirty="0" smtClean="0"/>
+                        <a:t>11</a:t>
+                      </a:r>
+                      <a:endParaRPr lang="ru-RU" sz="2800" dirty="0"/>
+                    </a:p>
+                  </a:txBody>
+                  <a:tcPr marL="135553" marR="135553" marT="67776" marB="67776"/>
+                </a:tc>
+                <a:tc>
+                  <a:txBody>
+                    <a:bodyPr/>
+                    <a:lstStyle/>
+                    <a:p>
+                      <a:r>
+                        <a:rPr lang="en-US" sz="2800" dirty="0" smtClean="0"/>
+                        <a:t>00</a:t>
+                      </a:r>
+                      <a:endParaRPr lang="ru-RU" sz="2800" dirty="0"/>
+                    </a:p>
+                  </a:txBody>
+                  <a:tcPr marL="135553" marR="135553" marT="67776" marB="67776"/>
+                </a:tc>
+                <a:extLst>
+                  <a:ext uri="{0D108BD9-81ED-4DB2-BD59-A6C34878D82A}">
+                    <a16:rowId xmlns:a16="http://schemas.microsoft.com/office/drawing/2014/main" val="2134011376"/>
+                  </a:ext>
+                </a:extLst>
+              </a:tr>
+            </a:tbl>
+          </a:graphicData>
+        </a:graphic>
+      </p:graphicFrame>
+    </p:spTree>
+    <p:extLst>
+      <p:ext uri="{BB962C8B-B14F-4D97-AF65-F5344CB8AC3E}">
+        <p14:creationId xmlns:p14="http://schemas.microsoft.com/office/powerpoint/2010/main" val="3728072098"/>
+      </p:ext>
+    </p:extLst>
+  </p:cSld>
+  <p:clrMapOvr>
+    <a:masterClrMapping/>
+  </p:clrMapOvr>
+  <p:timing>
+    <p:tnLst>
+      <p:par>
+        <p:cTn id="1" dur="indefinite" restart="never" nodeType="tmRoot"/>
+      </p:par>
+    </p:tnLst>
+  </p:timing>
+</p:sld>
+</file>
+
+<file path=ppt/slides/slide8.xml><?xml version="1.0" encoding="utf-8"?>
+<p:sld xmlns:a="http://schemas.openxmlformats.org/drawingml/2006/main" xmlns:r="http://schemas.openxmlformats.org/officeDocument/2006/relationships" xmlns:p="http://schemas.openxmlformats.org/presentationml/2006/main">
+  <p:cSld>
+    <p:spTree>
+      <p:nvGrpSpPr>
+        <p:cNvPr id="1" name=""/>
+        <p:cNvGrpSpPr/>
+        <p:nvPr/>
+      </p:nvGrpSpPr>
+      <p:grpSpPr>
+        <a:xfrm>
+          <a:off x="0" y="0"/>
+          <a:ext cx="0" cy="0"/>
+          <a:chOff x="0" y="0"/>
+          <a:chExt cx="0" cy="0"/>
+        </a:xfrm>
+      </p:grpSpPr>
+      <p:sp>
+        <p:nvSpPr>
+          <p:cNvPr id="2" name="Заголовок 1"/>
+          <p:cNvSpPr>
+            <a:spLocks noGrp="1"/>
+          </p:cNvSpPr>
+          <p:nvPr>
+            <p:ph type="title"/>
+          </p:nvPr>
+        </p:nvSpPr>
+        <p:spPr/>
+        <p:txBody>
+          <a:bodyPr/>
+          <a:lstStyle/>
+          <a:p>
+            <a:r>
+              <a:rPr lang="ru-RU" dirty="0" smtClean="0"/>
+              <a:t>Пример 2</a:t>
+            </a:r>
+            <a:endParaRPr lang="ru-RU" dirty="0"/>
+          </a:p>
+        </p:txBody>
+      </p:sp>
+      <p:graphicFrame>
+        <p:nvGraphicFramePr>
+          <p:cNvPr id="4" name="Таблица 3"/>
+          <p:cNvGraphicFramePr>
+            <a:graphicFrameLocks noGrp="1"/>
+          </p:cNvGraphicFramePr>
+          <p:nvPr>
+            <p:extLst>
+              <p:ext uri="{D42A27DB-BD31-4B8C-83A1-F6EECF244321}">
+                <p14:modId xmlns:p14="http://schemas.microsoft.com/office/powerpoint/2010/main" val="3304009807"/>
+              </p:ext>
+            </p:extLst>
+          </p:nvPr>
+        </p:nvGraphicFramePr>
+        <p:xfrm>
+          <a:off x="426057" y="2685170"/>
           <a:ext cx="5491476" cy="2505480"/>
         </p:xfrm>
         <a:graphic>
@@ -9639,379 +10193,20 @@
       </p:graphicFrame>
       <p:graphicFrame>
         <p:nvGraphicFramePr>
-          <p:cNvPr id="8" name="Таблица 7"/>
+          <p:cNvPr id="5" name="Таблица 4"/>
           <p:cNvGraphicFramePr>
             <a:graphicFrameLocks noGrp="1"/>
           </p:cNvGraphicFramePr>
           <p:nvPr>
             <p:extLst>
               <p:ext uri="{D42A27DB-BD31-4B8C-83A1-F6EECF244321}">
-                <p14:modId xmlns:p14="http://schemas.microsoft.com/office/powerpoint/2010/main" val="589539642"/>
+                <p14:modId xmlns:p14="http://schemas.microsoft.com/office/powerpoint/2010/main" val="996098460"/>
               </p:ext>
             </p:extLst>
           </p:nvPr>
         </p:nvGraphicFramePr>
         <p:xfrm>
-          <a:off x="7302831" y="2749892"/>
-          <a:ext cx="4585500" cy="606984"/>
-        </p:xfrm>
-        <a:graphic>
-          <a:graphicData uri="http://schemas.openxmlformats.org/drawingml/2006/table">
-            <a:tbl>
-              <a:tblPr firstRow="1" bandRow="1">
-                <a:tableStyleId>{5C22544A-7EE6-4342-B048-85BDC9FD1C3A}</a:tableStyleId>
-              </a:tblPr>
-              <a:tblGrid>
-                <a:gridCol w="509500">
-                  <a:extLst>
-                    <a:ext uri="{9D8B030D-6E8A-4147-A177-3AD203B41FA5}">
-                      <a16:colId xmlns:a16="http://schemas.microsoft.com/office/drawing/2014/main" val="1087438029"/>
-                    </a:ext>
-                  </a:extLst>
-                </a:gridCol>
-                <a:gridCol w="509500">
-                  <a:extLst>
-                    <a:ext uri="{9D8B030D-6E8A-4147-A177-3AD203B41FA5}">
-                      <a16:colId xmlns:a16="http://schemas.microsoft.com/office/drawing/2014/main" val="2230918151"/>
-                    </a:ext>
-                  </a:extLst>
-                </a:gridCol>
-                <a:gridCol w="509500">
-                  <a:extLst>
-                    <a:ext uri="{9D8B030D-6E8A-4147-A177-3AD203B41FA5}">
-                      <a16:colId xmlns:a16="http://schemas.microsoft.com/office/drawing/2014/main" val="3381597346"/>
-                    </a:ext>
-                  </a:extLst>
-                </a:gridCol>
-                <a:gridCol w="509500">
-                  <a:extLst>
-                    <a:ext uri="{9D8B030D-6E8A-4147-A177-3AD203B41FA5}">
-                      <a16:colId xmlns:a16="http://schemas.microsoft.com/office/drawing/2014/main" val="2179761905"/>
-                    </a:ext>
-                  </a:extLst>
-                </a:gridCol>
-                <a:gridCol w="509500">
-                  <a:extLst>
-                    <a:ext uri="{9D8B030D-6E8A-4147-A177-3AD203B41FA5}">
-                      <a16:colId xmlns:a16="http://schemas.microsoft.com/office/drawing/2014/main" val="1050360810"/>
-                    </a:ext>
-                  </a:extLst>
-                </a:gridCol>
-                <a:gridCol w="509500">
-                  <a:extLst>
-                    <a:ext uri="{9D8B030D-6E8A-4147-A177-3AD203B41FA5}">
-                      <a16:colId xmlns:a16="http://schemas.microsoft.com/office/drawing/2014/main" val="1041124462"/>
-                    </a:ext>
-                  </a:extLst>
-                </a:gridCol>
-                <a:gridCol w="509500">
-                  <a:extLst>
-                    <a:ext uri="{9D8B030D-6E8A-4147-A177-3AD203B41FA5}">
-                      <a16:colId xmlns:a16="http://schemas.microsoft.com/office/drawing/2014/main" val="941866030"/>
-                    </a:ext>
-                  </a:extLst>
-                </a:gridCol>
-                <a:gridCol w="509500">
-                  <a:extLst>
-                    <a:ext uri="{9D8B030D-6E8A-4147-A177-3AD203B41FA5}">
-                      <a16:colId xmlns:a16="http://schemas.microsoft.com/office/drawing/2014/main" val="2911553003"/>
-                    </a:ext>
-                  </a:extLst>
-                </a:gridCol>
-                <a:gridCol w="509500">
-                  <a:extLst>
-                    <a:ext uri="{9D8B030D-6E8A-4147-A177-3AD203B41FA5}">
-                      <a16:colId xmlns:a16="http://schemas.microsoft.com/office/drawing/2014/main" val="1358198797"/>
-                    </a:ext>
-                  </a:extLst>
-                </a:gridCol>
-              </a:tblGrid>
-              <a:tr h="299568">
-                <a:tc>
-                  <a:txBody>
-                    <a:bodyPr/>
-                    <a:lstStyle/>
-                    <a:p>
-                      <a:r>
-                        <a:rPr lang="en-US" sz="1500" dirty="0" smtClean="0"/>
-                        <a:t>X</a:t>
-                      </a:r>
-                      <a:endParaRPr lang="ru-RU" sz="1500" dirty="0"/>
-                    </a:p>
-                  </a:txBody>
-                  <a:tcPr marL="74892" marR="74892" marT="37446" marB="37446"/>
-                </a:tc>
-                <a:tc>
-                  <a:txBody>
-                    <a:bodyPr/>
-                    <a:lstStyle/>
-                    <a:p>
-                      <a:r>
-                        <a:rPr lang="en-US" sz="1500" dirty="0" smtClean="0"/>
-                        <a:t>000</a:t>
-                      </a:r>
-                      <a:endParaRPr lang="ru-RU" sz="1500" dirty="0"/>
-                    </a:p>
-                  </a:txBody>
-                  <a:tcPr marL="74892" marR="74892" marT="37446" marB="37446"/>
-                </a:tc>
-                <a:tc>
-                  <a:txBody>
-                    <a:bodyPr/>
-                    <a:lstStyle/>
-                    <a:p>
-                      <a:r>
-                        <a:rPr lang="en-US" sz="1500" dirty="0" smtClean="0"/>
-                        <a:t>001</a:t>
-                      </a:r>
-                      <a:endParaRPr lang="ru-RU" sz="1500" dirty="0"/>
-                    </a:p>
-                  </a:txBody>
-                  <a:tcPr marL="74892" marR="74892" marT="37446" marB="37446"/>
-                </a:tc>
-                <a:tc>
-                  <a:txBody>
-                    <a:bodyPr/>
-                    <a:lstStyle/>
-                    <a:p>
-                      <a:r>
-                        <a:rPr lang="en-US" sz="1500" dirty="0" smtClean="0"/>
-                        <a:t>010</a:t>
-                      </a:r>
-                      <a:endParaRPr lang="ru-RU" sz="1500" dirty="0"/>
-                    </a:p>
-                  </a:txBody>
-                  <a:tcPr marL="74892" marR="74892" marT="37446" marB="37446"/>
-                </a:tc>
-                <a:tc>
-                  <a:txBody>
-                    <a:bodyPr/>
-                    <a:lstStyle/>
-                    <a:p>
-                      <a:r>
-                        <a:rPr lang="en-US" sz="1500" dirty="0" smtClean="0"/>
-                        <a:t>011</a:t>
-                      </a:r>
-                      <a:endParaRPr lang="ru-RU" sz="1500" dirty="0"/>
-                    </a:p>
-                  </a:txBody>
-                  <a:tcPr marL="74892" marR="74892" marT="37446" marB="37446"/>
-                </a:tc>
-                <a:tc>
-                  <a:txBody>
-                    <a:bodyPr/>
-                    <a:lstStyle/>
-                    <a:p>
-                      <a:r>
-                        <a:rPr lang="en-US" sz="1500" dirty="0" smtClean="0"/>
-                        <a:t>100</a:t>
-                      </a:r>
-                      <a:endParaRPr lang="ru-RU" sz="1500" dirty="0"/>
-                    </a:p>
-                  </a:txBody>
-                  <a:tcPr marL="74892" marR="74892" marT="37446" marB="37446"/>
-                </a:tc>
-                <a:tc>
-                  <a:txBody>
-                    <a:bodyPr/>
-                    <a:lstStyle/>
-                    <a:p>
-                      <a:r>
-                        <a:rPr lang="en-US" sz="1500" dirty="0" smtClean="0"/>
-                        <a:t>101</a:t>
-                      </a:r>
-                      <a:endParaRPr lang="ru-RU" sz="1500" dirty="0"/>
-                    </a:p>
-                  </a:txBody>
-                  <a:tcPr marL="74892" marR="74892" marT="37446" marB="37446"/>
-                </a:tc>
-                <a:tc>
-                  <a:txBody>
-                    <a:bodyPr/>
-                    <a:lstStyle/>
-                    <a:p>
-                      <a:r>
-                        <a:rPr lang="en-US" sz="1500" dirty="0" smtClean="0"/>
-                        <a:t>110</a:t>
-                      </a:r>
-                      <a:endParaRPr lang="ru-RU" sz="1500" dirty="0"/>
-                    </a:p>
-                  </a:txBody>
-                  <a:tcPr marL="74892" marR="74892" marT="37446" marB="37446"/>
-                </a:tc>
-                <a:tc>
-                  <a:txBody>
-                    <a:bodyPr/>
-                    <a:lstStyle/>
-                    <a:p>
-                      <a:r>
-                        <a:rPr lang="en-US" sz="1500" dirty="0" smtClean="0"/>
-                        <a:t>111</a:t>
-                      </a:r>
-                      <a:endParaRPr lang="ru-RU" sz="1500" dirty="0"/>
-                    </a:p>
-                  </a:txBody>
-                  <a:tcPr marL="74892" marR="74892" marT="37446" marB="37446"/>
-                </a:tc>
-                <a:extLst>
-                  <a:ext uri="{0D108BD9-81ED-4DB2-BD59-A6C34878D82A}">
-                    <a16:rowId xmlns:a16="http://schemas.microsoft.com/office/drawing/2014/main" val="636782420"/>
-                  </a:ext>
-                </a:extLst>
-              </a:tr>
-              <a:tr h="299568">
-                <a:tc>
-                  <a:txBody>
-                    <a:bodyPr/>
-                    <a:lstStyle/>
-                    <a:p>
-                      <a:r>
-                        <a:rPr lang="en-US" sz="1500" dirty="0" smtClean="0"/>
-                        <a:t>C</a:t>
-                      </a:r>
-                      <a:endParaRPr lang="ru-RU" sz="1500" dirty="0"/>
-                    </a:p>
-                  </a:txBody>
-                  <a:tcPr marL="74892" marR="74892" marT="37446" marB="37446"/>
-                </a:tc>
-                <a:tc>
-                  <a:txBody>
-                    <a:bodyPr/>
-                    <a:lstStyle/>
-                    <a:p>
-                      <a:r>
-                        <a:rPr lang="en-US" sz="1500" dirty="0" smtClean="0"/>
-                        <a:t>11</a:t>
-                      </a:r>
-                      <a:endParaRPr lang="ru-RU" sz="1500" dirty="0"/>
-                    </a:p>
-                  </a:txBody>
-                  <a:tcPr marL="74892" marR="74892" marT="37446" marB="37446"/>
-                </a:tc>
-                <a:tc>
-                  <a:txBody>
-                    <a:bodyPr/>
-                    <a:lstStyle/>
-                    <a:p>
-                      <a:r>
-                        <a:rPr lang="en-US" sz="1500" dirty="0" smtClean="0"/>
-                        <a:t>00</a:t>
-                      </a:r>
-                      <a:endParaRPr lang="ru-RU" sz="1500" dirty="0"/>
-                    </a:p>
-                  </a:txBody>
-                  <a:tcPr marL="74892" marR="74892" marT="37446" marB="37446"/>
-                </a:tc>
-                <a:tc>
-                  <a:txBody>
-                    <a:bodyPr/>
-                    <a:lstStyle/>
-                    <a:p>
-                      <a:r>
-                        <a:rPr lang="en-US" sz="1500" dirty="0" smtClean="0"/>
-                        <a:t>10</a:t>
-                      </a:r>
-                      <a:endParaRPr lang="ru-RU" sz="1500" dirty="0"/>
-                    </a:p>
-                  </a:txBody>
-                  <a:tcPr marL="74892" marR="74892" marT="37446" marB="37446"/>
-                </a:tc>
-                <a:tc>
-                  <a:txBody>
-                    <a:bodyPr/>
-                    <a:lstStyle/>
-                    <a:p>
-                      <a:r>
-                        <a:rPr lang="en-US" sz="1500" dirty="0" smtClean="0"/>
-                        <a:t>10</a:t>
-                      </a:r>
-                      <a:endParaRPr lang="ru-RU" sz="1500" dirty="0"/>
-                    </a:p>
-                  </a:txBody>
-                  <a:tcPr marL="74892" marR="74892" marT="37446" marB="37446"/>
-                </a:tc>
-                <a:tc>
-                  <a:txBody>
-                    <a:bodyPr/>
-                    <a:lstStyle/>
-                    <a:p>
-                      <a:r>
-                        <a:rPr lang="en-US" sz="1500" dirty="0" smtClean="0"/>
-                        <a:t>01</a:t>
-                      </a:r>
-                      <a:endParaRPr lang="ru-RU" sz="1500" dirty="0"/>
-                    </a:p>
-                  </a:txBody>
-                  <a:tcPr marL="74892" marR="74892" marT="37446" marB="37446"/>
-                </a:tc>
-                <a:tc>
-                  <a:txBody>
-                    <a:bodyPr/>
-                    <a:lstStyle/>
-                    <a:p>
-                      <a:r>
-                        <a:rPr lang="en-US" sz="1500" dirty="0" smtClean="0"/>
-                        <a:t>00</a:t>
-                      </a:r>
-                      <a:endParaRPr lang="ru-RU" sz="1500" dirty="0"/>
-                    </a:p>
-                  </a:txBody>
-                  <a:tcPr marL="74892" marR="74892" marT="37446" marB="37446"/>
-                </a:tc>
-                <a:tc>
-                  <a:txBody>
-                    <a:bodyPr/>
-                    <a:lstStyle/>
-                    <a:p>
-                      <a:r>
-                        <a:rPr lang="en-US" sz="1500" dirty="0" smtClean="0"/>
-                        <a:t>11</a:t>
-                      </a:r>
-                      <a:endParaRPr lang="ru-RU" sz="1500" dirty="0"/>
-                    </a:p>
-                  </a:txBody>
-                  <a:tcPr marL="74892" marR="74892" marT="37446" marB="37446"/>
-                </a:tc>
-                <a:tc>
-                  <a:txBody>
-                    <a:bodyPr/>
-                    <a:lstStyle/>
-                    <a:p>
-                      <a:r>
-                        <a:rPr lang="en-US" sz="1500" dirty="0" smtClean="0"/>
-                        <a:t>00</a:t>
-                      </a:r>
-                      <a:endParaRPr lang="ru-RU" sz="1500" dirty="0"/>
-                    </a:p>
-                  </a:txBody>
-                  <a:tcPr marL="74892" marR="74892" marT="37446" marB="37446"/>
-                </a:tc>
-                <a:extLst>
-                  <a:ext uri="{0D108BD9-81ED-4DB2-BD59-A6C34878D82A}">
-                    <a16:rowId xmlns:a16="http://schemas.microsoft.com/office/drawing/2014/main" val="2134011376"/>
-                  </a:ext>
-                </a:extLst>
-              </a:tr>
-            </a:tbl>
-          </a:graphicData>
-        </a:graphic>
-      </p:graphicFrame>
-      <p:graphicFrame>
-        <p:nvGraphicFramePr>
-          <p:cNvPr id="9" name="Таблица 8"/>
-          <p:cNvGraphicFramePr>
-            <a:graphicFrameLocks noGrp="1"/>
-          </p:cNvGraphicFramePr>
-          <p:nvPr>
-            <p:extLst>
-              <p:ext uri="{D42A27DB-BD31-4B8C-83A1-F6EECF244321}">
-                <p14:modId xmlns:p14="http://schemas.microsoft.com/office/powerpoint/2010/main" val="2634822645"/>
-              </p:ext>
-            </p:extLst>
-          </p:nvPr>
-        </p:nvGraphicFramePr>
-        <p:xfrm>
-          <a:off x="6396855" y="4019699"/>
+          <a:off x="6306239" y="2685170"/>
           <a:ext cx="5491476" cy="2505480"/>
         </p:xfrm>
         <a:graphic>
@@ -10932,465 +11127,13 @@
     </p:spTree>
     <p:extLst>
       <p:ext uri="{BB962C8B-B14F-4D97-AF65-F5344CB8AC3E}">
-        <p14:creationId xmlns:p14="http://schemas.microsoft.com/office/powerpoint/2010/main" val="3728072098"/>
+        <p14:creationId xmlns:p14="http://schemas.microsoft.com/office/powerpoint/2010/main" val="4226512971"/>
       </p:ext>
     </p:extLst>
   </p:cSld>
   <p:clrMapOvr>
     <a:masterClrMapping/>
   </p:clrMapOvr>
-  <p:timing>
-    <p:tnLst>
-      <p:par>
-        <p:cTn id="1" dur="indefinite" restart="never" nodeType="tmRoot"/>
-      </p:par>
-    </p:tnLst>
-  </p:timing>
-</p:sld>
-</file>
-
-<file path=ppt/slides/slide8.xml><?xml version="1.0" encoding="utf-8"?>
-<p:sld xmlns:a="http://schemas.openxmlformats.org/drawingml/2006/main" xmlns:r="http://schemas.openxmlformats.org/officeDocument/2006/relationships" xmlns:p="http://schemas.openxmlformats.org/presentationml/2006/main">
-  <p:cSld>
-    <p:spTree>
-      <p:nvGrpSpPr>
-        <p:cNvPr id="1" name=""/>
-        <p:cNvGrpSpPr/>
-        <p:nvPr/>
-      </p:nvGrpSpPr>
-      <p:grpSpPr>
-        <a:xfrm>
-          <a:off x="0" y="0"/>
-          <a:ext cx="0" cy="0"/>
-          <a:chOff x="0" y="0"/>
-          <a:chExt cx="0" cy="0"/>
-        </a:xfrm>
-      </p:grpSpPr>
-      <p:sp>
-        <p:nvSpPr>
-          <p:cNvPr id="2" name="Заголовок 1"/>
-          <p:cNvSpPr>
-            <a:spLocks noGrp="1"/>
-          </p:cNvSpPr>
-          <p:nvPr>
-            <p:ph type="title"/>
-          </p:nvPr>
-        </p:nvSpPr>
-        <p:spPr/>
-        <p:txBody>
-          <a:bodyPr/>
-          <a:lstStyle/>
-          <a:p>
-            <a:r>
-              <a:rPr lang="ru-RU" dirty="0" smtClean="0"/>
-              <a:t>Пример 2</a:t>
-            </a:r>
-            <a:endParaRPr lang="ru-RU" dirty="0"/>
-          </a:p>
-        </p:txBody>
-      </p:sp>
-      <p:sp>
-        <p:nvSpPr>
-          <p:cNvPr id="3" name="Объект 2"/>
-          <p:cNvSpPr>
-            <a:spLocks noGrp="1"/>
-          </p:cNvSpPr>
-          <p:nvPr>
-            <p:ph idx="1"/>
-          </p:nvPr>
-        </p:nvSpPr>
-        <p:spPr/>
-        <p:txBody>
-          <a:bodyPr>
-            <a:normAutofit fontScale="77500" lnSpcReduction="20000"/>
-          </a:bodyPr>
-          <a:lstStyle/>
-          <a:p>
-            <a:pPr marL="0" indent="0">
-              <a:buNone/>
-            </a:pPr>
-            <a:r>
-              <a:rPr lang="ru-RU" dirty="0" smtClean="0"/>
-              <a:t>При </a:t>
-            </a:r>
-            <a:r>
-              <a:rPr lang="en-US" dirty="0" smtClean="0"/>
-              <a:t>P1 + P2 = 001, </a:t>
-            </a:r>
-            <a:r>
-              <a:rPr lang="ru-RU" dirty="0" smtClean="0"/>
-              <a:t>то</a:t>
-            </a:r>
-            <a:r>
-              <a:rPr lang="en-US" dirty="0" smtClean="0"/>
-              <a:t> C1 + C2 = </a:t>
-            </a:r>
-            <a:r>
-              <a:rPr lang="en-US" dirty="0"/>
-              <a:t>11 </a:t>
-            </a:r>
-            <a:r>
-              <a:rPr lang="ru-RU" dirty="0"/>
-              <a:t>с вероятностью 0,50 ( 50 процентов</a:t>
-            </a:r>
-            <a:r>
-              <a:rPr lang="ru-RU" dirty="0" smtClean="0"/>
-              <a:t>): </a:t>
-            </a:r>
-          </a:p>
-          <a:p>
-            <a:r>
-              <a:rPr lang="ru-RU" dirty="0" smtClean="0"/>
-              <a:t>Если </a:t>
-            </a:r>
-            <a:r>
-              <a:rPr lang="en-US" dirty="0" smtClean="0"/>
-              <a:t>C1 </a:t>
-            </a:r>
-            <a:r>
-              <a:rPr lang="en-US" dirty="0"/>
-              <a:t>= </a:t>
-            </a:r>
-            <a:r>
-              <a:rPr lang="en-US" dirty="0" smtClean="0"/>
-              <a:t>00</a:t>
-            </a:r>
-            <a:r>
-              <a:rPr lang="ru-RU" dirty="0" smtClean="0"/>
-              <a:t>, получим </a:t>
-            </a:r>
-            <a:r>
-              <a:rPr lang="en-US" dirty="0"/>
-              <a:t>P1 = 010 (</a:t>
-            </a:r>
-            <a:r>
-              <a:rPr lang="ru-RU" dirty="0"/>
-              <a:t>атака с выборкой зашифрованного текста). </a:t>
-            </a:r>
-            <a:endParaRPr lang="ru-RU" dirty="0" smtClean="0"/>
-          </a:p>
-          <a:p>
-            <a:r>
-              <a:rPr lang="ru-RU" dirty="0" smtClean="0"/>
-              <a:t>При </a:t>
-            </a:r>
-            <a:r>
-              <a:rPr lang="en-US" dirty="0" smtClean="0"/>
-              <a:t>C2 </a:t>
-            </a:r>
-            <a:r>
-              <a:rPr lang="en-US" dirty="0"/>
-              <a:t>= 11 </a:t>
-            </a:r>
-            <a:r>
-              <a:rPr lang="ru-RU" dirty="0" smtClean="0"/>
-              <a:t>-</a:t>
-            </a:r>
-            <a:r>
-              <a:rPr lang="en-US" dirty="0" smtClean="0"/>
-              <a:t>&gt;</a:t>
-            </a:r>
-            <a:r>
-              <a:rPr lang="ru-RU" dirty="0" smtClean="0"/>
-              <a:t> </a:t>
-            </a:r>
-            <a:r>
-              <a:rPr lang="en-US" dirty="0"/>
-              <a:t>P2 = 011 (</a:t>
-            </a:r>
-            <a:r>
-              <a:rPr lang="ru-RU" dirty="0"/>
-              <a:t>другая атака с выборкой зашифрованного текста). </a:t>
-            </a:r>
-            <a:endParaRPr lang="ru-RU" dirty="0" smtClean="0"/>
-          </a:p>
-          <a:p>
-            <a:endParaRPr lang="ru-RU" dirty="0"/>
-          </a:p>
-          <a:p>
-            <a:pPr marL="0" indent="0">
-              <a:buNone/>
-            </a:pPr>
-            <a:r>
-              <a:rPr lang="ru-RU" dirty="0" smtClean="0"/>
-              <a:t>Возвращаемся </a:t>
-            </a:r>
-            <a:r>
-              <a:rPr lang="ru-RU" dirty="0"/>
-              <a:t>к анализу, основанному на первой паре, </a:t>
-            </a:r>
-            <a:r>
-              <a:rPr lang="en-US" dirty="0"/>
-              <a:t>P1 </a:t>
-            </a:r>
-            <a:r>
-              <a:rPr lang="ru-RU" dirty="0"/>
-              <a:t>и </a:t>
-            </a:r>
-            <a:r>
-              <a:rPr lang="en-US" dirty="0"/>
-              <a:t>C1</a:t>
-            </a:r>
-            <a:r>
-              <a:rPr lang="en-US" dirty="0" smtClean="0"/>
-              <a:t>:</a:t>
-            </a:r>
-            <a:endParaRPr lang="en-US" dirty="0"/>
-          </a:p>
-          <a:p>
-            <a:r>
-              <a:rPr lang="ru-RU" dirty="0" smtClean="0"/>
-              <a:t>С1 </a:t>
-            </a:r>
-            <a:r>
-              <a:rPr lang="ru-RU" dirty="0"/>
-              <a:t>= 00 </a:t>
-            </a:r>
-            <a:r>
-              <a:rPr lang="ru-RU" dirty="0" smtClean="0"/>
-              <a:t>-</a:t>
-            </a:r>
-            <a:r>
-              <a:rPr lang="en-US" dirty="0" smtClean="0"/>
-              <a:t>&gt; X1 = 001 </a:t>
-            </a:r>
-            <a:r>
-              <a:rPr lang="ru-RU" dirty="0" smtClean="0"/>
-              <a:t>или </a:t>
-            </a:r>
-            <a:r>
-              <a:rPr lang="en-US" dirty="0" smtClean="0"/>
-              <a:t>X1 = 111</a:t>
-            </a:r>
-            <a:endParaRPr lang="en-US" dirty="0"/>
-          </a:p>
-          <a:p>
-            <a:r>
-              <a:rPr lang="ru-RU" dirty="0" smtClean="0"/>
-              <a:t>Если</a:t>
-            </a:r>
-            <a:r>
-              <a:rPr lang="en-US" dirty="0" smtClean="0"/>
-              <a:t> X1 = 001</a:t>
-            </a:r>
-            <a:r>
-              <a:rPr lang="ru-RU" dirty="0"/>
-              <a:t>,</a:t>
-            </a:r>
-            <a:r>
-              <a:rPr lang="en-US" dirty="0" smtClean="0"/>
-              <a:t> K </a:t>
-            </a:r>
-            <a:r>
-              <a:rPr lang="en-US" dirty="0"/>
-              <a:t>= </a:t>
-            </a:r>
-            <a:r>
-              <a:rPr lang="en-US" dirty="0" smtClean="0"/>
-              <a:t>X1 + P1 = 011 -&gt; </a:t>
-            </a:r>
-            <a:r>
-              <a:rPr lang="ru-RU" dirty="0" smtClean="0"/>
-              <a:t>Если </a:t>
-            </a:r>
-            <a:r>
-              <a:rPr lang="en-US" dirty="0" smtClean="0"/>
-              <a:t>X1 = </a:t>
-            </a:r>
-            <a:r>
-              <a:rPr lang="en-US" dirty="0"/>
-              <a:t>111 </a:t>
-            </a:r>
-            <a:r>
-              <a:rPr lang="en-US" dirty="0" smtClean="0"/>
-              <a:t>-&gt; K </a:t>
-            </a:r>
-            <a:r>
-              <a:rPr lang="en-US" dirty="0"/>
-              <a:t>= </a:t>
-            </a:r>
-            <a:r>
-              <a:rPr lang="en-US" dirty="0" smtClean="0"/>
-              <a:t>X1 + P1 </a:t>
-            </a:r>
-            <a:r>
-              <a:rPr lang="en-US" dirty="0"/>
-              <a:t>= 101</a:t>
-            </a:r>
-          </a:p>
-          <a:p>
-            <a:pPr marL="0" indent="0">
-              <a:buNone/>
-            </a:pPr>
-            <a:endParaRPr lang="ru-RU" dirty="0" smtClean="0"/>
-          </a:p>
-          <a:p>
-            <a:pPr marL="0" indent="0">
-              <a:buNone/>
-            </a:pPr>
-            <a:r>
-              <a:rPr lang="ru-RU" dirty="0" smtClean="0"/>
-              <a:t>Используя </a:t>
-            </a:r>
-            <a:r>
-              <a:rPr lang="ru-RU" dirty="0"/>
-              <a:t>пару </a:t>
-            </a:r>
-            <a:r>
-              <a:rPr lang="en-US" dirty="0"/>
-              <a:t>P2 </a:t>
-            </a:r>
-            <a:r>
-              <a:rPr lang="ru-RU" dirty="0"/>
-              <a:t>и </a:t>
-            </a:r>
-            <a:r>
-              <a:rPr lang="en-US" dirty="0"/>
-              <a:t>C2, </a:t>
-            </a:r>
-            <a:r>
-              <a:rPr lang="ru-RU" dirty="0" smtClean="0"/>
-              <a:t>получим</a:t>
-            </a:r>
-            <a:endParaRPr lang="ru-RU" dirty="0"/>
-          </a:p>
-          <a:p>
-            <a:r>
-              <a:rPr lang="ru-RU" dirty="0" smtClean="0"/>
-              <a:t>С2 </a:t>
-            </a:r>
-            <a:r>
-              <a:rPr lang="ru-RU" dirty="0"/>
-              <a:t>= 11 </a:t>
-            </a:r>
-            <a:r>
-              <a:rPr lang="ru-RU" dirty="0" smtClean="0"/>
-              <a:t>-</a:t>
-            </a:r>
-            <a:r>
-              <a:rPr lang="en-US" dirty="0" smtClean="0"/>
-              <a:t>&gt; X2 </a:t>
-            </a:r>
-            <a:r>
-              <a:rPr lang="en-US" dirty="0"/>
-              <a:t>= </a:t>
-            </a:r>
-            <a:r>
-              <a:rPr lang="en-US" dirty="0" smtClean="0"/>
-              <a:t>000 </a:t>
-            </a:r>
-            <a:r>
-              <a:rPr lang="ru-RU" dirty="0" smtClean="0"/>
-              <a:t>или </a:t>
-            </a:r>
-            <a:r>
-              <a:rPr lang="en-US" dirty="0" smtClean="0"/>
-              <a:t>X1 </a:t>
-            </a:r>
-            <a:r>
-              <a:rPr lang="en-US" dirty="0"/>
-              <a:t>= </a:t>
-            </a:r>
-            <a:r>
-              <a:rPr lang="en-US" dirty="0" smtClean="0"/>
-              <a:t>110</a:t>
-            </a:r>
-            <a:endParaRPr lang="en-US" dirty="0"/>
-          </a:p>
-          <a:p>
-            <a:r>
-              <a:rPr lang="ru-RU" dirty="0" smtClean="0"/>
-              <a:t>Если </a:t>
-            </a:r>
-            <a:r>
-              <a:rPr lang="en-US" dirty="0" smtClean="0"/>
-              <a:t>X2 </a:t>
-            </a:r>
-            <a:r>
-              <a:rPr lang="en-US" dirty="0"/>
-              <a:t>= 000 </a:t>
-            </a:r>
-            <a:r>
-              <a:rPr lang="en-US" dirty="0" smtClean="0"/>
-              <a:t>-&gt; K </a:t>
-            </a:r>
-            <a:r>
-              <a:rPr lang="en-US" dirty="0"/>
-              <a:t>= X2 </a:t>
-            </a:r>
-            <a:r>
-              <a:rPr lang="en-US" dirty="0" smtClean="0"/>
-              <a:t>+ P2 </a:t>
-            </a:r>
-            <a:r>
-              <a:rPr lang="en-US" dirty="0"/>
-              <a:t>= 011 </a:t>
-            </a:r>
-            <a:r>
-              <a:rPr lang="en-US" dirty="0" smtClean="0"/>
-              <a:t>-&gt; </a:t>
-            </a:r>
-            <a:r>
-              <a:rPr lang="ru-RU" dirty="0" smtClean="0"/>
-              <a:t>Если</a:t>
-            </a:r>
-            <a:r>
-              <a:rPr lang="en-US" dirty="0" smtClean="0"/>
-              <a:t> X12 </a:t>
-            </a:r>
-            <a:r>
-              <a:rPr lang="en-US" dirty="0"/>
-              <a:t>= </a:t>
-            </a:r>
-            <a:r>
-              <a:rPr lang="en-US" dirty="0" smtClean="0"/>
-              <a:t>110</a:t>
-            </a:r>
-            <a:r>
-              <a:rPr lang="ru-RU" dirty="0" smtClean="0"/>
-              <a:t>,</a:t>
-            </a:r>
-            <a:r>
-              <a:rPr lang="en-US" dirty="0" smtClean="0"/>
-              <a:t> K </a:t>
-            </a:r>
-            <a:r>
-              <a:rPr lang="en-US" dirty="0"/>
-              <a:t>= X2 </a:t>
-            </a:r>
-            <a:r>
-              <a:rPr lang="ru-RU" dirty="0" smtClean="0"/>
-              <a:t>+</a:t>
-            </a:r>
-            <a:r>
-              <a:rPr lang="en-US" dirty="0" smtClean="0"/>
-              <a:t> </a:t>
-            </a:r>
-            <a:r>
-              <a:rPr lang="en-US" dirty="0"/>
-              <a:t>P2 = 101</a:t>
-            </a:r>
-            <a:endParaRPr lang="ru-RU" dirty="0"/>
-          </a:p>
-        </p:txBody>
-      </p:sp>
-    </p:spTree>
-    <p:extLst>
-      <p:ext uri="{BB962C8B-B14F-4D97-AF65-F5344CB8AC3E}">
-        <p14:creationId xmlns:p14="http://schemas.microsoft.com/office/powerpoint/2010/main" val="2763189928"/>
-      </p:ext>
-    </p:extLst>
-  </p:cSld>
-  <p:clrMapOvr>
-    <a:masterClrMapping/>
-  </p:clrMapOvr>
-  <p:timing>
-    <p:tnLst>
-      <p:par>
-        <p:cTn id="1" dur="indefinite" restart="never" nodeType="tmRoot"/>
-      </p:par>
-    </p:tnLst>
-  </p:timing>
 </p:sld>
 </file>
 
@@ -11428,7 +11171,7 @@
           <a:p>
             <a:r>
               <a:rPr lang="ru-RU" dirty="0" smtClean="0"/>
-              <a:t>Общая процедура</a:t>
+              <a:t>Пример 2</a:t>
             </a:r>
             <a:endParaRPr lang="ru-RU" dirty="0"/>
           </a:p>
@@ -11446,80 +11189,383 @@
         </p:nvSpPr>
         <p:spPr/>
         <p:txBody>
-          <a:bodyPr/>
+          <a:bodyPr>
+            <a:normAutofit fontScale="77500" lnSpcReduction="20000"/>
+          </a:bodyPr>
           <a:lstStyle/>
           <a:p>
-            <a:pPr marL="457200" indent="-457200">
-              <a:buFont typeface="+mj-lt"/>
-              <a:buAutoNum type="arabicPeriod"/>
+            <a:pPr marL="0" indent="0">
+              <a:buNone/>
             </a:pPr>
             <a:r>
               <a:rPr lang="ru-RU" dirty="0" smtClean="0"/>
-              <a:t>Создание таблицы дифференциальных распределений для каждого </a:t>
+              <a:t>При </a:t>
             </a:r>
             <a:r>
               <a:rPr lang="en-US" dirty="0" smtClean="0"/>
-              <a:t>S-</a:t>
+              <a:t>P1 + P2 = 001, </a:t>
             </a:r>
             <a:r>
               <a:rPr lang="ru-RU" dirty="0" smtClean="0"/>
-              <a:t>блока</a:t>
-            </a:r>
-          </a:p>
-          <a:p>
-            <a:pPr marL="457200" indent="-457200">
-              <a:buFont typeface="+mj-lt"/>
-              <a:buAutoNum type="arabicPeriod"/>
+              <a:t>то</a:t>
+            </a:r>
+            <a:r>
+              <a:rPr lang="en-US" dirty="0" smtClean="0"/>
+              <a:t> C1 + C2 = </a:t>
+            </a:r>
+            <a:r>
+              <a:rPr lang="en-US" dirty="0"/>
+              <a:t>11 </a:t>
+            </a:r>
+            <a:r>
+              <a:rPr lang="ru-RU" dirty="0"/>
+              <a:t>с вероятностью 0,50 ( 50 процентов</a:t>
+            </a:r>
+            <a:r>
+              <a:rPr lang="ru-RU" dirty="0" smtClean="0"/>
+              <a:t>): </a:t>
+            </a:r>
+          </a:p>
+          <a:p>
+            <a:r>
+              <a:rPr lang="ru-RU" dirty="0" smtClean="0"/>
+              <a:t>Если </a:t>
+            </a:r>
+            <a:r>
+              <a:rPr lang="en-US" dirty="0" smtClean="0"/>
+              <a:t>C1 </a:t>
+            </a:r>
+            <a:r>
+              <a:rPr lang="en-US" dirty="0"/>
+              <a:t>= </a:t>
+            </a:r>
+            <a:r>
+              <a:rPr lang="en-US" dirty="0" smtClean="0"/>
+              <a:t>00</a:t>
+            </a:r>
+            <a:r>
+              <a:rPr lang="ru-RU" dirty="0" smtClean="0"/>
+              <a:t>, получим </a:t>
+            </a:r>
+            <a:r>
+              <a:rPr lang="en-US" dirty="0"/>
+              <a:t>P1 = 010 (</a:t>
+            </a:r>
+            <a:r>
+              <a:rPr lang="ru-RU" dirty="0"/>
+              <a:t>атака с выборкой зашифрованного текста). </a:t>
+            </a:r>
+            <a:endParaRPr lang="ru-RU" dirty="0" smtClean="0"/>
+          </a:p>
+          <a:p>
+            <a:r>
+              <a:rPr lang="ru-RU" dirty="0" smtClean="0"/>
+              <a:t>При </a:t>
+            </a:r>
+            <a:r>
+              <a:rPr lang="en-US" dirty="0" smtClean="0"/>
+              <a:t>C2 </a:t>
+            </a:r>
+            <a:r>
+              <a:rPr lang="en-US" dirty="0"/>
+              <a:t>= 11 </a:t>
+            </a:r>
+            <a:r>
+              <a:rPr lang="ru-RU" dirty="0" smtClean="0"/>
+              <a:t>-</a:t>
+            </a:r>
+            <a:r>
+              <a:rPr lang="en-US" dirty="0" smtClean="0"/>
+              <a:t>&gt;</a:t>
+            </a:r>
+            <a:r>
+              <a:rPr lang="ru-RU" dirty="0" smtClean="0"/>
+              <a:t> </a:t>
+            </a:r>
+            <a:r>
+              <a:rPr lang="en-US" dirty="0"/>
+              <a:t>P2 = 011 (</a:t>
+            </a:r>
+            <a:r>
+              <a:rPr lang="ru-RU" dirty="0"/>
+              <a:t>другая атака с выборкой зашифрованного текста). </a:t>
+            </a:r>
+            <a:endParaRPr lang="ru-RU" dirty="0" smtClean="0"/>
+          </a:p>
+          <a:p>
+            <a:endParaRPr lang="ru-RU" dirty="0"/>
+          </a:p>
+          <a:p>
+            <a:pPr marL="0" indent="0">
+              <a:buNone/>
             </a:pPr>
             <a:r>
               <a:rPr lang="ru-RU" dirty="0" smtClean="0"/>
-              <a:t>Создание таблицы дифференциальных распределений для всего шифра</a:t>
-            </a:r>
-          </a:p>
-          <a:p>
-            <a:pPr marL="457200" indent="-457200">
-              <a:buFont typeface="+mj-lt"/>
-              <a:buAutoNum type="arabicPeriod"/>
+              <a:t>Возвращаемся </a:t>
+            </a:r>
+            <a:r>
+              <a:rPr lang="ru-RU" dirty="0"/>
+              <a:t>к анализу, основанному на первой паре, </a:t>
+            </a:r>
+            <a:r>
+              <a:rPr lang="en-US" dirty="0"/>
+              <a:t>P1 </a:t>
+            </a:r>
+            <a:r>
+              <a:rPr lang="ru-RU" dirty="0"/>
+              <a:t>и </a:t>
+            </a:r>
+            <a:r>
+              <a:rPr lang="en-US" dirty="0"/>
+              <a:t>C1</a:t>
+            </a:r>
+            <a:r>
+              <a:rPr lang="en-US" dirty="0" smtClean="0"/>
+              <a:t>:</a:t>
+            </a:r>
+            <a:endParaRPr lang="en-US" dirty="0"/>
+          </a:p>
+          <a:p>
+            <a:r>
+              <a:rPr lang="ru-RU" dirty="0" smtClean="0"/>
+              <a:t>С1 </a:t>
+            </a:r>
+            <a:r>
+              <a:rPr lang="ru-RU" dirty="0"/>
+              <a:t>= 00 </a:t>
+            </a:r>
+            <a:r>
+              <a:rPr lang="ru-RU" dirty="0" smtClean="0"/>
+              <a:t>-</a:t>
+            </a:r>
+            <a:r>
+              <a:rPr lang="en-US" dirty="0" smtClean="0"/>
+              <a:t>&gt; X1 = 001 </a:t>
+            </a:r>
+            <a:r>
+              <a:rPr lang="ru-RU" dirty="0" smtClean="0"/>
+              <a:t>или </a:t>
+            </a:r>
+            <a:r>
+              <a:rPr lang="en-US" dirty="0" smtClean="0"/>
+              <a:t>X1 = 111</a:t>
+            </a:r>
+            <a:endParaRPr lang="en-US" dirty="0"/>
+          </a:p>
+          <a:p>
+            <a:r>
+              <a:rPr lang="ru-RU" dirty="0" smtClean="0"/>
+              <a:t>Если</a:t>
+            </a:r>
+            <a:r>
+              <a:rPr lang="en-US" dirty="0" smtClean="0"/>
+              <a:t> X1 = 001</a:t>
+            </a:r>
+            <a:r>
+              <a:rPr lang="ru-RU" dirty="0"/>
+              <a:t>,</a:t>
+            </a:r>
+            <a:r>
+              <a:rPr lang="en-US" dirty="0" smtClean="0"/>
+              <a:t> K </a:t>
+            </a:r>
+            <a:r>
+              <a:rPr lang="en-US" dirty="0"/>
+              <a:t>= </a:t>
+            </a:r>
+            <a:r>
+              <a:rPr lang="en-US" dirty="0" smtClean="0"/>
+              <a:t>X1 + P1 = 011 -&gt; </a:t>
+            </a:r>
+            <a:r>
+              <a:rPr lang="ru-RU" dirty="0" smtClean="0"/>
+              <a:t>Если </a:t>
+            </a:r>
+            <a:r>
+              <a:rPr lang="en-US" dirty="0" smtClean="0"/>
+              <a:t>X1 = </a:t>
+            </a:r>
+            <a:r>
+              <a:rPr lang="en-US" dirty="0"/>
+              <a:t>111 </a:t>
+            </a:r>
+            <a:r>
+              <a:rPr lang="en-US" dirty="0" smtClean="0"/>
+              <a:t>-&gt; K </a:t>
+            </a:r>
+            <a:r>
+              <a:rPr lang="en-US" dirty="0"/>
+              <a:t>= </a:t>
+            </a:r>
+            <a:r>
+              <a:rPr lang="en-US" dirty="0" smtClean="0"/>
+              <a:t>X1 + P1 </a:t>
+            </a:r>
+            <a:r>
+              <a:rPr lang="en-US" dirty="0"/>
+              <a:t>= 101</a:t>
+            </a:r>
+          </a:p>
+          <a:p>
+            <a:pPr marL="0" indent="0">
+              <a:buNone/>
             </a:pPr>
+            <a:endParaRPr lang="ru-RU" dirty="0" smtClean="0"/>
+          </a:p>
+          <a:p>
+            <a:pPr marL="0" indent="0">
+              <a:buNone/>
+            </a:pPr>
             <a:r>
               <a:rPr lang="ru-RU" dirty="0" smtClean="0"/>
-              <a:t>Выбор списка исходных текстов на основе созданных таблиц</a:t>
-            </a:r>
-          </a:p>
-          <a:p>
-            <a:pPr marL="457200" indent="-457200">
-              <a:buFont typeface="+mj-lt"/>
-              <a:buAutoNum type="arabicPeriod"/>
-            </a:pPr>
+              <a:t>Используя </a:t>
+            </a:r>
+            <a:r>
+              <a:rPr lang="ru-RU" dirty="0"/>
+              <a:t>пару </a:t>
+            </a:r>
+            <a:r>
+              <a:rPr lang="en-US" dirty="0"/>
+              <a:t>P2 </a:t>
+            </a:r>
+            <a:r>
+              <a:rPr lang="ru-RU" dirty="0"/>
+              <a:t>и </a:t>
+            </a:r>
+            <a:r>
+              <a:rPr lang="en-US" dirty="0"/>
+              <a:t>C2, </a:t>
+            </a:r>
             <a:r>
               <a:rPr lang="ru-RU" dirty="0" smtClean="0"/>
-              <a:t>Сопоставление исходного и зашифрованного текстов</a:t>
+              <a:t>получим</a:t>
+            </a:r>
+            <a:endParaRPr lang="ru-RU" dirty="0"/>
+          </a:p>
+          <a:p>
+            <a:r>
+              <a:rPr lang="ru-RU" dirty="0" smtClean="0"/>
+              <a:t>С2 </a:t>
             </a:r>
             <a:r>
               <a:rPr lang="ru-RU" dirty="0"/>
+              <a:t>= 11 </a:t>
+            </a:r>
+            <a:r>
+              <a:rPr lang="ru-RU" dirty="0" smtClean="0"/>
+              <a:t>-</a:t>
+            </a:r>
+            <a:r>
+              <a:rPr lang="en-US" dirty="0" smtClean="0"/>
+              <a:t>&gt; X2 </a:t>
+            </a:r>
+            <a:r>
+              <a:rPr lang="en-US" dirty="0"/>
+              <a:t>= </a:t>
+            </a:r>
+            <a:r>
+              <a:rPr lang="en-US" dirty="0" smtClean="0"/>
+              <a:t>000 </a:t>
+            </a:r>
+            <a:r>
+              <a:rPr lang="ru-RU" dirty="0" smtClean="0"/>
+              <a:t>или </a:t>
+            </a:r>
+            <a:r>
+              <a:rPr lang="en-US" dirty="0" smtClean="0"/>
+              <a:t>X1 </a:t>
+            </a:r>
+            <a:r>
+              <a:rPr lang="en-US" dirty="0"/>
+              <a:t>= </a:t>
+            </a:r>
+            <a:r>
+              <a:rPr lang="en-US" dirty="0" smtClean="0"/>
+              <a:t>110</a:t>
+            </a:r>
+            <a:endParaRPr lang="en-US" dirty="0"/>
+          </a:p>
+          <a:p>
+            <a:r>
+              <a:rPr lang="ru-RU" dirty="0" smtClean="0"/>
+              <a:t>Если </a:t>
+            </a:r>
+            <a:r>
+              <a:rPr lang="en-US" dirty="0" smtClean="0"/>
+              <a:t>X2 </a:t>
+            </a:r>
+            <a:r>
+              <a:rPr lang="en-US" dirty="0"/>
+              <a:t>= 000 </a:t>
+            </a:r>
+            <a:r>
+              <a:rPr lang="en-US" dirty="0" smtClean="0"/>
+              <a:t>-&gt; K </a:t>
+            </a:r>
+            <a:r>
+              <a:rPr lang="en-US" dirty="0"/>
+              <a:t>= X2 </a:t>
+            </a:r>
+            <a:r>
+              <a:rPr lang="en-US" dirty="0" smtClean="0"/>
+              <a:t>+ P2 </a:t>
+            </a:r>
+            <a:r>
+              <a:rPr lang="en-US" dirty="0"/>
+              <a:t>= 011 </a:t>
+            </a:r>
+            <a:r>
+              <a:rPr lang="en-US" dirty="0" smtClean="0"/>
+              <a:t>-&gt; </a:t>
+            </a:r>
+            <a:r>
+              <a:rPr lang="ru-RU" dirty="0" smtClean="0"/>
+              <a:t>Если</a:t>
+            </a:r>
+            <a:r>
+              <a:rPr lang="en-US" dirty="0" smtClean="0"/>
+              <a:t> X12 </a:t>
+            </a:r>
+            <a:r>
+              <a:rPr lang="en-US" dirty="0"/>
+              <a:t>= </a:t>
+            </a:r>
+            <a:r>
+              <a:rPr lang="en-US" dirty="0" smtClean="0"/>
+              <a:t>110</a:t>
+            </a:r>
+            <a:r>
+              <a:rPr lang="ru-RU" dirty="0" smtClean="0"/>
+              <a:t>,</a:t>
+            </a:r>
+            <a:r>
+              <a:rPr lang="en-US" dirty="0" smtClean="0"/>
+              <a:t> K </a:t>
+            </a:r>
+            <a:r>
+              <a:rPr lang="en-US" dirty="0"/>
+              <a:t>= X2 </a:t>
+            </a:r>
+            <a:r>
+              <a:rPr lang="ru-RU" dirty="0" smtClean="0"/>
+              <a:t>+</a:t>
+            </a:r>
+            <a:r>
+              <a:rPr lang="en-US" dirty="0" smtClean="0"/>
               <a:t> </a:t>
             </a:r>
             <a:r>
-              <a:rPr lang="ru-RU" dirty="0" smtClean="0"/>
-              <a:t>для нахождения некоторых битов в ключе</a:t>
-            </a:r>
-          </a:p>
-          <a:p>
-            <a:pPr marL="457200" indent="-457200">
-              <a:buFont typeface="+mj-lt"/>
-              <a:buAutoNum type="arabicPeriod"/>
-            </a:pPr>
-            <a:r>
-              <a:rPr lang="ru-RU" dirty="0" smtClean="0"/>
-              <a:t>Возможно использование атаки грубой силы</a:t>
-            </a:r>
+              <a:rPr lang="en-US" dirty="0"/>
+              <a:t>P2 = 101</a:t>
+            </a:r>
+            <a:endParaRPr lang="ru-RU" dirty="0"/>
           </a:p>
         </p:txBody>
       </p:sp>
     </p:spTree>
     <p:extLst>
       <p:ext uri="{BB962C8B-B14F-4D97-AF65-F5344CB8AC3E}">
-        <p14:creationId xmlns:p14="http://schemas.microsoft.com/office/powerpoint/2010/main" val="3678325467"/>
+        <p14:creationId xmlns:p14="http://schemas.microsoft.com/office/powerpoint/2010/main" val="2763189928"/>
       </p:ext>
     </p:extLst>
   </p:cSld>

--- a/Дифференциальный криптоанализ.pptx
+++ b/Дифференциальный криптоанализ.pptx
@@ -7963,7 +7963,11 @@
             </a:pPr>
             <a:r>
               <a:rPr lang="ru-RU" dirty="0" smtClean="0"/>
-              <a:t>Возможно использование атаки грубой силы</a:t>
+              <a:t>При определенном количестве бит ключа возможно </a:t>
+            </a:r>
+            <a:r>
+              <a:rPr lang="ru-RU" dirty="0" smtClean="0"/>
+              <a:t>использование атаки грубой силы</a:t>
             </a:r>
           </a:p>
         </p:txBody>
@@ -11187,10 +11191,15 @@
             <p:ph idx="1"/>
           </p:nvPr>
         </p:nvSpPr>
-        <p:spPr/>
+        <p:spPr>
+          <a:xfrm>
+            <a:off x="680320" y="2336872"/>
+            <a:ext cx="10344237" cy="4020796"/>
+          </a:xfrm>
+        </p:spPr>
         <p:txBody>
           <a:bodyPr>
-            <a:normAutofit fontScale="77500" lnSpcReduction="20000"/>
+            <a:normAutofit fontScale="70000" lnSpcReduction="20000"/>
           </a:bodyPr>
           <a:lstStyle/>
           <a:p>
@@ -11359,15 +11368,27 @@
             </a:r>
             <a:r>
               <a:rPr lang="en-US" dirty="0" smtClean="0"/>
-              <a:t> X1 = 001</a:t>
+              <a:t> X1 = </a:t>
+            </a:r>
+            <a:r>
+              <a:rPr lang="en-US" dirty="0" smtClean="0"/>
+              <a:t>001</a:t>
             </a:r>
             <a:r>
               <a:rPr lang="ru-RU" dirty="0"/>
-              <a:t>,</a:t>
+              <a:t> </a:t>
+            </a:r>
+            <a:r>
+              <a:rPr lang="ru-RU" dirty="0" smtClean="0"/>
+              <a:t>-</a:t>
             </a:r>
             <a:r>
               <a:rPr lang="en-US" dirty="0" smtClean="0"/>
-              <a:t> K </a:t>
+              <a:t>&gt; </a:t>
+            </a:r>
+            <a:r>
+              <a:rPr lang="en-US" dirty="0" smtClean="0"/>
+              <a:t>K </a:t>
             </a:r>
             <a:r>
               <a:rPr lang="en-US" dirty="0"/>
@@ -11375,8 +11396,15 @@
             </a:r>
             <a:r>
               <a:rPr lang="en-US" dirty="0" smtClean="0"/>
-              <a:t>X1 + P1 = 011 -&gt; </a:t>
-            </a:r>
+              <a:t>X1 + P1 = </a:t>
+            </a:r>
+            <a:r>
+              <a:rPr lang="en-US" dirty="0" smtClean="0"/>
+              <a:t>011</a:t>
+            </a:r>
+            <a:endParaRPr lang="ru-RU" dirty="0" smtClean="0"/>
+          </a:p>
+          <a:p>
             <a:r>
               <a:rPr lang="ru-RU" dirty="0" smtClean="0"/>
               <a:t>Если </a:t>
@@ -11512,19 +11540,22 @@
             </a:r>
             <a:r>
               <a:rPr lang="en-US" dirty="0"/>
-              <a:t>= 011 </a:t>
+              <a:t>= </a:t>
             </a:r>
             <a:r>
               <a:rPr lang="en-US" dirty="0" smtClean="0"/>
-              <a:t>-&gt; </a:t>
-            </a:r>
+              <a:t>011</a:t>
+            </a:r>
+            <a:endParaRPr lang="ru-RU" dirty="0" smtClean="0"/>
+          </a:p>
+          <a:p>
             <a:r>
               <a:rPr lang="ru-RU" dirty="0" smtClean="0"/>
               <a:t>Если</a:t>
             </a:r>
             <a:r>
               <a:rPr lang="en-US" dirty="0" smtClean="0"/>
-              <a:t> X12 </a:t>
+              <a:t> X2 </a:t>
             </a:r>
             <a:r>
               <a:rPr lang="en-US" dirty="0"/>
@@ -11535,12 +11566,20 @@
               <a:t>110</a:t>
             </a:r>
             <a:r>
-              <a:rPr lang="ru-RU" dirty="0" smtClean="0"/>
-              <a:t>,</a:t>
+              <a:rPr lang="en-US" dirty="0"/>
+              <a:t> </a:t>
             </a:r>
             <a:r>
               <a:rPr lang="en-US" dirty="0" smtClean="0"/>
-              <a:t> K </a:t>
+              <a:t>-&gt;</a:t>
+            </a:r>
+            <a:r>
+              <a:rPr lang="en-US" dirty="0" smtClean="0"/>
+              <a:t> </a:t>
+            </a:r>
+            <a:r>
+              <a:rPr lang="en-US" dirty="0" smtClean="0"/>
+              <a:t>K </a:t>
             </a:r>
             <a:r>
               <a:rPr lang="en-US" dirty="0"/>
